--- a/Gerald/Oracle of Nonsense.pptx
+++ b/Gerald/Oracle of Nonsense.pptx
@@ -2,11 +2,18 @@
 <file path=ppt/presentation.xml><?xml version="1.0" encoding="utf-8"?>
 <p:presentation xmlns:a="http://schemas.openxmlformats.org/drawingml/2006/main" xmlns:r="http://schemas.openxmlformats.org/officeDocument/2006/relationships" xmlns:p="http://schemas.openxmlformats.org/presentationml/2006/main" saveSubsetFonts="1">
   <p:sldMasterIdLst>
-    <p:sldMasterId id="2147483746" r:id="rId1"/>
+    <p:sldMasterId id="2147483786" r:id="rId1"/>
   </p:sldMasterIdLst>
   <p:sldIdLst>
     <p:sldId id="257" r:id="rId2"/>
     <p:sldId id="258" r:id="rId3"/>
+    <p:sldId id="261" r:id="rId4"/>
+    <p:sldId id="260" r:id="rId5"/>
+    <p:sldId id="262" r:id="rId6"/>
+    <p:sldId id="263" r:id="rId7"/>
+    <p:sldId id="264" r:id="rId8"/>
+    <p:sldId id="265" r:id="rId9"/>
+    <p:sldId id="266" r:id="rId10"/>
   </p:sldIdLst>
   <p:sldSz cx="12192000" cy="6858000"/>
   <p:notesSz cx="6858000" cy="9144000"/>
@@ -14,7 +21,7 @@
     <a:defPPr>
       <a:defRPr lang="en-US"/>
     </a:defPPr>
-    <a:lvl1pPr marL="0" algn="l" defTabSz="914400" rtl="0" eaLnBrk="1" latinLnBrk="0" hangingPunct="1">
+    <a:lvl1pPr marL="0" algn="l" defTabSz="457200" rtl="0" eaLnBrk="1" latinLnBrk="0" hangingPunct="1">
       <a:defRPr sz="1800" kern="1200">
         <a:solidFill>
           <a:schemeClr val="tx1"/>
@@ -24,7 +31,7 @@
         <a:cs typeface="+mn-cs"/>
       </a:defRPr>
     </a:lvl1pPr>
-    <a:lvl2pPr marL="457200" algn="l" defTabSz="914400" rtl="0" eaLnBrk="1" latinLnBrk="0" hangingPunct="1">
+    <a:lvl2pPr marL="457200" algn="l" defTabSz="457200" rtl="0" eaLnBrk="1" latinLnBrk="0" hangingPunct="1">
       <a:defRPr sz="1800" kern="1200">
         <a:solidFill>
           <a:schemeClr val="tx1"/>
@@ -34,7 +41,7 @@
         <a:cs typeface="+mn-cs"/>
       </a:defRPr>
     </a:lvl2pPr>
-    <a:lvl3pPr marL="914400" algn="l" defTabSz="914400" rtl="0" eaLnBrk="1" latinLnBrk="0" hangingPunct="1">
+    <a:lvl3pPr marL="914400" algn="l" defTabSz="457200" rtl="0" eaLnBrk="1" latinLnBrk="0" hangingPunct="1">
       <a:defRPr sz="1800" kern="1200">
         <a:solidFill>
           <a:schemeClr val="tx1"/>
@@ -44,7 +51,7 @@
         <a:cs typeface="+mn-cs"/>
       </a:defRPr>
     </a:lvl3pPr>
-    <a:lvl4pPr marL="1371600" algn="l" defTabSz="914400" rtl="0" eaLnBrk="1" latinLnBrk="0" hangingPunct="1">
+    <a:lvl4pPr marL="1371600" algn="l" defTabSz="457200" rtl="0" eaLnBrk="1" latinLnBrk="0" hangingPunct="1">
       <a:defRPr sz="1800" kern="1200">
         <a:solidFill>
           <a:schemeClr val="tx1"/>
@@ -54,7 +61,7 @@
         <a:cs typeface="+mn-cs"/>
       </a:defRPr>
     </a:lvl4pPr>
-    <a:lvl5pPr marL="1828800" algn="l" defTabSz="914400" rtl="0" eaLnBrk="1" latinLnBrk="0" hangingPunct="1">
+    <a:lvl5pPr marL="1828800" algn="l" defTabSz="457200" rtl="0" eaLnBrk="1" latinLnBrk="0" hangingPunct="1">
       <a:defRPr sz="1800" kern="1200">
         <a:solidFill>
           <a:schemeClr val="tx1"/>
@@ -64,7 +71,7 @@
         <a:cs typeface="+mn-cs"/>
       </a:defRPr>
     </a:lvl5pPr>
-    <a:lvl6pPr marL="2286000" algn="l" defTabSz="914400" rtl="0" eaLnBrk="1" latinLnBrk="0" hangingPunct="1">
+    <a:lvl6pPr marL="2286000" algn="l" defTabSz="457200" rtl="0" eaLnBrk="1" latinLnBrk="0" hangingPunct="1">
       <a:defRPr sz="1800" kern="1200">
         <a:solidFill>
           <a:schemeClr val="tx1"/>
@@ -74,7 +81,7 @@
         <a:cs typeface="+mn-cs"/>
       </a:defRPr>
     </a:lvl6pPr>
-    <a:lvl7pPr marL="2743200" algn="l" defTabSz="914400" rtl="0" eaLnBrk="1" latinLnBrk="0" hangingPunct="1">
+    <a:lvl7pPr marL="2743200" algn="l" defTabSz="457200" rtl="0" eaLnBrk="1" latinLnBrk="0" hangingPunct="1">
       <a:defRPr sz="1800" kern="1200">
         <a:solidFill>
           <a:schemeClr val="tx1"/>
@@ -84,7 +91,7 @@
         <a:cs typeface="+mn-cs"/>
       </a:defRPr>
     </a:lvl7pPr>
-    <a:lvl8pPr marL="3200400" algn="l" defTabSz="914400" rtl="0" eaLnBrk="1" latinLnBrk="0" hangingPunct="1">
+    <a:lvl8pPr marL="3200400" algn="l" defTabSz="457200" rtl="0" eaLnBrk="1" latinLnBrk="0" hangingPunct="1">
       <a:defRPr sz="1800" kern="1200">
         <a:solidFill>
           <a:schemeClr val="tx1"/>
@@ -94,7 +101,7 @@
         <a:cs typeface="+mn-cs"/>
       </a:defRPr>
     </a:lvl8pPr>
-    <a:lvl9pPr marL="3657600" algn="l" defTabSz="914400" rtl="0" eaLnBrk="1" latinLnBrk="0" hangingPunct="1">
+    <a:lvl9pPr marL="3657600" algn="l" defTabSz="457200" rtl="0" eaLnBrk="1" latinLnBrk="0" hangingPunct="1">
       <a:defRPr sz="1800" kern="1200">
         <a:solidFill>
           <a:schemeClr val="tx1"/>
@@ -132,62 +139,18 @@
       </p:grpSpPr>
       <p:sp>
         <p:nvSpPr>
-          <p:cNvPr id="10" name="Rectangle 9">
-            <a:extLst>
-              <a:ext uri="{FF2B5EF4-FFF2-40B4-BE49-F238E27FC236}">
-                <a16:creationId xmlns:a16="http://schemas.microsoft.com/office/drawing/2014/main" id="{39E3965E-AC41-4711-9D10-E25ABB132D86}"/>
-              </a:ext>
-            </a:extLst>
-          </p:cNvPr>
-          <p:cNvSpPr/>
-          <p:nvPr/>
+          <p:cNvPr id="2" name="Title 1"/>
+          <p:cNvSpPr>
+            <a:spLocks noGrp="1"/>
+          </p:cNvSpPr>
+          <p:nvPr>
+            <p:ph type="ctrTitle"/>
+          </p:nvPr>
         </p:nvSpPr>
         <p:spPr>
           <a:xfrm>
-            <a:off x="3175" y="6400800"/>
-            <a:ext cx="12188825" cy="457200"/>
-          </a:xfrm>
-          <a:prstGeom prst="rect">
-            <a:avLst/>
-          </a:prstGeom>
-          <a:solidFill>
-            <a:srgbClr val="262626"/>
-          </a:solidFill>
-          <a:ln>
-            <a:noFill/>
-          </a:ln>
-        </p:spPr>
-        <p:style>
-          <a:lnRef idx="2">
-            <a:schemeClr val="accent1">
-              <a:shade val="50000"/>
-            </a:schemeClr>
-          </a:lnRef>
-          <a:fillRef idx="1">
-            <a:schemeClr val="accent1"/>
-          </a:fillRef>
-          <a:effectRef idx="0">
-            <a:schemeClr val="accent1"/>
-          </a:effectRef>
-          <a:fontRef idx="minor">
-            <a:schemeClr val="lt1"/>
-          </a:fontRef>
-        </p:style>
-      </p:sp>
-      <p:sp>
-        <p:nvSpPr>
-          <p:cNvPr id="2" name="Title 1"/>
-          <p:cNvSpPr>
-            <a:spLocks noGrp="1"/>
-          </p:cNvSpPr>
-          <p:nvPr>
-            <p:ph type="ctrTitle"/>
-          </p:nvPr>
-        </p:nvSpPr>
-        <p:spPr>
-          <a:xfrm>
-            <a:off x="1097280" y="758952"/>
-            <a:ext cx="10058400" cy="3566160"/>
+            <a:off x="684212" y="685799"/>
+            <a:ext cx="8001000" cy="2971801"/>
           </a:xfrm>
         </p:spPr>
         <p:txBody>
@@ -196,16 +159,8 @@
           </a:bodyPr>
           <a:lstStyle>
             <a:lvl1pPr algn="l">
-              <a:lnSpc>
-                <a:spcPct val="90000"/>
-              </a:lnSpc>
-              <a:defRPr sz="8000" spc="-50" baseline="0">
-                <a:solidFill>
-                  <a:schemeClr val="tx1">
-                    <a:lumMod val="85000"/>
-                    <a:lumOff val="15000"/>
-                  </a:schemeClr>
-                </a:solidFill>
+              <a:defRPr sz="4800">
+                <a:effectLst/>
               </a:defRPr>
             </a:lvl1pPr>
           </a:lstStyle>
@@ -230,55 +185,104 @@
         </p:nvSpPr>
         <p:spPr>
           <a:xfrm>
-            <a:off x="1100051" y="4645152"/>
-            <a:ext cx="10058400" cy="1143000"/>
+            <a:off x="684212" y="3843867"/>
+            <a:ext cx="6400800" cy="1947333"/>
           </a:xfrm>
         </p:spPr>
         <p:txBody>
-          <a:bodyPr lIns="91440" rIns="91440">
+          <a:bodyPr anchor="t">
             <a:normAutofit/>
           </a:bodyPr>
           <a:lstStyle>
             <a:lvl1pPr marL="0" indent="0" algn="l">
               <a:buNone/>
-              <a:defRPr sz="2400" cap="all" spc="200" baseline="0">
-                <a:solidFill>
-                  <a:schemeClr val="tx1"/>
-                </a:solidFill>
-                <a:latin typeface="+mn-lt"/>
+              <a:defRPr sz="2100">
+                <a:solidFill>
+                  <a:schemeClr val="bg2">
+                    <a:lumMod val="75000"/>
+                  </a:schemeClr>
+                </a:solidFill>
               </a:defRPr>
             </a:lvl1pPr>
             <a:lvl2pPr marL="457200" indent="0" algn="ctr">
               <a:buNone/>
-              <a:defRPr sz="2400"/>
+              <a:defRPr>
+                <a:solidFill>
+                  <a:schemeClr val="tx1">
+                    <a:tint val="75000"/>
+                  </a:schemeClr>
+                </a:solidFill>
+              </a:defRPr>
             </a:lvl2pPr>
             <a:lvl3pPr marL="914400" indent="0" algn="ctr">
               <a:buNone/>
-              <a:defRPr sz="2400"/>
+              <a:defRPr>
+                <a:solidFill>
+                  <a:schemeClr val="tx1">
+                    <a:tint val="75000"/>
+                  </a:schemeClr>
+                </a:solidFill>
+              </a:defRPr>
             </a:lvl3pPr>
             <a:lvl4pPr marL="1371600" indent="0" algn="ctr">
               <a:buNone/>
-              <a:defRPr sz="2000"/>
+              <a:defRPr>
+                <a:solidFill>
+                  <a:schemeClr val="tx1">
+                    <a:tint val="75000"/>
+                  </a:schemeClr>
+                </a:solidFill>
+              </a:defRPr>
             </a:lvl4pPr>
             <a:lvl5pPr marL="1828800" indent="0" algn="ctr">
               <a:buNone/>
-              <a:defRPr sz="2000"/>
+              <a:defRPr>
+                <a:solidFill>
+                  <a:schemeClr val="tx1">
+                    <a:tint val="75000"/>
+                  </a:schemeClr>
+                </a:solidFill>
+              </a:defRPr>
             </a:lvl5pPr>
             <a:lvl6pPr marL="2286000" indent="0" algn="ctr">
               <a:buNone/>
-              <a:defRPr sz="2000"/>
+              <a:defRPr>
+                <a:solidFill>
+                  <a:schemeClr val="tx1">
+                    <a:tint val="75000"/>
+                  </a:schemeClr>
+                </a:solidFill>
+              </a:defRPr>
             </a:lvl6pPr>
             <a:lvl7pPr marL="2743200" indent="0" algn="ctr">
               <a:buNone/>
-              <a:defRPr sz="2000"/>
+              <a:defRPr>
+                <a:solidFill>
+                  <a:schemeClr val="tx1">
+                    <a:tint val="75000"/>
+                  </a:schemeClr>
+                </a:solidFill>
+              </a:defRPr>
             </a:lvl7pPr>
             <a:lvl8pPr marL="3200400" indent="0" algn="ctr">
               <a:buNone/>
-              <a:defRPr sz="2000"/>
+              <a:defRPr>
+                <a:solidFill>
+                  <a:schemeClr val="tx1">
+                    <a:tint val="75000"/>
+                  </a:schemeClr>
+                </a:solidFill>
+              </a:defRPr>
             </a:lvl8pPr>
             <a:lvl9pPr marL="3657600" indent="0" algn="ctr">
               <a:buNone/>
-              <a:defRPr sz="2000"/>
+              <a:defRPr>
+                <a:solidFill>
+                  <a:schemeClr val="tx1">
+                    <a:tint val="75000"/>
+                  </a:schemeClr>
+                </a:solidFill>
+              </a:defRPr>
             </a:lvl9pPr>
           </a:lstStyle>
           <a:p>
@@ -290,43 +294,99 @@
           </a:p>
         </p:txBody>
       </p:sp>
+      <p:sp>
+        <p:nvSpPr>
+          <p:cNvPr id="4" name="Date Placeholder 3"/>
+          <p:cNvSpPr>
+            <a:spLocks noGrp="1"/>
+          </p:cNvSpPr>
+          <p:nvPr>
+            <p:ph type="dt" sz="half" idx="10"/>
+          </p:nvPr>
+        </p:nvSpPr>
+        <p:spPr/>
+        <p:txBody>
+          <a:bodyPr/>
+          <a:lstStyle/>
+          <a:p>
+            <a:fld id="{9184DA70-C731-4C70-880D-CCD4705E623C}" type="datetime1">
+              <a:rPr lang="en-US" smtClean="0"/>
+              <a:t>6/22/2022</a:t>
+            </a:fld>
+            <a:endParaRPr lang="en-US" dirty="0"/>
+          </a:p>
+        </p:txBody>
+      </p:sp>
+      <p:sp>
+        <p:nvSpPr>
+          <p:cNvPr id="5" name="Footer Placeholder 4"/>
+          <p:cNvSpPr>
+            <a:spLocks noGrp="1"/>
+          </p:cNvSpPr>
+          <p:nvPr>
+            <p:ph type="ftr" sz="quarter" idx="11"/>
+          </p:nvPr>
+        </p:nvSpPr>
+        <p:spPr/>
+        <p:txBody>
+          <a:bodyPr/>
+          <a:lstStyle/>
+          <a:p>
+            <a:endParaRPr lang="en-US" dirty="0"/>
+          </a:p>
+        </p:txBody>
+      </p:sp>
+      <p:sp>
+        <p:nvSpPr>
+          <p:cNvPr id="6" name="Slide Number Placeholder 5"/>
+          <p:cNvSpPr>
+            <a:spLocks noGrp="1"/>
+          </p:cNvSpPr>
+          <p:nvPr>
+            <p:ph type="sldNum" sz="quarter" idx="12"/>
+          </p:nvPr>
+        </p:nvSpPr>
+        <p:spPr/>
+        <p:txBody>
+          <a:bodyPr/>
+          <a:lstStyle/>
+          <a:p>
+            <a:fld id="{3A98EE3D-8CD1-4C3F-BD1C-C98C9596463C}" type="slidenum">
+              <a:rPr lang="en-US" smtClean="0"/>
+              <a:t>‹#›</a:t>
+            </a:fld>
+            <a:endParaRPr lang="en-US" dirty="0"/>
+          </a:p>
+        </p:txBody>
+      </p:sp>
       <p:cxnSp>
         <p:nvCxnSpPr>
-          <p:cNvPr id="9" name="Straight Connector 8">
-            <a:extLst>
-              <a:ext uri="{FF2B5EF4-FFF2-40B4-BE49-F238E27FC236}">
-                <a16:creationId xmlns:a16="http://schemas.microsoft.com/office/drawing/2014/main" id="{1F5DC8C3-BA5F-4EED-BB9A-A14272BD82A1}"/>
-              </a:ext>
-            </a:extLst>
-          </p:cNvPr>
+          <p:cNvPr id="16" name="Straight Connector 15"/>
           <p:cNvCxnSpPr/>
           <p:nvPr/>
         </p:nvCxnSpPr>
         <p:spPr>
-          <a:xfrm>
-            <a:off x="1207658" y="4474741"/>
-            <a:ext cx="9875520" cy="0"/>
+          <a:xfrm flipH="1">
+            <a:off x="8228012" y="8467"/>
+            <a:ext cx="3810000" cy="3810000"/>
           </a:xfrm>
           <a:prstGeom prst="line">
             <a:avLst/>
           </a:prstGeom>
           <a:ln w="12700">
             <a:solidFill>
-              <a:schemeClr val="tx1">
-                <a:lumMod val="75000"/>
-                <a:lumOff val="25000"/>
-              </a:schemeClr>
+              <a:schemeClr val="tx1"/>
             </a:solidFill>
           </a:ln>
         </p:spPr>
         <p:style>
-          <a:lnRef idx="1">
+          <a:lnRef idx="2">
             <a:schemeClr val="accent1"/>
           </a:lnRef>
           <a:fillRef idx="0">
             <a:schemeClr val="accent1"/>
           </a:fillRef>
-          <a:effectRef idx="0">
+          <a:effectRef idx="1">
             <a:schemeClr val="accent1"/>
           </a:effectRef>
           <a:fontRef idx="minor">
@@ -334,93 +394,150 @@
           </a:fontRef>
         </p:style>
       </p:cxnSp>
-      <p:sp>
-        <p:nvSpPr>
-          <p:cNvPr id="4" name="Date Placeholder 3">
-            <a:extLst>
-              <a:ext uri="{FF2B5EF4-FFF2-40B4-BE49-F238E27FC236}">
-                <a16:creationId xmlns:a16="http://schemas.microsoft.com/office/drawing/2014/main" id="{9925CCF1-92C0-4AF3-BFAF-4921631915AB}"/>
-              </a:ext>
-            </a:extLst>
-          </p:cNvPr>
-          <p:cNvSpPr>
-            <a:spLocks noGrp="1"/>
-          </p:cNvSpPr>
-          <p:nvPr>
-            <p:ph type="dt" sz="half" idx="10"/>
-          </p:nvPr>
-        </p:nvSpPr>
-        <p:spPr/>
-        <p:txBody>
-          <a:bodyPr/>
-          <a:lstStyle/>
-          <a:p>
-            <a:fld id="{9184DA70-C731-4C70-880D-CCD4705E623C}" type="datetime1">
-              <a:rPr lang="en-US" smtClean="0"/>
-              <a:t>6/19/2022</a:t>
-            </a:fld>
-            <a:endParaRPr lang="en-US" dirty="0"/>
-          </a:p>
-        </p:txBody>
-      </p:sp>
-      <p:sp>
-        <p:nvSpPr>
-          <p:cNvPr id="5" name="Footer Placeholder 4">
-            <a:extLst>
-              <a:ext uri="{FF2B5EF4-FFF2-40B4-BE49-F238E27FC236}">
-                <a16:creationId xmlns:a16="http://schemas.microsoft.com/office/drawing/2014/main" id="{051A78A9-3DFF-4937-A9F2-5D8CF495F367}"/>
-              </a:ext>
-            </a:extLst>
-          </p:cNvPr>
-          <p:cNvSpPr>
-            <a:spLocks noGrp="1"/>
-          </p:cNvSpPr>
-          <p:nvPr>
-            <p:ph type="ftr" sz="quarter" idx="11"/>
-          </p:nvPr>
-        </p:nvSpPr>
-        <p:spPr/>
-        <p:txBody>
-          <a:bodyPr/>
-          <a:lstStyle/>
-          <a:p>
-            <a:endParaRPr lang="en-US" dirty="0"/>
-          </a:p>
-        </p:txBody>
-      </p:sp>
-      <p:sp>
-        <p:nvSpPr>
-          <p:cNvPr id="6" name="Slide Number Placeholder 5">
-            <a:extLst>
-              <a:ext uri="{FF2B5EF4-FFF2-40B4-BE49-F238E27FC236}">
-                <a16:creationId xmlns:a16="http://schemas.microsoft.com/office/drawing/2014/main" id="{5FAEB271-5CC0-4759-BC6E-8BE53AB227C0}"/>
-              </a:ext>
-            </a:extLst>
-          </p:cNvPr>
-          <p:cNvSpPr>
-            <a:spLocks noGrp="1"/>
-          </p:cNvSpPr>
-          <p:nvPr>
-            <p:ph type="sldNum" sz="quarter" idx="12"/>
-          </p:nvPr>
-        </p:nvSpPr>
-        <p:spPr/>
-        <p:txBody>
-          <a:bodyPr/>
-          <a:lstStyle/>
-          <a:p>
-            <a:fld id="{3A98EE3D-8CD1-4C3F-BD1C-C98C9596463C}" type="slidenum">
-              <a:rPr lang="en-US" smtClean="0"/>
-              <a:t>‹#›</a:t>
-            </a:fld>
-            <a:endParaRPr lang="en-US" dirty="0"/>
-          </a:p>
-        </p:txBody>
-      </p:sp>
+      <p:cxnSp>
+        <p:nvCxnSpPr>
+          <p:cNvPr id="17" name="Straight Connector 16"/>
+          <p:cNvCxnSpPr/>
+          <p:nvPr/>
+        </p:nvCxnSpPr>
+        <p:spPr>
+          <a:xfrm flipH="1">
+            <a:off x="6108170" y="91545"/>
+            <a:ext cx="6080655" cy="6080655"/>
+          </a:xfrm>
+          <a:prstGeom prst="line">
+            <a:avLst/>
+          </a:prstGeom>
+          <a:ln w="12700">
+            <a:solidFill>
+              <a:schemeClr val="tx1"/>
+            </a:solidFill>
+          </a:ln>
+        </p:spPr>
+        <p:style>
+          <a:lnRef idx="2">
+            <a:schemeClr val="accent1"/>
+          </a:lnRef>
+          <a:fillRef idx="0">
+            <a:schemeClr val="accent1"/>
+          </a:fillRef>
+          <a:effectRef idx="1">
+            <a:schemeClr val="accent1"/>
+          </a:effectRef>
+          <a:fontRef idx="minor">
+            <a:schemeClr val="tx1"/>
+          </a:fontRef>
+        </p:style>
+      </p:cxnSp>
+      <p:cxnSp>
+        <p:nvCxnSpPr>
+          <p:cNvPr id="19" name="Straight Connector 18"/>
+          <p:cNvCxnSpPr/>
+          <p:nvPr/>
+        </p:nvCxnSpPr>
+        <p:spPr>
+          <a:xfrm flipH="1">
+            <a:off x="7235825" y="228600"/>
+            <a:ext cx="4953000" cy="4953000"/>
+          </a:xfrm>
+          <a:prstGeom prst="line">
+            <a:avLst/>
+          </a:prstGeom>
+          <a:ln w="12700">
+            <a:solidFill>
+              <a:schemeClr val="tx1"/>
+            </a:solidFill>
+          </a:ln>
+        </p:spPr>
+        <p:style>
+          <a:lnRef idx="2">
+            <a:schemeClr val="accent1"/>
+          </a:lnRef>
+          <a:fillRef idx="0">
+            <a:schemeClr val="accent1"/>
+          </a:fillRef>
+          <a:effectRef idx="1">
+            <a:schemeClr val="accent1"/>
+          </a:effectRef>
+          <a:fontRef idx="minor">
+            <a:schemeClr val="tx1"/>
+          </a:fontRef>
+        </p:style>
+      </p:cxnSp>
+      <p:cxnSp>
+        <p:nvCxnSpPr>
+          <p:cNvPr id="21" name="Straight Connector 20"/>
+          <p:cNvCxnSpPr/>
+          <p:nvPr/>
+        </p:nvCxnSpPr>
+        <p:spPr>
+          <a:xfrm flipH="1">
+            <a:off x="7335837" y="32278"/>
+            <a:ext cx="4852989" cy="4852989"/>
+          </a:xfrm>
+          <a:prstGeom prst="line">
+            <a:avLst/>
+          </a:prstGeom>
+          <a:ln w="31750">
+            <a:solidFill>
+              <a:schemeClr val="tx1"/>
+            </a:solidFill>
+          </a:ln>
+        </p:spPr>
+        <p:style>
+          <a:lnRef idx="2">
+            <a:schemeClr val="accent1"/>
+          </a:lnRef>
+          <a:fillRef idx="0">
+            <a:schemeClr val="accent1"/>
+          </a:fillRef>
+          <a:effectRef idx="1">
+            <a:schemeClr val="accent1"/>
+          </a:effectRef>
+          <a:fontRef idx="minor">
+            <a:schemeClr val="tx1"/>
+          </a:fontRef>
+        </p:style>
+      </p:cxnSp>
+      <p:cxnSp>
+        <p:nvCxnSpPr>
+          <p:cNvPr id="23" name="Straight Connector 22"/>
+          <p:cNvCxnSpPr/>
+          <p:nvPr/>
+        </p:nvCxnSpPr>
+        <p:spPr>
+          <a:xfrm flipH="1">
+            <a:off x="7845426" y="609601"/>
+            <a:ext cx="4343399" cy="4343399"/>
+          </a:xfrm>
+          <a:prstGeom prst="line">
+            <a:avLst/>
+          </a:prstGeom>
+          <a:ln w="31750">
+            <a:solidFill>
+              <a:schemeClr val="tx1"/>
+            </a:solidFill>
+          </a:ln>
+        </p:spPr>
+        <p:style>
+          <a:lnRef idx="2">
+            <a:schemeClr val="accent1"/>
+          </a:lnRef>
+          <a:fillRef idx="0">
+            <a:schemeClr val="accent1"/>
+          </a:fillRef>
+          <a:effectRef idx="1">
+            <a:schemeClr val="accent1"/>
+          </a:effectRef>
+          <a:fontRef idx="minor">
+            <a:schemeClr val="tx1"/>
+          </a:fontRef>
+        </p:style>
+      </p:cxnSp>
     </p:spTree>
     <p:extLst>
       <p:ext uri="{BB962C8B-B14F-4D97-AF65-F5344CB8AC3E}">
-        <p14:creationId xmlns:p14="http://schemas.microsoft.com/office/powerpoint/2010/main" val="4258331492"/>
+        <p14:creationId xmlns:p14="http://schemas.microsoft.com/office/powerpoint/2010/main" val="1768650225"/>
       </p:ext>
     </p:extLst>
   </p:cSld>
@@ -431,6 +548,1818 @@
 </file>
 
 <file path=ppt/slideLayouts/slideLayout10.xml><?xml version="1.0" encoding="utf-8"?>
+<p:sldLayout xmlns:a="http://schemas.openxmlformats.org/drawingml/2006/main" xmlns:r="http://schemas.openxmlformats.org/officeDocument/2006/relationships" xmlns:p="http://schemas.openxmlformats.org/presentationml/2006/main" preserve="1">
+  <p:cSld name="Panoramic Picture with Caption">
+    <p:spTree>
+      <p:nvGrpSpPr>
+        <p:cNvPr id="1" name=""/>
+        <p:cNvGrpSpPr/>
+        <p:nvPr/>
+      </p:nvGrpSpPr>
+      <p:grpSpPr>
+        <a:xfrm>
+          <a:off x="0" y="0"/>
+          <a:ext cx="0" cy="0"/>
+          <a:chOff x="0" y="0"/>
+          <a:chExt cx="0" cy="0"/>
+        </a:xfrm>
+      </p:grpSpPr>
+      <p:sp>
+        <p:nvSpPr>
+          <p:cNvPr id="2" name="Title 1"/>
+          <p:cNvSpPr>
+            <a:spLocks noGrp="1"/>
+          </p:cNvSpPr>
+          <p:nvPr>
+            <p:ph type="title"/>
+          </p:nvPr>
+        </p:nvSpPr>
+        <p:spPr/>
+        <p:txBody>
+          <a:bodyPr/>
+          <a:lstStyle/>
+          <a:p>
+            <a:r>
+              <a:rPr lang="en-US"/>
+              <a:t>Click to edit Master title style</a:t>
+            </a:r>
+            <a:endParaRPr lang="en-US" dirty="0"/>
+          </a:p>
+        </p:txBody>
+      </p:sp>
+      <p:sp>
+        <p:nvSpPr>
+          <p:cNvPr id="17" name="Picture Placeholder 2"/>
+          <p:cNvSpPr>
+            <a:spLocks noGrp="1" noChangeAspect="1"/>
+          </p:cNvSpPr>
+          <p:nvPr>
+            <p:ph type="pic" idx="13"/>
+          </p:nvPr>
+        </p:nvSpPr>
+        <p:spPr>
+          <a:xfrm>
+            <a:off x="685800" y="533400"/>
+            <a:ext cx="10818812" cy="3124200"/>
+          </a:xfrm>
+          <a:prstGeom prst="snip2DiagRect">
+            <a:avLst>
+              <a:gd name="adj1" fmla="val 10815"/>
+              <a:gd name="adj2" fmla="val 0"/>
+            </a:avLst>
+          </a:prstGeom>
+          <a:ln w="15875">
+            <a:solidFill>
+              <a:schemeClr val="tx1">
+                <a:alpha val="40000"/>
+              </a:schemeClr>
+            </a:solidFill>
+          </a:ln>
+          <a:effectLst>
+            <a:innerShdw blurRad="57150" dist="38100" dir="14460000">
+              <a:srgbClr val="000000">
+                <a:alpha val="70000"/>
+              </a:srgbClr>
+            </a:innerShdw>
+          </a:effectLst>
+        </p:spPr>
+        <p:txBody>
+          <a:bodyPr anchor="t">
+            <a:normAutofit/>
+          </a:bodyPr>
+          <a:lstStyle>
+            <a:lvl1pPr marL="0" indent="0" algn="ctr">
+              <a:buNone/>
+              <a:defRPr sz="1600"/>
+            </a:lvl1pPr>
+            <a:lvl2pPr marL="457200" indent="0">
+              <a:buNone/>
+              <a:defRPr sz="1600"/>
+            </a:lvl2pPr>
+            <a:lvl3pPr marL="914400" indent="0">
+              <a:buNone/>
+              <a:defRPr sz="1600"/>
+            </a:lvl3pPr>
+            <a:lvl4pPr marL="1371600" indent="0">
+              <a:buNone/>
+              <a:defRPr sz="1600"/>
+            </a:lvl4pPr>
+            <a:lvl5pPr marL="1828800" indent="0">
+              <a:buNone/>
+              <a:defRPr sz="1600"/>
+            </a:lvl5pPr>
+            <a:lvl6pPr marL="2286000" indent="0">
+              <a:buNone/>
+              <a:defRPr sz="1600"/>
+            </a:lvl6pPr>
+            <a:lvl7pPr marL="2743200" indent="0">
+              <a:buNone/>
+              <a:defRPr sz="1600"/>
+            </a:lvl7pPr>
+            <a:lvl8pPr marL="3200400" indent="0">
+              <a:buNone/>
+              <a:defRPr sz="1600"/>
+            </a:lvl8pPr>
+            <a:lvl9pPr marL="3657600" indent="0">
+              <a:buNone/>
+              <a:defRPr sz="1600"/>
+            </a:lvl9pPr>
+          </a:lstStyle>
+          <a:p>
+            <a:r>
+              <a:rPr lang="en-US"/>
+              <a:t>Click icon to add picture</a:t>
+            </a:r>
+            <a:endParaRPr lang="en-US" dirty="0"/>
+          </a:p>
+        </p:txBody>
+      </p:sp>
+      <p:sp>
+        <p:nvSpPr>
+          <p:cNvPr id="16" name="Text Placeholder 9"/>
+          <p:cNvSpPr>
+            <a:spLocks noGrp="1"/>
+          </p:cNvSpPr>
+          <p:nvPr>
+            <p:ph type="body" sz="quarter" idx="14"/>
+          </p:nvPr>
+        </p:nvSpPr>
+        <p:spPr>
+          <a:xfrm>
+            <a:off x="914402" y="3843867"/>
+            <a:ext cx="8304210" cy="457200"/>
+          </a:xfrm>
+        </p:spPr>
+        <p:txBody>
+          <a:bodyPr anchor="t">
+            <a:normAutofit/>
+          </a:bodyPr>
+          <a:lstStyle>
+            <a:lvl1pPr marL="0" indent="0">
+              <a:buFontTx/>
+              <a:buNone/>
+              <a:defRPr sz="1600"/>
+            </a:lvl1pPr>
+            <a:lvl2pPr marL="457200" indent="0">
+              <a:buFontTx/>
+              <a:buNone/>
+              <a:defRPr/>
+            </a:lvl2pPr>
+            <a:lvl3pPr marL="914400" indent="0">
+              <a:buFontTx/>
+              <a:buNone/>
+              <a:defRPr/>
+            </a:lvl3pPr>
+            <a:lvl4pPr marL="1371600" indent="0">
+              <a:buFontTx/>
+              <a:buNone/>
+              <a:defRPr/>
+            </a:lvl4pPr>
+            <a:lvl5pPr marL="1828800" indent="0">
+              <a:buFontTx/>
+              <a:buNone/>
+              <a:defRPr/>
+            </a:lvl5pPr>
+          </a:lstStyle>
+          <a:p>
+            <a:pPr lvl="0"/>
+            <a:r>
+              <a:rPr lang="en-US"/>
+              <a:t>Click to edit Master text styles</a:t>
+            </a:r>
+          </a:p>
+        </p:txBody>
+      </p:sp>
+      <p:sp>
+        <p:nvSpPr>
+          <p:cNvPr id="3" name="Date Placeholder 2"/>
+          <p:cNvSpPr>
+            <a:spLocks noGrp="1"/>
+          </p:cNvSpPr>
+          <p:nvPr>
+            <p:ph type="dt" sz="half" idx="10"/>
+          </p:nvPr>
+        </p:nvSpPr>
+        <p:spPr/>
+        <p:txBody>
+          <a:bodyPr/>
+          <a:lstStyle/>
+          <a:p>
+            <a:fld id="{62D6E202-B606-4609-B914-27C9371A1F6D}" type="datetime1">
+              <a:rPr lang="en-US" smtClean="0"/>
+              <a:t>6/22/2022</a:t>
+            </a:fld>
+            <a:endParaRPr lang="en-US" dirty="0"/>
+          </a:p>
+        </p:txBody>
+      </p:sp>
+      <p:sp>
+        <p:nvSpPr>
+          <p:cNvPr id="4" name="Footer Placeholder 3"/>
+          <p:cNvSpPr>
+            <a:spLocks noGrp="1"/>
+          </p:cNvSpPr>
+          <p:nvPr>
+            <p:ph type="ftr" sz="quarter" idx="11"/>
+          </p:nvPr>
+        </p:nvSpPr>
+        <p:spPr/>
+        <p:txBody>
+          <a:bodyPr/>
+          <a:lstStyle/>
+          <a:p>
+            <a:endParaRPr lang="en-US" dirty="0"/>
+          </a:p>
+        </p:txBody>
+      </p:sp>
+      <p:sp>
+        <p:nvSpPr>
+          <p:cNvPr id="5" name="Slide Number Placeholder 4"/>
+          <p:cNvSpPr>
+            <a:spLocks noGrp="1"/>
+          </p:cNvSpPr>
+          <p:nvPr>
+            <p:ph type="sldNum" sz="quarter" idx="12"/>
+          </p:nvPr>
+        </p:nvSpPr>
+        <p:spPr/>
+        <p:txBody>
+          <a:bodyPr/>
+          <a:lstStyle/>
+          <a:p>
+            <a:fld id="{3A98EE3D-8CD1-4C3F-BD1C-C98C9596463C}" type="slidenum">
+              <a:rPr lang="en-US" smtClean="0"/>
+              <a:t>‹#›</a:t>
+            </a:fld>
+            <a:endParaRPr lang="en-US" dirty="0"/>
+          </a:p>
+        </p:txBody>
+      </p:sp>
+    </p:spTree>
+    <p:extLst>
+      <p:ext uri="{BB962C8B-B14F-4D97-AF65-F5344CB8AC3E}">
+        <p14:creationId xmlns:p14="http://schemas.microsoft.com/office/powerpoint/2010/main" val="1140168480"/>
+      </p:ext>
+    </p:extLst>
+  </p:cSld>
+  <p:clrMapOvr>
+    <a:masterClrMapping/>
+  </p:clrMapOvr>
+  <p:hf sldNum="0" hdr="0" ftr="0" dt="0"/>
+</p:sldLayout>
+</file>
+
+<file path=ppt/slideLayouts/slideLayout11.xml><?xml version="1.0" encoding="utf-8"?>
+<p:sldLayout xmlns:a="http://schemas.openxmlformats.org/drawingml/2006/main" xmlns:r="http://schemas.openxmlformats.org/officeDocument/2006/relationships" xmlns:p="http://schemas.openxmlformats.org/presentationml/2006/main" preserve="1">
+  <p:cSld name="Title and Caption">
+    <p:spTree>
+      <p:nvGrpSpPr>
+        <p:cNvPr id="1" name=""/>
+        <p:cNvGrpSpPr/>
+        <p:nvPr/>
+      </p:nvGrpSpPr>
+      <p:grpSpPr>
+        <a:xfrm>
+          <a:off x="0" y="0"/>
+          <a:ext cx="0" cy="0"/>
+          <a:chOff x="0" y="0"/>
+          <a:chExt cx="0" cy="0"/>
+        </a:xfrm>
+      </p:grpSpPr>
+      <p:sp>
+        <p:nvSpPr>
+          <p:cNvPr id="2" name="Title 1"/>
+          <p:cNvSpPr>
+            <a:spLocks noGrp="1"/>
+          </p:cNvSpPr>
+          <p:nvPr>
+            <p:ph type="title"/>
+          </p:nvPr>
+        </p:nvSpPr>
+        <p:spPr>
+          <a:xfrm>
+            <a:off x="684213" y="685800"/>
+            <a:ext cx="10058400" cy="2743200"/>
+          </a:xfrm>
+        </p:spPr>
+        <p:txBody>
+          <a:bodyPr anchor="ctr">
+            <a:normAutofit/>
+          </a:bodyPr>
+          <a:lstStyle>
+            <a:lvl1pPr algn="l">
+              <a:defRPr sz="3200" b="0" cap="all"/>
+            </a:lvl1pPr>
+          </a:lstStyle>
+          <a:p>
+            <a:r>
+              <a:rPr lang="en-US"/>
+              <a:t>Click to edit Master title style</a:t>
+            </a:r>
+            <a:endParaRPr lang="en-US" dirty="0"/>
+          </a:p>
+        </p:txBody>
+      </p:sp>
+      <p:sp>
+        <p:nvSpPr>
+          <p:cNvPr id="3" name="Text Placeholder 2"/>
+          <p:cNvSpPr>
+            <a:spLocks noGrp="1"/>
+          </p:cNvSpPr>
+          <p:nvPr>
+            <p:ph type="body" idx="1"/>
+          </p:nvPr>
+        </p:nvSpPr>
+        <p:spPr>
+          <a:xfrm>
+            <a:off x="684212" y="4114800"/>
+            <a:ext cx="8535988" cy="1879600"/>
+          </a:xfrm>
+        </p:spPr>
+        <p:txBody>
+          <a:bodyPr anchor="ctr">
+            <a:normAutofit/>
+          </a:bodyPr>
+          <a:lstStyle>
+            <a:lvl1pPr marL="0" indent="0" algn="l">
+              <a:buNone/>
+              <a:defRPr sz="2000">
+                <a:solidFill>
+                  <a:schemeClr val="bg2">
+                    <a:lumMod val="75000"/>
+                  </a:schemeClr>
+                </a:solidFill>
+              </a:defRPr>
+            </a:lvl1pPr>
+            <a:lvl2pPr marL="457200" indent="0">
+              <a:buNone/>
+              <a:defRPr sz="1800">
+                <a:solidFill>
+                  <a:schemeClr val="tx1">
+                    <a:tint val="75000"/>
+                  </a:schemeClr>
+                </a:solidFill>
+              </a:defRPr>
+            </a:lvl2pPr>
+            <a:lvl3pPr marL="914400" indent="0">
+              <a:buNone/>
+              <a:defRPr sz="1600">
+                <a:solidFill>
+                  <a:schemeClr val="tx1">
+                    <a:tint val="75000"/>
+                  </a:schemeClr>
+                </a:solidFill>
+              </a:defRPr>
+            </a:lvl3pPr>
+            <a:lvl4pPr marL="1371600" indent="0">
+              <a:buNone/>
+              <a:defRPr sz="1400">
+                <a:solidFill>
+                  <a:schemeClr val="tx1">
+                    <a:tint val="75000"/>
+                  </a:schemeClr>
+                </a:solidFill>
+              </a:defRPr>
+            </a:lvl4pPr>
+            <a:lvl5pPr marL="1828800" indent="0">
+              <a:buNone/>
+              <a:defRPr sz="1400">
+                <a:solidFill>
+                  <a:schemeClr val="tx1">
+                    <a:tint val="75000"/>
+                  </a:schemeClr>
+                </a:solidFill>
+              </a:defRPr>
+            </a:lvl5pPr>
+            <a:lvl6pPr marL="2286000" indent="0">
+              <a:buNone/>
+              <a:defRPr sz="1400">
+                <a:solidFill>
+                  <a:schemeClr val="tx1">
+                    <a:tint val="75000"/>
+                  </a:schemeClr>
+                </a:solidFill>
+              </a:defRPr>
+            </a:lvl6pPr>
+            <a:lvl7pPr marL="2743200" indent="0">
+              <a:buNone/>
+              <a:defRPr sz="1400">
+                <a:solidFill>
+                  <a:schemeClr val="tx1">
+                    <a:tint val="75000"/>
+                  </a:schemeClr>
+                </a:solidFill>
+              </a:defRPr>
+            </a:lvl7pPr>
+            <a:lvl8pPr marL="3200400" indent="0">
+              <a:buNone/>
+              <a:defRPr sz="1400">
+                <a:solidFill>
+                  <a:schemeClr val="tx1">
+                    <a:tint val="75000"/>
+                  </a:schemeClr>
+                </a:solidFill>
+              </a:defRPr>
+            </a:lvl8pPr>
+            <a:lvl9pPr marL="3657600" indent="0">
+              <a:buNone/>
+              <a:defRPr sz="1400">
+                <a:solidFill>
+                  <a:schemeClr val="tx1">
+                    <a:tint val="75000"/>
+                  </a:schemeClr>
+                </a:solidFill>
+              </a:defRPr>
+            </a:lvl9pPr>
+          </a:lstStyle>
+          <a:p>
+            <a:pPr lvl="0"/>
+            <a:r>
+              <a:rPr lang="en-US"/>
+              <a:t>Click to edit Master text styles</a:t>
+            </a:r>
+          </a:p>
+        </p:txBody>
+      </p:sp>
+      <p:sp>
+        <p:nvSpPr>
+          <p:cNvPr id="4" name="Date Placeholder 3"/>
+          <p:cNvSpPr>
+            <a:spLocks noGrp="1"/>
+          </p:cNvSpPr>
+          <p:nvPr>
+            <p:ph type="dt" sz="half" idx="10"/>
+          </p:nvPr>
+        </p:nvSpPr>
+        <p:spPr/>
+        <p:txBody>
+          <a:bodyPr/>
+          <a:lstStyle/>
+          <a:p>
+            <a:fld id="{62D6E202-B606-4609-B914-27C9371A1F6D}" type="datetime1">
+              <a:rPr lang="en-US" smtClean="0"/>
+              <a:t>6/22/2022</a:t>
+            </a:fld>
+            <a:endParaRPr lang="en-US" dirty="0"/>
+          </a:p>
+        </p:txBody>
+      </p:sp>
+      <p:sp>
+        <p:nvSpPr>
+          <p:cNvPr id="5" name="Footer Placeholder 4"/>
+          <p:cNvSpPr>
+            <a:spLocks noGrp="1"/>
+          </p:cNvSpPr>
+          <p:nvPr>
+            <p:ph type="ftr" sz="quarter" idx="11"/>
+          </p:nvPr>
+        </p:nvSpPr>
+        <p:spPr/>
+        <p:txBody>
+          <a:bodyPr/>
+          <a:lstStyle/>
+          <a:p>
+            <a:endParaRPr lang="en-US" dirty="0"/>
+          </a:p>
+        </p:txBody>
+      </p:sp>
+      <p:sp>
+        <p:nvSpPr>
+          <p:cNvPr id="6" name="Slide Number Placeholder 5"/>
+          <p:cNvSpPr>
+            <a:spLocks noGrp="1"/>
+          </p:cNvSpPr>
+          <p:nvPr>
+            <p:ph type="sldNum" sz="quarter" idx="12"/>
+          </p:nvPr>
+        </p:nvSpPr>
+        <p:spPr/>
+        <p:txBody>
+          <a:bodyPr/>
+          <a:lstStyle/>
+          <a:p>
+            <a:fld id="{3A98EE3D-8CD1-4C3F-BD1C-C98C9596463C}" type="slidenum">
+              <a:rPr lang="en-US" smtClean="0"/>
+              <a:t>‹#›</a:t>
+            </a:fld>
+            <a:endParaRPr lang="en-US" dirty="0"/>
+          </a:p>
+        </p:txBody>
+      </p:sp>
+    </p:spTree>
+    <p:extLst>
+      <p:ext uri="{BB962C8B-B14F-4D97-AF65-F5344CB8AC3E}">
+        <p14:creationId xmlns:p14="http://schemas.microsoft.com/office/powerpoint/2010/main" val="4088612333"/>
+      </p:ext>
+    </p:extLst>
+  </p:cSld>
+  <p:clrMapOvr>
+    <a:masterClrMapping/>
+  </p:clrMapOvr>
+  <p:hf sldNum="0" hdr="0" ftr="0" dt="0"/>
+</p:sldLayout>
+</file>
+
+<file path=ppt/slideLayouts/slideLayout12.xml><?xml version="1.0" encoding="utf-8"?>
+<p:sldLayout xmlns:a="http://schemas.openxmlformats.org/drawingml/2006/main" xmlns:r="http://schemas.openxmlformats.org/officeDocument/2006/relationships" xmlns:p="http://schemas.openxmlformats.org/presentationml/2006/main" preserve="1">
+  <p:cSld name="Quote with Caption">
+    <p:spTree>
+      <p:nvGrpSpPr>
+        <p:cNvPr id="1" name=""/>
+        <p:cNvGrpSpPr/>
+        <p:nvPr/>
+      </p:nvGrpSpPr>
+      <p:grpSpPr>
+        <a:xfrm>
+          <a:off x="0" y="0"/>
+          <a:ext cx="0" cy="0"/>
+          <a:chOff x="0" y="0"/>
+          <a:chExt cx="0" cy="0"/>
+        </a:xfrm>
+      </p:grpSpPr>
+      <p:sp>
+        <p:nvSpPr>
+          <p:cNvPr id="2" name="Title 1"/>
+          <p:cNvSpPr>
+            <a:spLocks noGrp="1"/>
+          </p:cNvSpPr>
+          <p:nvPr>
+            <p:ph type="title"/>
+          </p:nvPr>
+        </p:nvSpPr>
+        <p:spPr>
+          <a:xfrm>
+            <a:off x="1141411" y="685800"/>
+            <a:ext cx="9144001" cy="2743200"/>
+          </a:xfrm>
+        </p:spPr>
+        <p:txBody>
+          <a:bodyPr anchor="ctr">
+            <a:normAutofit/>
+          </a:bodyPr>
+          <a:lstStyle>
+            <a:lvl1pPr algn="l">
+              <a:defRPr sz="3200" b="0" cap="all">
+                <a:solidFill>
+                  <a:schemeClr val="tx1"/>
+                </a:solidFill>
+              </a:defRPr>
+            </a:lvl1pPr>
+          </a:lstStyle>
+          <a:p>
+            <a:r>
+              <a:rPr lang="en-US"/>
+              <a:t>Click to edit Master title style</a:t>
+            </a:r>
+            <a:endParaRPr lang="en-US" dirty="0"/>
+          </a:p>
+        </p:txBody>
+      </p:sp>
+      <p:sp>
+        <p:nvSpPr>
+          <p:cNvPr id="10" name="Text Placeholder 9"/>
+          <p:cNvSpPr>
+            <a:spLocks noGrp="1"/>
+          </p:cNvSpPr>
+          <p:nvPr>
+            <p:ph type="body" sz="quarter" idx="13"/>
+          </p:nvPr>
+        </p:nvSpPr>
+        <p:spPr>
+          <a:xfrm>
+            <a:off x="1446212" y="3429000"/>
+            <a:ext cx="8534400" cy="381000"/>
+          </a:xfrm>
+        </p:spPr>
+        <p:txBody>
+          <a:bodyPr anchor="ctr"/>
+          <a:lstStyle>
+            <a:lvl1pPr marL="0" indent="0">
+              <a:buFontTx/>
+              <a:buNone/>
+              <a:defRPr/>
+            </a:lvl1pPr>
+            <a:lvl2pPr marL="457200" indent="0">
+              <a:buFontTx/>
+              <a:buNone/>
+              <a:defRPr/>
+            </a:lvl2pPr>
+            <a:lvl3pPr marL="914400" indent="0">
+              <a:buFontTx/>
+              <a:buNone/>
+              <a:defRPr/>
+            </a:lvl3pPr>
+            <a:lvl4pPr marL="1371600" indent="0">
+              <a:buFontTx/>
+              <a:buNone/>
+              <a:defRPr/>
+            </a:lvl4pPr>
+            <a:lvl5pPr marL="1828800" indent="0">
+              <a:buFontTx/>
+              <a:buNone/>
+              <a:defRPr/>
+            </a:lvl5pPr>
+          </a:lstStyle>
+          <a:p>
+            <a:pPr lvl="0"/>
+            <a:r>
+              <a:rPr lang="en-US"/>
+              <a:t>Click to edit Master text styles</a:t>
+            </a:r>
+          </a:p>
+        </p:txBody>
+      </p:sp>
+      <p:sp>
+        <p:nvSpPr>
+          <p:cNvPr id="3" name="Text Placeholder 2"/>
+          <p:cNvSpPr>
+            <a:spLocks noGrp="1"/>
+          </p:cNvSpPr>
+          <p:nvPr>
+            <p:ph type="body" idx="1"/>
+          </p:nvPr>
+        </p:nvSpPr>
+        <p:spPr>
+          <a:xfrm>
+            <a:off x="684213" y="4301067"/>
+            <a:ext cx="8534400" cy="1684865"/>
+          </a:xfrm>
+        </p:spPr>
+        <p:txBody>
+          <a:bodyPr anchor="ctr">
+            <a:normAutofit/>
+          </a:bodyPr>
+          <a:lstStyle>
+            <a:lvl1pPr marL="0" indent="0" algn="l">
+              <a:buNone/>
+              <a:defRPr sz="2000">
+                <a:solidFill>
+                  <a:schemeClr val="bg2">
+                    <a:lumMod val="75000"/>
+                  </a:schemeClr>
+                </a:solidFill>
+              </a:defRPr>
+            </a:lvl1pPr>
+            <a:lvl2pPr marL="457200" indent="0">
+              <a:buNone/>
+              <a:defRPr sz="1800">
+                <a:solidFill>
+                  <a:schemeClr val="tx1">
+                    <a:tint val="75000"/>
+                  </a:schemeClr>
+                </a:solidFill>
+              </a:defRPr>
+            </a:lvl2pPr>
+            <a:lvl3pPr marL="914400" indent="0">
+              <a:buNone/>
+              <a:defRPr sz="1600">
+                <a:solidFill>
+                  <a:schemeClr val="tx1">
+                    <a:tint val="75000"/>
+                  </a:schemeClr>
+                </a:solidFill>
+              </a:defRPr>
+            </a:lvl3pPr>
+            <a:lvl4pPr marL="1371600" indent="0">
+              <a:buNone/>
+              <a:defRPr sz="1400">
+                <a:solidFill>
+                  <a:schemeClr val="tx1">
+                    <a:tint val="75000"/>
+                  </a:schemeClr>
+                </a:solidFill>
+              </a:defRPr>
+            </a:lvl4pPr>
+            <a:lvl5pPr marL="1828800" indent="0">
+              <a:buNone/>
+              <a:defRPr sz="1400">
+                <a:solidFill>
+                  <a:schemeClr val="tx1">
+                    <a:tint val="75000"/>
+                  </a:schemeClr>
+                </a:solidFill>
+              </a:defRPr>
+            </a:lvl5pPr>
+            <a:lvl6pPr marL="2286000" indent="0">
+              <a:buNone/>
+              <a:defRPr sz="1400">
+                <a:solidFill>
+                  <a:schemeClr val="tx1">
+                    <a:tint val="75000"/>
+                  </a:schemeClr>
+                </a:solidFill>
+              </a:defRPr>
+            </a:lvl6pPr>
+            <a:lvl7pPr marL="2743200" indent="0">
+              <a:buNone/>
+              <a:defRPr sz="1400">
+                <a:solidFill>
+                  <a:schemeClr val="tx1">
+                    <a:tint val="75000"/>
+                  </a:schemeClr>
+                </a:solidFill>
+              </a:defRPr>
+            </a:lvl7pPr>
+            <a:lvl8pPr marL="3200400" indent="0">
+              <a:buNone/>
+              <a:defRPr sz="1400">
+                <a:solidFill>
+                  <a:schemeClr val="tx1">
+                    <a:tint val="75000"/>
+                  </a:schemeClr>
+                </a:solidFill>
+              </a:defRPr>
+            </a:lvl8pPr>
+            <a:lvl9pPr marL="3657600" indent="0">
+              <a:buNone/>
+              <a:defRPr sz="1400">
+                <a:solidFill>
+                  <a:schemeClr val="tx1">
+                    <a:tint val="75000"/>
+                  </a:schemeClr>
+                </a:solidFill>
+              </a:defRPr>
+            </a:lvl9pPr>
+          </a:lstStyle>
+          <a:p>
+            <a:pPr lvl="0"/>
+            <a:r>
+              <a:rPr lang="en-US"/>
+              <a:t>Click to edit Master text styles</a:t>
+            </a:r>
+          </a:p>
+        </p:txBody>
+      </p:sp>
+      <p:sp>
+        <p:nvSpPr>
+          <p:cNvPr id="4" name="Date Placeholder 3"/>
+          <p:cNvSpPr>
+            <a:spLocks noGrp="1"/>
+          </p:cNvSpPr>
+          <p:nvPr>
+            <p:ph type="dt" sz="half" idx="10"/>
+          </p:nvPr>
+        </p:nvSpPr>
+        <p:spPr/>
+        <p:txBody>
+          <a:bodyPr/>
+          <a:lstStyle/>
+          <a:p>
+            <a:fld id="{62D6E202-B606-4609-B914-27C9371A1F6D}" type="datetime1">
+              <a:rPr lang="en-US" smtClean="0"/>
+              <a:t>6/22/2022</a:t>
+            </a:fld>
+            <a:endParaRPr lang="en-US" dirty="0"/>
+          </a:p>
+        </p:txBody>
+      </p:sp>
+      <p:sp>
+        <p:nvSpPr>
+          <p:cNvPr id="5" name="Footer Placeholder 4"/>
+          <p:cNvSpPr>
+            <a:spLocks noGrp="1"/>
+          </p:cNvSpPr>
+          <p:nvPr>
+            <p:ph type="ftr" sz="quarter" idx="11"/>
+          </p:nvPr>
+        </p:nvSpPr>
+        <p:spPr/>
+        <p:txBody>
+          <a:bodyPr/>
+          <a:lstStyle/>
+          <a:p>
+            <a:endParaRPr lang="en-US" dirty="0"/>
+          </a:p>
+        </p:txBody>
+      </p:sp>
+      <p:sp>
+        <p:nvSpPr>
+          <p:cNvPr id="6" name="Slide Number Placeholder 5"/>
+          <p:cNvSpPr>
+            <a:spLocks noGrp="1"/>
+          </p:cNvSpPr>
+          <p:nvPr>
+            <p:ph type="sldNum" sz="quarter" idx="12"/>
+          </p:nvPr>
+        </p:nvSpPr>
+        <p:spPr/>
+        <p:txBody>
+          <a:bodyPr/>
+          <a:lstStyle/>
+          <a:p>
+            <a:fld id="{3A98EE3D-8CD1-4C3F-BD1C-C98C9596463C}" type="slidenum">
+              <a:rPr lang="en-US" smtClean="0"/>
+              <a:t>‹#›</a:t>
+            </a:fld>
+            <a:endParaRPr lang="en-US" dirty="0"/>
+          </a:p>
+        </p:txBody>
+      </p:sp>
+      <p:sp>
+        <p:nvSpPr>
+          <p:cNvPr id="14" name="TextBox 13"/>
+          <p:cNvSpPr txBox="1"/>
+          <p:nvPr/>
+        </p:nvSpPr>
+        <p:spPr>
+          <a:xfrm>
+            <a:off x="531812" y="812222"/>
+            <a:ext cx="609600" cy="584776"/>
+          </a:xfrm>
+          <a:prstGeom prst="rect">
+            <a:avLst/>
+          </a:prstGeom>
+        </p:spPr>
+        <p:txBody>
+          <a:bodyPr vert="horz" lIns="91440" tIns="45720" rIns="91440" bIns="45720" rtlCol="0" anchor="ctr">
+            <a:noAutofit/>
+          </a:bodyPr>
+          <a:lstStyle/>
+          <a:p>
+            <a:pPr lvl="0"/>
+            <a:r>
+              <a:rPr lang="en-US" sz="8000" dirty="0">
+                <a:solidFill>
+                  <a:schemeClr val="tx1"/>
+                </a:solidFill>
+                <a:effectLst/>
+              </a:rPr>
+              <a:t>“</a:t>
+            </a:r>
+          </a:p>
+        </p:txBody>
+      </p:sp>
+      <p:sp>
+        <p:nvSpPr>
+          <p:cNvPr id="15" name="TextBox 14"/>
+          <p:cNvSpPr txBox="1"/>
+          <p:nvPr/>
+        </p:nvSpPr>
+        <p:spPr>
+          <a:xfrm>
+            <a:off x="10285412" y="2768601"/>
+            <a:ext cx="609600" cy="584776"/>
+          </a:xfrm>
+          <a:prstGeom prst="rect">
+            <a:avLst/>
+          </a:prstGeom>
+        </p:spPr>
+        <p:txBody>
+          <a:bodyPr vert="horz" lIns="91440" tIns="45720" rIns="91440" bIns="45720" rtlCol="0" anchor="ctr">
+            <a:noAutofit/>
+          </a:bodyPr>
+          <a:lstStyle/>
+          <a:p>
+            <a:pPr lvl="0" algn="r"/>
+            <a:r>
+              <a:rPr lang="en-US" sz="8000" dirty="0">
+                <a:solidFill>
+                  <a:schemeClr val="tx1"/>
+                </a:solidFill>
+                <a:effectLst/>
+              </a:rPr>
+              <a:t>”</a:t>
+            </a:r>
+          </a:p>
+        </p:txBody>
+      </p:sp>
+    </p:spTree>
+    <p:extLst>
+      <p:ext uri="{BB962C8B-B14F-4D97-AF65-F5344CB8AC3E}">
+        <p14:creationId xmlns:p14="http://schemas.microsoft.com/office/powerpoint/2010/main" val="751850104"/>
+      </p:ext>
+    </p:extLst>
+  </p:cSld>
+  <p:clrMapOvr>
+    <a:masterClrMapping/>
+  </p:clrMapOvr>
+  <p:hf sldNum="0" hdr="0" ftr="0" dt="0"/>
+</p:sldLayout>
+</file>
+
+<file path=ppt/slideLayouts/slideLayout13.xml><?xml version="1.0" encoding="utf-8"?>
+<p:sldLayout xmlns:a="http://schemas.openxmlformats.org/drawingml/2006/main" xmlns:r="http://schemas.openxmlformats.org/officeDocument/2006/relationships" xmlns:p="http://schemas.openxmlformats.org/presentationml/2006/main" preserve="1">
+  <p:cSld name="Name Card">
+    <p:spTree>
+      <p:nvGrpSpPr>
+        <p:cNvPr id="1" name=""/>
+        <p:cNvGrpSpPr/>
+        <p:nvPr/>
+      </p:nvGrpSpPr>
+      <p:grpSpPr>
+        <a:xfrm>
+          <a:off x="0" y="0"/>
+          <a:ext cx="0" cy="0"/>
+          <a:chOff x="0" y="0"/>
+          <a:chExt cx="0" cy="0"/>
+        </a:xfrm>
+      </p:grpSpPr>
+      <p:sp>
+        <p:nvSpPr>
+          <p:cNvPr id="2" name="Title 1"/>
+          <p:cNvSpPr>
+            <a:spLocks noGrp="1"/>
+          </p:cNvSpPr>
+          <p:nvPr>
+            <p:ph type="title"/>
+          </p:nvPr>
+        </p:nvSpPr>
+        <p:spPr>
+          <a:xfrm>
+            <a:off x="684212" y="3429000"/>
+            <a:ext cx="8534400" cy="1697400"/>
+          </a:xfrm>
+        </p:spPr>
+        <p:txBody>
+          <a:bodyPr anchor="b">
+            <a:normAutofit/>
+          </a:bodyPr>
+          <a:lstStyle>
+            <a:lvl1pPr algn="l">
+              <a:defRPr sz="3200" b="0" cap="all"/>
+            </a:lvl1pPr>
+          </a:lstStyle>
+          <a:p>
+            <a:r>
+              <a:rPr lang="en-US"/>
+              <a:t>Click to edit Master title style</a:t>
+            </a:r>
+            <a:endParaRPr lang="en-US" dirty="0"/>
+          </a:p>
+        </p:txBody>
+      </p:sp>
+      <p:sp>
+        <p:nvSpPr>
+          <p:cNvPr id="3" name="Text Placeholder 2"/>
+          <p:cNvSpPr>
+            <a:spLocks noGrp="1"/>
+          </p:cNvSpPr>
+          <p:nvPr>
+            <p:ph type="body" idx="1"/>
+          </p:nvPr>
+        </p:nvSpPr>
+        <p:spPr>
+          <a:xfrm>
+            <a:off x="684211" y="5132981"/>
+            <a:ext cx="8535990" cy="860400"/>
+          </a:xfrm>
+        </p:spPr>
+        <p:txBody>
+          <a:bodyPr anchor="t">
+            <a:normAutofit/>
+          </a:bodyPr>
+          <a:lstStyle>
+            <a:lvl1pPr marL="0" indent="0" algn="l">
+              <a:buNone/>
+              <a:defRPr sz="2000">
+                <a:solidFill>
+                  <a:schemeClr val="bg2">
+                    <a:lumMod val="75000"/>
+                  </a:schemeClr>
+                </a:solidFill>
+              </a:defRPr>
+            </a:lvl1pPr>
+            <a:lvl2pPr marL="457200" indent="0">
+              <a:buNone/>
+              <a:defRPr sz="1800">
+                <a:solidFill>
+                  <a:schemeClr val="tx1">
+                    <a:tint val="75000"/>
+                  </a:schemeClr>
+                </a:solidFill>
+              </a:defRPr>
+            </a:lvl2pPr>
+            <a:lvl3pPr marL="914400" indent="0">
+              <a:buNone/>
+              <a:defRPr sz="1600">
+                <a:solidFill>
+                  <a:schemeClr val="tx1">
+                    <a:tint val="75000"/>
+                  </a:schemeClr>
+                </a:solidFill>
+              </a:defRPr>
+            </a:lvl3pPr>
+            <a:lvl4pPr marL="1371600" indent="0">
+              <a:buNone/>
+              <a:defRPr sz="1400">
+                <a:solidFill>
+                  <a:schemeClr val="tx1">
+                    <a:tint val="75000"/>
+                  </a:schemeClr>
+                </a:solidFill>
+              </a:defRPr>
+            </a:lvl4pPr>
+            <a:lvl5pPr marL="1828800" indent="0">
+              <a:buNone/>
+              <a:defRPr sz="1400">
+                <a:solidFill>
+                  <a:schemeClr val="tx1">
+                    <a:tint val="75000"/>
+                  </a:schemeClr>
+                </a:solidFill>
+              </a:defRPr>
+            </a:lvl5pPr>
+            <a:lvl6pPr marL="2286000" indent="0">
+              <a:buNone/>
+              <a:defRPr sz="1400">
+                <a:solidFill>
+                  <a:schemeClr val="tx1">
+                    <a:tint val="75000"/>
+                  </a:schemeClr>
+                </a:solidFill>
+              </a:defRPr>
+            </a:lvl6pPr>
+            <a:lvl7pPr marL="2743200" indent="0">
+              <a:buNone/>
+              <a:defRPr sz="1400">
+                <a:solidFill>
+                  <a:schemeClr val="tx1">
+                    <a:tint val="75000"/>
+                  </a:schemeClr>
+                </a:solidFill>
+              </a:defRPr>
+            </a:lvl7pPr>
+            <a:lvl8pPr marL="3200400" indent="0">
+              <a:buNone/>
+              <a:defRPr sz="1400">
+                <a:solidFill>
+                  <a:schemeClr val="tx1">
+                    <a:tint val="75000"/>
+                  </a:schemeClr>
+                </a:solidFill>
+              </a:defRPr>
+            </a:lvl8pPr>
+            <a:lvl9pPr marL="3657600" indent="0">
+              <a:buNone/>
+              <a:defRPr sz="1400">
+                <a:solidFill>
+                  <a:schemeClr val="tx1">
+                    <a:tint val="75000"/>
+                  </a:schemeClr>
+                </a:solidFill>
+              </a:defRPr>
+            </a:lvl9pPr>
+          </a:lstStyle>
+          <a:p>
+            <a:pPr lvl="0"/>
+            <a:r>
+              <a:rPr lang="en-US"/>
+              <a:t>Click to edit Master text styles</a:t>
+            </a:r>
+          </a:p>
+        </p:txBody>
+      </p:sp>
+      <p:sp>
+        <p:nvSpPr>
+          <p:cNvPr id="4" name="Date Placeholder 3"/>
+          <p:cNvSpPr>
+            <a:spLocks noGrp="1"/>
+          </p:cNvSpPr>
+          <p:nvPr>
+            <p:ph type="dt" sz="half" idx="10"/>
+          </p:nvPr>
+        </p:nvSpPr>
+        <p:spPr/>
+        <p:txBody>
+          <a:bodyPr/>
+          <a:lstStyle/>
+          <a:p>
+            <a:fld id="{62D6E202-B606-4609-B914-27C9371A1F6D}" type="datetime1">
+              <a:rPr lang="en-US" smtClean="0"/>
+              <a:t>6/22/2022</a:t>
+            </a:fld>
+            <a:endParaRPr lang="en-US" dirty="0"/>
+          </a:p>
+        </p:txBody>
+      </p:sp>
+      <p:sp>
+        <p:nvSpPr>
+          <p:cNvPr id="5" name="Footer Placeholder 4"/>
+          <p:cNvSpPr>
+            <a:spLocks noGrp="1"/>
+          </p:cNvSpPr>
+          <p:nvPr>
+            <p:ph type="ftr" sz="quarter" idx="11"/>
+          </p:nvPr>
+        </p:nvSpPr>
+        <p:spPr/>
+        <p:txBody>
+          <a:bodyPr/>
+          <a:lstStyle/>
+          <a:p>
+            <a:endParaRPr lang="en-US" dirty="0"/>
+          </a:p>
+        </p:txBody>
+      </p:sp>
+      <p:sp>
+        <p:nvSpPr>
+          <p:cNvPr id="6" name="Slide Number Placeholder 5"/>
+          <p:cNvSpPr>
+            <a:spLocks noGrp="1"/>
+          </p:cNvSpPr>
+          <p:nvPr>
+            <p:ph type="sldNum" sz="quarter" idx="12"/>
+          </p:nvPr>
+        </p:nvSpPr>
+        <p:spPr/>
+        <p:txBody>
+          <a:bodyPr/>
+          <a:lstStyle/>
+          <a:p>
+            <a:fld id="{3A98EE3D-8CD1-4C3F-BD1C-C98C9596463C}" type="slidenum">
+              <a:rPr lang="en-US" smtClean="0"/>
+              <a:t>‹#›</a:t>
+            </a:fld>
+            <a:endParaRPr lang="en-US" dirty="0"/>
+          </a:p>
+        </p:txBody>
+      </p:sp>
+    </p:spTree>
+    <p:extLst>
+      <p:ext uri="{BB962C8B-B14F-4D97-AF65-F5344CB8AC3E}">
+        <p14:creationId xmlns:p14="http://schemas.microsoft.com/office/powerpoint/2010/main" val="1936777963"/>
+      </p:ext>
+    </p:extLst>
+  </p:cSld>
+  <p:clrMapOvr>
+    <a:masterClrMapping/>
+  </p:clrMapOvr>
+  <p:hf sldNum="0" hdr="0" ftr="0" dt="0"/>
+</p:sldLayout>
+</file>
+
+<file path=ppt/slideLayouts/slideLayout14.xml><?xml version="1.0" encoding="utf-8"?>
+<p:sldLayout xmlns:a="http://schemas.openxmlformats.org/drawingml/2006/main" xmlns:r="http://schemas.openxmlformats.org/officeDocument/2006/relationships" xmlns:p="http://schemas.openxmlformats.org/presentationml/2006/main" preserve="1">
+  <p:cSld name="Quote Name Card">
+    <p:spTree>
+      <p:nvGrpSpPr>
+        <p:cNvPr id="1" name=""/>
+        <p:cNvGrpSpPr/>
+        <p:nvPr/>
+      </p:nvGrpSpPr>
+      <p:grpSpPr>
+        <a:xfrm>
+          <a:off x="0" y="0"/>
+          <a:ext cx="0" cy="0"/>
+          <a:chOff x="0" y="0"/>
+          <a:chExt cx="0" cy="0"/>
+        </a:xfrm>
+      </p:grpSpPr>
+      <p:sp>
+        <p:nvSpPr>
+          <p:cNvPr id="2" name="Title 1"/>
+          <p:cNvSpPr>
+            <a:spLocks noGrp="1"/>
+          </p:cNvSpPr>
+          <p:nvPr>
+            <p:ph type="title"/>
+          </p:nvPr>
+        </p:nvSpPr>
+        <p:spPr>
+          <a:xfrm>
+            <a:off x="1141413" y="685800"/>
+            <a:ext cx="9144000" cy="2743200"/>
+          </a:xfrm>
+        </p:spPr>
+        <p:txBody>
+          <a:bodyPr anchor="ctr">
+            <a:normAutofit/>
+          </a:bodyPr>
+          <a:lstStyle>
+            <a:lvl1pPr algn="l">
+              <a:defRPr sz="3200" b="0" cap="all">
+                <a:solidFill>
+                  <a:schemeClr val="tx1"/>
+                </a:solidFill>
+              </a:defRPr>
+            </a:lvl1pPr>
+          </a:lstStyle>
+          <a:p>
+            <a:r>
+              <a:rPr lang="en-US"/>
+              <a:t>Click to edit Master title style</a:t>
+            </a:r>
+            <a:endParaRPr lang="en-US" dirty="0"/>
+          </a:p>
+        </p:txBody>
+      </p:sp>
+      <p:sp>
+        <p:nvSpPr>
+          <p:cNvPr id="10" name="Text Placeholder 9"/>
+          <p:cNvSpPr>
+            <a:spLocks noGrp="1"/>
+          </p:cNvSpPr>
+          <p:nvPr>
+            <p:ph type="body" sz="quarter" idx="13"/>
+          </p:nvPr>
+        </p:nvSpPr>
+        <p:spPr>
+          <a:xfrm>
+            <a:off x="684212" y="3928534"/>
+            <a:ext cx="8534401" cy="1049866"/>
+          </a:xfrm>
+        </p:spPr>
+        <p:txBody>
+          <a:bodyPr vert="horz" lIns="91440" tIns="45720" rIns="91440" bIns="45720" rtlCol="0" anchor="b">
+            <a:normAutofit/>
+          </a:bodyPr>
+          <a:lstStyle>
+            <a:lvl1pPr>
+              <a:buNone/>
+              <a:defRPr lang="en-US" sz="2400" b="0" cap="all" dirty="0">
+                <a:ln w="3175" cmpd="sng">
+                  <a:noFill/>
+                </a:ln>
+                <a:solidFill>
+                  <a:schemeClr val="tx1"/>
+                </a:solidFill>
+                <a:effectLst/>
+              </a:defRPr>
+            </a:lvl1pPr>
+          </a:lstStyle>
+          <a:p>
+            <a:pPr marL="0" lvl="0">
+              <a:spcBef>
+                <a:spcPct val="0"/>
+              </a:spcBef>
+              <a:buNone/>
+            </a:pPr>
+            <a:r>
+              <a:rPr lang="en-US"/>
+              <a:t>Click to edit Master text styles</a:t>
+            </a:r>
+          </a:p>
+        </p:txBody>
+      </p:sp>
+      <p:sp>
+        <p:nvSpPr>
+          <p:cNvPr id="3" name="Text Placeholder 2"/>
+          <p:cNvSpPr>
+            <a:spLocks noGrp="1"/>
+          </p:cNvSpPr>
+          <p:nvPr>
+            <p:ph type="body" idx="1"/>
+          </p:nvPr>
+        </p:nvSpPr>
+        <p:spPr>
+          <a:xfrm>
+            <a:off x="684211" y="4978400"/>
+            <a:ext cx="8534401" cy="1016000"/>
+          </a:xfrm>
+        </p:spPr>
+        <p:txBody>
+          <a:bodyPr anchor="t">
+            <a:normAutofit/>
+          </a:bodyPr>
+          <a:lstStyle>
+            <a:lvl1pPr marL="0" indent="0" algn="l">
+              <a:buNone/>
+              <a:defRPr sz="1800">
+                <a:solidFill>
+                  <a:schemeClr val="bg2">
+                    <a:lumMod val="75000"/>
+                  </a:schemeClr>
+                </a:solidFill>
+              </a:defRPr>
+            </a:lvl1pPr>
+            <a:lvl2pPr marL="457200" indent="0">
+              <a:buNone/>
+              <a:defRPr sz="1800">
+                <a:solidFill>
+                  <a:schemeClr val="tx1">
+                    <a:tint val="75000"/>
+                  </a:schemeClr>
+                </a:solidFill>
+              </a:defRPr>
+            </a:lvl2pPr>
+            <a:lvl3pPr marL="914400" indent="0">
+              <a:buNone/>
+              <a:defRPr sz="1600">
+                <a:solidFill>
+                  <a:schemeClr val="tx1">
+                    <a:tint val="75000"/>
+                  </a:schemeClr>
+                </a:solidFill>
+              </a:defRPr>
+            </a:lvl3pPr>
+            <a:lvl4pPr marL="1371600" indent="0">
+              <a:buNone/>
+              <a:defRPr sz="1400">
+                <a:solidFill>
+                  <a:schemeClr val="tx1">
+                    <a:tint val="75000"/>
+                  </a:schemeClr>
+                </a:solidFill>
+              </a:defRPr>
+            </a:lvl4pPr>
+            <a:lvl5pPr marL="1828800" indent="0">
+              <a:buNone/>
+              <a:defRPr sz="1400">
+                <a:solidFill>
+                  <a:schemeClr val="tx1">
+                    <a:tint val="75000"/>
+                  </a:schemeClr>
+                </a:solidFill>
+              </a:defRPr>
+            </a:lvl5pPr>
+            <a:lvl6pPr marL="2286000" indent="0">
+              <a:buNone/>
+              <a:defRPr sz="1400">
+                <a:solidFill>
+                  <a:schemeClr val="tx1">
+                    <a:tint val="75000"/>
+                  </a:schemeClr>
+                </a:solidFill>
+              </a:defRPr>
+            </a:lvl6pPr>
+            <a:lvl7pPr marL="2743200" indent="0">
+              <a:buNone/>
+              <a:defRPr sz="1400">
+                <a:solidFill>
+                  <a:schemeClr val="tx1">
+                    <a:tint val="75000"/>
+                  </a:schemeClr>
+                </a:solidFill>
+              </a:defRPr>
+            </a:lvl7pPr>
+            <a:lvl8pPr marL="3200400" indent="0">
+              <a:buNone/>
+              <a:defRPr sz="1400">
+                <a:solidFill>
+                  <a:schemeClr val="tx1">
+                    <a:tint val="75000"/>
+                  </a:schemeClr>
+                </a:solidFill>
+              </a:defRPr>
+            </a:lvl8pPr>
+            <a:lvl9pPr marL="3657600" indent="0">
+              <a:buNone/>
+              <a:defRPr sz="1400">
+                <a:solidFill>
+                  <a:schemeClr val="tx1">
+                    <a:tint val="75000"/>
+                  </a:schemeClr>
+                </a:solidFill>
+              </a:defRPr>
+            </a:lvl9pPr>
+          </a:lstStyle>
+          <a:p>
+            <a:pPr lvl="0"/>
+            <a:r>
+              <a:rPr lang="en-US"/>
+              <a:t>Click to edit Master text styles</a:t>
+            </a:r>
+          </a:p>
+        </p:txBody>
+      </p:sp>
+      <p:sp>
+        <p:nvSpPr>
+          <p:cNvPr id="4" name="Date Placeholder 3"/>
+          <p:cNvSpPr>
+            <a:spLocks noGrp="1"/>
+          </p:cNvSpPr>
+          <p:nvPr>
+            <p:ph type="dt" sz="half" idx="10"/>
+          </p:nvPr>
+        </p:nvSpPr>
+        <p:spPr/>
+        <p:txBody>
+          <a:bodyPr/>
+          <a:lstStyle/>
+          <a:p>
+            <a:fld id="{62D6E202-B606-4609-B914-27C9371A1F6D}" type="datetime1">
+              <a:rPr lang="en-US" smtClean="0"/>
+              <a:t>6/22/2022</a:t>
+            </a:fld>
+            <a:endParaRPr lang="en-US" dirty="0"/>
+          </a:p>
+        </p:txBody>
+      </p:sp>
+      <p:sp>
+        <p:nvSpPr>
+          <p:cNvPr id="5" name="Footer Placeholder 4"/>
+          <p:cNvSpPr>
+            <a:spLocks noGrp="1"/>
+          </p:cNvSpPr>
+          <p:nvPr>
+            <p:ph type="ftr" sz="quarter" idx="11"/>
+          </p:nvPr>
+        </p:nvSpPr>
+        <p:spPr/>
+        <p:txBody>
+          <a:bodyPr/>
+          <a:lstStyle/>
+          <a:p>
+            <a:endParaRPr lang="en-US" dirty="0"/>
+          </a:p>
+        </p:txBody>
+      </p:sp>
+      <p:sp>
+        <p:nvSpPr>
+          <p:cNvPr id="6" name="Slide Number Placeholder 5"/>
+          <p:cNvSpPr>
+            <a:spLocks noGrp="1"/>
+          </p:cNvSpPr>
+          <p:nvPr>
+            <p:ph type="sldNum" sz="quarter" idx="12"/>
+          </p:nvPr>
+        </p:nvSpPr>
+        <p:spPr/>
+        <p:txBody>
+          <a:bodyPr/>
+          <a:lstStyle/>
+          <a:p>
+            <a:fld id="{3A98EE3D-8CD1-4C3F-BD1C-C98C9596463C}" type="slidenum">
+              <a:rPr lang="en-US" smtClean="0"/>
+              <a:t>‹#›</a:t>
+            </a:fld>
+            <a:endParaRPr lang="en-US" dirty="0"/>
+          </a:p>
+        </p:txBody>
+      </p:sp>
+      <p:sp>
+        <p:nvSpPr>
+          <p:cNvPr id="11" name="TextBox 10"/>
+          <p:cNvSpPr txBox="1"/>
+          <p:nvPr/>
+        </p:nvSpPr>
+        <p:spPr>
+          <a:xfrm>
+            <a:off x="531812" y="812222"/>
+            <a:ext cx="609600" cy="584776"/>
+          </a:xfrm>
+          <a:prstGeom prst="rect">
+            <a:avLst/>
+          </a:prstGeom>
+        </p:spPr>
+        <p:txBody>
+          <a:bodyPr vert="horz" lIns="91440" tIns="45720" rIns="91440" bIns="45720" rtlCol="0" anchor="ctr">
+            <a:noAutofit/>
+          </a:bodyPr>
+          <a:lstStyle/>
+          <a:p>
+            <a:pPr lvl="0"/>
+            <a:r>
+              <a:rPr lang="en-US" sz="8000" dirty="0">
+                <a:solidFill>
+                  <a:schemeClr val="tx1"/>
+                </a:solidFill>
+                <a:effectLst/>
+              </a:rPr>
+              <a:t>“</a:t>
+            </a:r>
+          </a:p>
+        </p:txBody>
+      </p:sp>
+      <p:sp>
+        <p:nvSpPr>
+          <p:cNvPr id="12" name="TextBox 11"/>
+          <p:cNvSpPr txBox="1"/>
+          <p:nvPr/>
+        </p:nvSpPr>
+        <p:spPr>
+          <a:xfrm>
+            <a:off x="10285412" y="2768601"/>
+            <a:ext cx="609600" cy="584776"/>
+          </a:xfrm>
+          <a:prstGeom prst="rect">
+            <a:avLst/>
+          </a:prstGeom>
+        </p:spPr>
+        <p:txBody>
+          <a:bodyPr vert="horz" lIns="91440" tIns="45720" rIns="91440" bIns="45720" rtlCol="0" anchor="ctr">
+            <a:noAutofit/>
+          </a:bodyPr>
+          <a:lstStyle/>
+          <a:p>
+            <a:pPr lvl="0" algn="r"/>
+            <a:r>
+              <a:rPr lang="en-US" sz="8000" dirty="0">
+                <a:solidFill>
+                  <a:schemeClr val="tx1"/>
+                </a:solidFill>
+                <a:effectLst/>
+              </a:rPr>
+              <a:t>”</a:t>
+            </a:r>
+          </a:p>
+        </p:txBody>
+      </p:sp>
+    </p:spTree>
+    <p:extLst>
+      <p:ext uri="{BB962C8B-B14F-4D97-AF65-F5344CB8AC3E}">
+        <p14:creationId xmlns:p14="http://schemas.microsoft.com/office/powerpoint/2010/main" val="3383604538"/>
+      </p:ext>
+    </p:extLst>
+  </p:cSld>
+  <p:clrMapOvr>
+    <a:masterClrMapping/>
+  </p:clrMapOvr>
+  <p:hf sldNum="0" hdr="0" ftr="0" dt="0"/>
+</p:sldLayout>
+</file>
+
+<file path=ppt/slideLayouts/slideLayout15.xml><?xml version="1.0" encoding="utf-8"?>
+<p:sldLayout xmlns:a="http://schemas.openxmlformats.org/drawingml/2006/main" xmlns:r="http://schemas.openxmlformats.org/officeDocument/2006/relationships" xmlns:p="http://schemas.openxmlformats.org/presentationml/2006/main" preserve="1">
+  <p:cSld name="True or False">
+    <p:spTree>
+      <p:nvGrpSpPr>
+        <p:cNvPr id="1" name=""/>
+        <p:cNvGrpSpPr/>
+        <p:nvPr/>
+      </p:nvGrpSpPr>
+      <p:grpSpPr>
+        <a:xfrm>
+          <a:off x="0" y="0"/>
+          <a:ext cx="0" cy="0"/>
+          <a:chOff x="0" y="0"/>
+          <a:chExt cx="0" cy="0"/>
+        </a:xfrm>
+      </p:grpSpPr>
+      <p:sp>
+        <p:nvSpPr>
+          <p:cNvPr id="2" name="Title 1"/>
+          <p:cNvSpPr>
+            <a:spLocks noGrp="1"/>
+          </p:cNvSpPr>
+          <p:nvPr>
+            <p:ph type="title"/>
+          </p:nvPr>
+        </p:nvSpPr>
+        <p:spPr>
+          <a:xfrm>
+            <a:off x="684213" y="685800"/>
+            <a:ext cx="10058400" cy="2743200"/>
+          </a:xfrm>
+        </p:spPr>
+        <p:txBody>
+          <a:bodyPr vert="horz" lIns="91440" tIns="45720" rIns="91440" bIns="45720" rtlCol="0" anchor="ctr">
+            <a:normAutofit/>
+          </a:bodyPr>
+          <a:lstStyle>
+            <a:lvl1pPr>
+              <a:defRPr lang="en-US" b="0" dirty="0"/>
+            </a:lvl1pPr>
+          </a:lstStyle>
+          <a:p>
+            <a:pPr marL="0" lvl="0"/>
+            <a:r>
+              <a:rPr lang="en-US"/>
+              <a:t>Click to edit Master title style</a:t>
+            </a:r>
+            <a:endParaRPr lang="en-US" dirty="0"/>
+          </a:p>
+        </p:txBody>
+      </p:sp>
+      <p:sp>
+        <p:nvSpPr>
+          <p:cNvPr id="10" name="Text Placeholder 9"/>
+          <p:cNvSpPr>
+            <a:spLocks noGrp="1"/>
+          </p:cNvSpPr>
+          <p:nvPr>
+            <p:ph type="body" sz="quarter" idx="13"/>
+          </p:nvPr>
+        </p:nvSpPr>
+        <p:spPr>
+          <a:xfrm>
+            <a:off x="684212" y="3928534"/>
+            <a:ext cx="8534400" cy="838200"/>
+          </a:xfrm>
+        </p:spPr>
+        <p:txBody>
+          <a:bodyPr vert="horz" lIns="91440" tIns="45720" rIns="91440" bIns="45720" rtlCol="0" anchor="b">
+            <a:normAutofit/>
+          </a:bodyPr>
+          <a:lstStyle>
+            <a:lvl1pPr>
+              <a:buNone/>
+              <a:defRPr lang="en-US" sz="2400" b="0" cap="all" dirty="0">
+                <a:ln w="3175" cmpd="sng">
+                  <a:noFill/>
+                </a:ln>
+                <a:solidFill>
+                  <a:schemeClr val="tx1"/>
+                </a:solidFill>
+                <a:effectLst/>
+              </a:defRPr>
+            </a:lvl1pPr>
+          </a:lstStyle>
+          <a:p>
+            <a:pPr marL="0" lvl="0">
+              <a:spcBef>
+                <a:spcPct val="0"/>
+              </a:spcBef>
+              <a:buNone/>
+            </a:pPr>
+            <a:r>
+              <a:rPr lang="en-US"/>
+              <a:t>Click to edit Master text styles</a:t>
+            </a:r>
+          </a:p>
+        </p:txBody>
+      </p:sp>
+      <p:sp>
+        <p:nvSpPr>
+          <p:cNvPr id="3" name="Text Placeholder 2"/>
+          <p:cNvSpPr>
+            <a:spLocks noGrp="1"/>
+          </p:cNvSpPr>
+          <p:nvPr>
+            <p:ph type="body" idx="1"/>
+          </p:nvPr>
+        </p:nvSpPr>
+        <p:spPr>
+          <a:xfrm>
+            <a:off x="684211" y="4766732"/>
+            <a:ext cx="8534401" cy="1227667"/>
+          </a:xfrm>
+        </p:spPr>
+        <p:txBody>
+          <a:bodyPr anchor="t">
+            <a:normAutofit/>
+          </a:bodyPr>
+          <a:lstStyle>
+            <a:lvl1pPr marL="0" indent="0" algn="l">
+              <a:buNone/>
+              <a:defRPr sz="1800">
+                <a:solidFill>
+                  <a:schemeClr val="bg2">
+                    <a:lumMod val="75000"/>
+                  </a:schemeClr>
+                </a:solidFill>
+              </a:defRPr>
+            </a:lvl1pPr>
+            <a:lvl2pPr marL="457200" indent="0">
+              <a:buNone/>
+              <a:defRPr sz="1800">
+                <a:solidFill>
+                  <a:schemeClr val="tx1">
+                    <a:tint val="75000"/>
+                  </a:schemeClr>
+                </a:solidFill>
+              </a:defRPr>
+            </a:lvl2pPr>
+            <a:lvl3pPr marL="914400" indent="0">
+              <a:buNone/>
+              <a:defRPr sz="1600">
+                <a:solidFill>
+                  <a:schemeClr val="tx1">
+                    <a:tint val="75000"/>
+                  </a:schemeClr>
+                </a:solidFill>
+              </a:defRPr>
+            </a:lvl3pPr>
+            <a:lvl4pPr marL="1371600" indent="0">
+              <a:buNone/>
+              <a:defRPr sz="1400">
+                <a:solidFill>
+                  <a:schemeClr val="tx1">
+                    <a:tint val="75000"/>
+                  </a:schemeClr>
+                </a:solidFill>
+              </a:defRPr>
+            </a:lvl4pPr>
+            <a:lvl5pPr marL="1828800" indent="0">
+              <a:buNone/>
+              <a:defRPr sz="1400">
+                <a:solidFill>
+                  <a:schemeClr val="tx1">
+                    <a:tint val="75000"/>
+                  </a:schemeClr>
+                </a:solidFill>
+              </a:defRPr>
+            </a:lvl5pPr>
+            <a:lvl6pPr marL="2286000" indent="0">
+              <a:buNone/>
+              <a:defRPr sz="1400">
+                <a:solidFill>
+                  <a:schemeClr val="tx1">
+                    <a:tint val="75000"/>
+                  </a:schemeClr>
+                </a:solidFill>
+              </a:defRPr>
+            </a:lvl6pPr>
+            <a:lvl7pPr marL="2743200" indent="0">
+              <a:buNone/>
+              <a:defRPr sz="1400">
+                <a:solidFill>
+                  <a:schemeClr val="tx1">
+                    <a:tint val="75000"/>
+                  </a:schemeClr>
+                </a:solidFill>
+              </a:defRPr>
+            </a:lvl7pPr>
+            <a:lvl8pPr marL="3200400" indent="0">
+              <a:buNone/>
+              <a:defRPr sz="1400">
+                <a:solidFill>
+                  <a:schemeClr val="tx1">
+                    <a:tint val="75000"/>
+                  </a:schemeClr>
+                </a:solidFill>
+              </a:defRPr>
+            </a:lvl8pPr>
+            <a:lvl9pPr marL="3657600" indent="0">
+              <a:buNone/>
+              <a:defRPr sz="1400">
+                <a:solidFill>
+                  <a:schemeClr val="tx1">
+                    <a:tint val="75000"/>
+                  </a:schemeClr>
+                </a:solidFill>
+              </a:defRPr>
+            </a:lvl9pPr>
+          </a:lstStyle>
+          <a:p>
+            <a:pPr lvl="0"/>
+            <a:r>
+              <a:rPr lang="en-US"/>
+              <a:t>Click to edit Master text styles</a:t>
+            </a:r>
+          </a:p>
+        </p:txBody>
+      </p:sp>
+      <p:sp>
+        <p:nvSpPr>
+          <p:cNvPr id="4" name="Date Placeholder 3"/>
+          <p:cNvSpPr>
+            <a:spLocks noGrp="1"/>
+          </p:cNvSpPr>
+          <p:nvPr>
+            <p:ph type="dt" sz="half" idx="10"/>
+          </p:nvPr>
+        </p:nvSpPr>
+        <p:spPr/>
+        <p:txBody>
+          <a:bodyPr/>
+          <a:lstStyle/>
+          <a:p>
+            <a:fld id="{62D6E202-B606-4609-B914-27C9371A1F6D}" type="datetime1">
+              <a:rPr lang="en-US" smtClean="0"/>
+              <a:t>6/22/2022</a:t>
+            </a:fld>
+            <a:endParaRPr lang="en-US" dirty="0"/>
+          </a:p>
+        </p:txBody>
+      </p:sp>
+      <p:sp>
+        <p:nvSpPr>
+          <p:cNvPr id="5" name="Footer Placeholder 4"/>
+          <p:cNvSpPr>
+            <a:spLocks noGrp="1"/>
+          </p:cNvSpPr>
+          <p:nvPr>
+            <p:ph type="ftr" sz="quarter" idx="11"/>
+          </p:nvPr>
+        </p:nvSpPr>
+        <p:spPr/>
+        <p:txBody>
+          <a:bodyPr/>
+          <a:lstStyle/>
+          <a:p>
+            <a:endParaRPr lang="en-US" dirty="0"/>
+          </a:p>
+        </p:txBody>
+      </p:sp>
+      <p:sp>
+        <p:nvSpPr>
+          <p:cNvPr id="6" name="Slide Number Placeholder 5"/>
+          <p:cNvSpPr>
+            <a:spLocks noGrp="1"/>
+          </p:cNvSpPr>
+          <p:nvPr>
+            <p:ph type="sldNum" sz="quarter" idx="12"/>
+          </p:nvPr>
+        </p:nvSpPr>
+        <p:spPr/>
+        <p:txBody>
+          <a:bodyPr/>
+          <a:lstStyle/>
+          <a:p>
+            <a:fld id="{3A98EE3D-8CD1-4C3F-BD1C-C98C9596463C}" type="slidenum">
+              <a:rPr lang="en-US" smtClean="0"/>
+              <a:t>‹#›</a:t>
+            </a:fld>
+            <a:endParaRPr lang="en-US" dirty="0"/>
+          </a:p>
+        </p:txBody>
+      </p:sp>
+    </p:spTree>
+    <p:extLst>
+      <p:ext uri="{BB962C8B-B14F-4D97-AF65-F5344CB8AC3E}">
+        <p14:creationId xmlns:p14="http://schemas.microsoft.com/office/powerpoint/2010/main" val="1899435607"/>
+      </p:ext>
+    </p:extLst>
+  </p:cSld>
+  <p:clrMapOvr>
+    <a:masterClrMapping/>
+  </p:clrMapOvr>
+  <p:hf sldNum="0" hdr="0" ftr="0" dt="0"/>
+</p:sldLayout>
+</file>
+
+<file path=ppt/slideLayouts/slideLayout16.xml><?xml version="1.0" encoding="utf-8"?>
 <p:sldLayout xmlns:a="http://schemas.openxmlformats.org/drawingml/2006/main" xmlns:r="http://schemas.openxmlformats.org/officeDocument/2006/relationships" xmlns:p="http://schemas.openxmlformats.org/presentationml/2006/main" type="vertTx" preserve="1">
   <p:cSld name="Title and Vertical Text">
     <p:spTree>
@@ -460,7 +2389,11 @@
         <p:spPr/>
         <p:txBody>
           <a:bodyPr/>
-          <a:lstStyle/>
+          <a:lstStyle>
+            <a:lvl1pPr algn="l">
+              <a:defRPr/>
+            </a:lvl1pPr>
+          </a:lstStyle>
           <a:p>
             <a:r>
               <a:rPr lang="en-US"/>
@@ -482,7 +2415,7 @@
         </p:nvSpPr>
         <p:spPr/>
         <p:txBody>
-          <a:bodyPr vert="eaVert" lIns="45720" tIns="0" rIns="45720" bIns="0"/>
+          <a:bodyPr vert="eaVert" anchor="t"/>
           <a:lstStyle/>
           <a:p>
             <a:pPr lvl="0"/>
@@ -524,13 +2457,7 @@
       </p:sp>
       <p:sp>
         <p:nvSpPr>
-          <p:cNvPr id="7" name="Date Placeholder 6">
-            <a:extLst>
-              <a:ext uri="{FF2B5EF4-FFF2-40B4-BE49-F238E27FC236}">
-                <a16:creationId xmlns:a16="http://schemas.microsoft.com/office/drawing/2014/main" id="{7D5506EE-1026-4F35-9ACC-BD05BE0F9B36}"/>
-              </a:ext>
-            </a:extLst>
-          </p:cNvPr>
+          <p:cNvPr id="4" name="Date Placeholder 3"/>
           <p:cNvSpPr>
             <a:spLocks noGrp="1"/>
           </p:cNvSpPr>
@@ -545,7 +2472,7 @@
           <a:p>
             <a:fld id="{B612A279-0833-481D-8C56-F67FD0AC6C50}" type="datetime1">
               <a:rPr lang="en-US" smtClean="0"/>
-              <a:t>6/19/2022</a:t>
+              <a:t>6/22/2022</a:t>
             </a:fld>
             <a:endParaRPr lang="en-US" dirty="0"/>
           </a:p>
@@ -553,13 +2480,7 @@
       </p:sp>
       <p:sp>
         <p:nvSpPr>
-          <p:cNvPr id="8" name="Footer Placeholder 7">
-            <a:extLst>
-              <a:ext uri="{FF2B5EF4-FFF2-40B4-BE49-F238E27FC236}">
-                <a16:creationId xmlns:a16="http://schemas.microsoft.com/office/drawing/2014/main" id="{B7696E5F-8D95-4450-AE52-5438E6EDE2BF}"/>
-              </a:ext>
-            </a:extLst>
-          </p:cNvPr>
+          <p:cNvPr id="5" name="Footer Placeholder 4"/>
           <p:cNvSpPr>
             <a:spLocks noGrp="1"/>
           </p:cNvSpPr>
@@ -578,13 +2499,7 @@
       </p:sp>
       <p:sp>
         <p:nvSpPr>
-          <p:cNvPr id="9" name="Slide Number Placeholder 8">
-            <a:extLst>
-              <a:ext uri="{FF2B5EF4-FFF2-40B4-BE49-F238E27FC236}">
-                <a16:creationId xmlns:a16="http://schemas.microsoft.com/office/drawing/2014/main" id="{999B2253-74CC-409E-BEB0-F8EFCFCB5629}"/>
-              </a:ext>
-            </a:extLst>
-          </p:cNvPr>
+          <p:cNvPr id="6" name="Slide Number Placeholder 5"/>
           <p:cNvSpPr>
             <a:spLocks noGrp="1"/>
           </p:cNvSpPr>
@@ -608,7 +2523,7 @@
     </p:spTree>
     <p:extLst>
       <p:ext uri="{BB962C8B-B14F-4D97-AF65-F5344CB8AC3E}">
-        <p14:creationId xmlns:p14="http://schemas.microsoft.com/office/powerpoint/2010/main" val="1672269861"/>
+        <p14:creationId xmlns:p14="http://schemas.microsoft.com/office/powerpoint/2010/main" val="522038996"/>
       </p:ext>
     </p:extLst>
   </p:cSld>
@@ -618,8 +2533,8 @@
 </p:sldLayout>
 </file>
 
-<file path=ppt/slideLayouts/slideLayout11.xml><?xml version="1.0" encoding="utf-8"?>
-<p:sldLayout xmlns:a="http://schemas.openxmlformats.org/drawingml/2006/main" xmlns:r="http://schemas.openxmlformats.org/officeDocument/2006/relationships" xmlns:p="http://schemas.openxmlformats.org/presentationml/2006/main" showMasterSp="0" type="vertTitleAndTx" preserve="1">
+<file path=ppt/slideLayouts/slideLayout17.xml><?xml version="1.0" encoding="utf-8"?>
+<p:sldLayout xmlns:a="http://schemas.openxmlformats.org/drawingml/2006/main" xmlns:r="http://schemas.openxmlformats.org/officeDocument/2006/relationships" xmlns:p="http://schemas.openxmlformats.org/presentationml/2006/main" type="vertTitleAndTx" preserve="1">
   <p:cSld name="Vertical Title and Text">
     <p:spTree>
       <p:nvGrpSpPr>
@@ -637,94 +2552,50 @@
       </p:grpSpPr>
       <p:sp>
         <p:nvSpPr>
-          <p:cNvPr id="9" name="Rectangle 8">
-            <a:extLst>
-              <a:ext uri="{FF2B5EF4-FFF2-40B4-BE49-F238E27FC236}">
-                <a16:creationId xmlns:a16="http://schemas.microsoft.com/office/drawing/2014/main" id="{E1B68A5B-D9FA-424B-A4EB-30E7223836B3}"/>
-              </a:ext>
-            </a:extLst>
-          </p:cNvPr>
-          <p:cNvSpPr/>
-          <p:nvPr/>
+          <p:cNvPr id="2" name="Vertical Title 1"/>
+          <p:cNvSpPr>
+            <a:spLocks noGrp="1"/>
+          </p:cNvSpPr>
+          <p:nvPr>
+            <p:ph type="title" orient="vert"/>
+          </p:nvPr>
         </p:nvSpPr>
         <p:spPr>
           <a:xfrm>
-            <a:off x="3175" y="6400800"/>
-            <a:ext cx="12188825" cy="457200"/>
+            <a:off x="8685212" y="685800"/>
+            <a:ext cx="2057400" cy="4572000"/>
           </a:xfrm>
-          <a:prstGeom prst="rect">
-            <a:avLst/>
-          </a:prstGeom>
-          <a:solidFill>
-            <a:srgbClr val="262626"/>
-          </a:solidFill>
-          <a:ln>
-            <a:noFill/>
-          </a:ln>
         </p:spPr>
-        <p:style>
-          <a:lnRef idx="2">
-            <a:schemeClr val="accent1">
-              <a:shade val="50000"/>
-            </a:schemeClr>
-          </a:lnRef>
-          <a:fillRef idx="1">
-            <a:schemeClr val="accent1"/>
-          </a:fillRef>
-          <a:effectRef idx="0">
-            <a:schemeClr val="accent1"/>
-          </a:effectRef>
-          <a:fontRef idx="minor">
-            <a:schemeClr val="lt1"/>
-          </a:fontRef>
-        </p:style>
-      </p:sp>
-      <p:sp>
-        <p:nvSpPr>
-          <p:cNvPr id="2" name="Vertical Title 1"/>
-          <p:cNvSpPr>
-            <a:spLocks noGrp="1"/>
-          </p:cNvSpPr>
-          <p:nvPr>
-            <p:ph type="title" orient="vert"/>
+        <p:txBody>
+          <a:bodyPr vert="eaVert"/>
+          <a:lstStyle/>
+          <a:p>
+            <a:r>
+              <a:rPr lang="en-US"/>
+              <a:t>Click to edit Master title style</a:t>
+            </a:r>
+            <a:endParaRPr lang="en-US" dirty="0"/>
+          </a:p>
+        </p:txBody>
+      </p:sp>
+      <p:sp>
+        <p:nvSpPr>
+          <p:cNvPr id="3" name="Vertical Text Placeholder 2"/>
+          <p:cNvSpPr>
+            <a:spLocks noGrp="1"/>
+          </p:cNvSpPr>
+          <p:nvPr>
+            <p:ph type="body" orient="vert" idx="1"/>
           </p:nvPr>
         </p:nvSpPr>
         <p:spPr>
           <a:xfrm>
-            <a:off x="8724900" y="412302"/>
-            <a:ext cx="2628900" cy="5759898"/>
+            <a:off x="685800" y="685800"/>
+            <a:ext cx="7823200" cy="5308600"/>
           </a:xfrm>
         </p:spPr>
         <p:txBody>
-          <a:bodyPr vert="eaVert"/>
-          <a:lstStyle/>
-          <a:p>
-            <a:r>
-              <a:rPr lang="en-US"/>
-              <a:t>Click to edit Master title style</a:t>
-            </a:r>
-            <a:endParaRPr lang="en-US" dirty="0"/>
-          </a:p>
-        </p:txBody>
-      </p:sp>
-      <p:sp>
-        <p:nvSpPr>
-          <p:cNvPr id="3" name="Vertical Text Placeholder 2"/>
-          <p:cNvSpPr>
-            <a:spLocks noGrp="1"/>
-          </p:cNvSpPr>
-          <p:nvPr>
-            <p:ph type="body" orient="vert" idx="1"/>
-          </p:nvPr>
-        </p:nvSpPr>
-        <p:spPr>
-          <a:xfrm>
-            <a:off x="838200" y="412302"/>
-            <a:ext cx="7734300" cy="5759898"/>
-          </a:xfrm>
-        </p:spPr>
-        <p:txBody>
-          <a:bodyPr vert="eaVert" lIns="45720" tIns="0" rIns="45720" bIns="0"/>
+          <a:bodyPr vert="eaVert" anchor="t"/>
           <a:lstStyle/>
           <a:p>
             <a:pPr lvl="0"/>
@@ -766,13 +2637,7 @@
       </p:sp>
       <p:sp>
         <p:nvSpPr>
-          <p:cNvPr id="7" name="Date Placeholder 6">
-            <a:extLst>
-              <a:ext uri="{FF2B5EF4-FFF2-40B4-BE49-F238E27FC236}">
-                <a16:creationId xmlns:a16="http://schemas.microsoft.com/office/drawing/2014/main" id="{AF33D6B0-F070-45C4-A472-19F432BE3932}"/>
-              </a:ext>
-            </a:extLst>
-          </p:cNvPr>
+          <p:cNvPr id="4" name="Date Placeholder 3"/>
           <p:cNvSpPr>
             <a:spLocks noGrp="1"/>
           </p:cNvSpPr>
@@ -787,7 +2652,7 @@
           <a:p>
             <a:fld id="{6587DA83-5663-4C9C-B9AA-0B40A3DAFF81}" type="datetime1">
               <a:rPr lang="en-US" smtClean="0"/>
-              <a:t>6/19/2022</a:t>
+              <a:t>6/22/2022</a:t>
             </a:fld>
             <a:endParaRPr lang="en-US" dirty="0"/>
           </a:p>
@@ -795,13 +2660,7 @@
       </p:sp>
       <p:sp>
         <p:nvSpPr>
-          <p:cNvPr id="8" name="Footer Placeholder 7">
-            <a:extLst>
-              <a:ext uri="{FF2B5EF4-FFF2-40B4-BE49-F238E27FC236}">
-                <a16:creationId xmlns:a16="http://schemas.microsoft.com/office/drawing/2014/main" id="{9975399F-DAB2-410D-967F-ED17E6F796E7}"/>
-              </a:ext>
-            </a:extLst>
-          </p:cNvPr>
+          <p:cNvPr id="5" name="Footer Placeholder 4"/>
           <p:cNvSpPr>
             <a:spLocks noGrp="1"/>
           </p:cNvSpPr>
@@ -820,13 +2679,7 @@
       </p:sp>
       <p:sp>
         <p:nvSpPr>
-          <p:cNvPr id="10" name="Slide Number Placeholder 9">
-            <a:extLst>
-              <a:ext uri="{FF2B5EF4-FFF2-40B4-BE49-F238E27FC236}">
-                <a16:creationId xmlns:a16="http://schemas.microsoft.com/office/drawing/2014/main" id="{F762A46F-6BE5-4D12-9412-5CA7672EA8EC}"/>
-              </a:ext>
-            </a:extLst>
-          </p:cNvPr>
+          <p:cNvPr id="6" name="Slide Number Placeholder 5"/>
           <p:cNvSpPr>
             <a:spLocks noGrp="1"/>
           </p:cNvSpPr>
@@ -850,7 +2703,7 @@
     </p:spTree>
     <p:extLst>
       <p:ext uri="{BB962C8B-B14F-4D97-AF65-F5344CB8AC3E}">
-        <p14:creationId xmlns:p14="http://schemas.microsoft.com/office/powerpoint/2010/main" val="761827292"/>
+        <p14:creationId xmlns:p14="http://schemas.microsoft.com/office/powerpoint/2010/main" val="1613867161"/>
       </p:ext>
     </p:extLst>
   </p:cSld>
@@ -912,7 +2765,7 @@
         </p:nvSpPr>
         <p:spPr/>
         <p:txBody>
-          <a:bodyPr/>
+          <a:bodyPr anchor="ctr"/>
           <a:lstStyle/>
           <a:p>
             <a:pPr lvl="0"/>
@@ -954,13 +2807,7 @@
       </p:sp>
       <p:sp>
         <p:nvSpPr>
-          <p:cNvPr id="7" name="Date Placeholder 6">
-            <a:extLst>
-              <a:ext uri="{FF2B5EF4-FFF2-40B4-BE49-F238E27FC236}">
-                <a16:creationId xmlns:a16="http://schemas.microsoft.com/office/drawing/2014/main" id="{354D8B55-9EA8-4B81-8E84-9B93B0A27559}"/>
-              </a:ext>
-            </a:extLst>
-          </p:cNvPr>
+          <p:cNvPr id="4" name="Date Placeholder 3"/>
           <p:cNvSpPr>
             <a:spLocks noGrp="1"/>
           </p:cNvSpPr>
@@ -975,7 +2822,7 @@
           <a:p>
             <a:fld id="{4BE1D723-8F53-4F53-90B0-1982A396982E}" type="datetime1">
               <a:rPr lang="en-US" smtClean="0"/>
-              <a:t>6/19/2022</a:t>
+              <a:t>6/22/2022</a:t>
             </a:fld>
             <a:endParaRPr lang="en-US" dirty="0"/>
           </a:p>
@@ -983,13 +2830,7 @@
       </p:sp>
       <p:sp>
         <p:nvSpPr>
-          <p:cNvPr id="8" name="Footer Placeholder 7">
-            <a:extLst>
-              <a:ext uri="{FF2B5EF4-FFF2-40B4-BE49-F238E27FC236}">
-                <a16:creationId xmlns:a16="http://schemas.microsoft.com/office/drawing/2014/main" id="{062CA021-2578-47CB-822C-BDDFF7223B28}"/>
-              </a:ext>
-            </a:extLst>
-          </p:cNvPr>
+          <p:cNvPr id="5" name="Footer Placeholder 4"/>
           <p:cNvSpPr>
             <a:spLocks noGrp="1"/>
           </p:cNvSpPr>
@@ -1008,13 +2849,7 @@
       </p:sp>
       <p:sp>
         <p:nvSpPr>
-          <p:cNvPr id="9" name="Slide Number Placeholder 8">
-            <a:extLst>
-              <a:ext uri="{FF2B5EF4-FFF2-40B4-BE49-F238E27FC236}">
-                <a16:creationId xmlns:a16="http://schemas.microsoft.com/office/drawing/2014/main" id="{C4AAB51D-4141-4682-9375-DAFD5FB9DD10}"/>
-              </a:ext>
-            </a:extLst>
-          </p:cNvPr>
+          <p:cNvPr id="6" name="Slide Number Placeholder 5"/>
           <p:cNvSpPr>
             <a:spLocks noGrp="1"/>
           </p:cNvSpPr>
@@ -1038,7 +2873,7 @@
     </p:spTree>
     <p:extLst>
       <p:ext uri="{BB962C8B-B14F-4D97-AF65-F5344CB8AC3E}">
-        <p14:creationId xmlns:p14="http://schemas.microsoft.com/office/powerpoint/2010/main" val="892670607"/>
+        <p14:creationId xmlns:p14="http://schemas.microsoft.com/office/powerpoint/2010/main" val="13164551"/>
       </p:ext>
     </p:extLst>
   </p:cSld>
@@ -1049,16 +2884,8 @@
 </file>
 
 <file path=ppt/slideLayouts/slideLayout3.xml><?xml version="1.0" encoding="utf-8"?>
-<p:sldLayout xmlns:a="http://schemas.openxmlformats.org/drawingml/2006/main" xmlns:r="http://schemas.openxmlformats.org/officeDocument/2006/relationships" xmlns:p="http://schemas.openxmlformats.org/presentationml/2006/main" showMasterSp="0" type="secHead" preserve="1">
+<p:sldLayout xmlns:a="http://schemas.openxmlformats.org/drawingml/2006/main" xmlns:r="http://schemas.openxmlformats.org/officeDocument/2006/relationships" xmlns:p="http://schemas.openxmlformats.org/presentationml/2006/main" type="secHead" preserve="1">
   <p:cSld name="Section Header">
-    <p:bg>
-      <p:bgPr>
-        <a:solidFill>
-          <a:schemeClr val="bg1"/>
-        </a:solidFill>
-        <a:effectLst/>
-      </p:bgPr>
-    </p:bg>
     <p:spTree>
       <p:nvGrpSpPr>
         <p:cNvPr id="1" name=""/>
@@ -1075,81 +2902,27 @@
       </p:grpSpPr>
       <p:sp>
         <p:nvSpPr>
-          <p:cNvPr id="10" name="Rectangle 9">
-            <a:extLst>
-              <a:ext uri="{FF2B5EF4-FFF2-40B4-BE49-F238E27FC236}">
-                <a16:creationId xmlns:a16="http://schemas.microsoft.com/office/drawing/2014/main" id="{A585C21A-8B93-4657-B5DF-7EAEAD3BE127}"/>
-              </a:ext>
-            </a:extLst>
-          </p:cNvPr>
-          <p:cNvSpPr/>
-          <p:nvPr/>
+          <p:cNvPr id="2" name="Title 1"/>
+          <p:cNvSpPr>
+            <a:spLocks noGrp="1"/>
+          </p:cNvSpPr>
+          <p:nvPr>
+            <p:ph type="title"/>
+          </p:nvPr>
         </p:nvSpPr>
         <p:spPr>
           <a:xfrm>
-            <a:off x="3175" y="6400800"/>
-            <a:ext cx="12188825" cy="457200"/>
-          </a:xfrm>
-          <a:prstGeom prst="rect">
-            <a:avLst/>
-          </a:prstGeom>
-          <a:solidFill>
-            <a:srgbClr val="262626"/>
-          </a:solidFill>
-          <a:ln>
-            <a:noFill/>
-          </a:ln>
-        </p:spPr>
-        <p:style>
-          <a:lnRef idx="2">
-            <a:schemeClr val="accent1">
-              <a:shade val="50000"/>
-            </a:schemeClr>
-          </a:lnRef>
-          <a:fillRef idx="1">
-            <a:schemeClr val="accent1"/>
-          </a:fillRef>
-          <a:effectRef idx="0">
-            <a:schemeClr val="accent1"/>
-          </a:effectRef>
-          <a:fontRef idx="minor">
-            <a:schemeClr val="lt1"/>
-          </a:fontRef>
-        </p:style>
-      </p:sp>
-      <p:sp>
-        <p:nvSpPr>
-          <p:cNvPr id="2" name="Title 1"/>
-          <p:cNvSpPr>
-            <a:spLocks noGrp="1"/>
-          </p:cNvSpPr>
-          <p:nvPr>
-            <p:ph type="title"/>
-          </p:nvPr>
-        </p:nvSpPr>
-        <p:spPr>
-          <a:xfrm>
-            <a:off x="1097280" y="758952"/>
-            <a:ext cx="10058400" cy="3566160"/>
+            <a:off x="684211" y="2006600"/>
+            <a:ext cx="8534401" cy="2281600"/>
           </a:xfrm>
         </p:spPr>
         <p:txBody>
-          <a:bodyPr anchor="b" anchorCtr="0">
+          <a:bodyPr anchor="b">
             <a:normAutofit/>
           </a:bodyPr>
           <a:lstStyle>
-            <a:lvl1pPr>
-              <a:lnSpc>
-                <a:spcPct val="90000"/>
-              </a:lnSpc>
-              <a:defRPr sz="8000" b="0">
-                <a:solidFill>
-                  <a:schemeClr val="tx1">
-                    <a:lumMod val="85000"/>
-                    <a:lumOff val="15000"/>
-                  </a:schemeClr>
-                </a:solidFill>
-              </a:defRPr>
+            <a:lvl1pPr algn="l">
+              <a:defRPr sz="3600" b="0" cap="all"/>
             </a:lvl1pPr>
           </a:lstStyle>
           <a:p>
@@ -1173,22 +2946,23 @@
         </p:nvSpPr>
         <p:spPr>
           <a:xfrm>
-            <a:off x="1097280" y="4663440"/>
-            <a:ext cx="10058400" cy="1143000"/>
+            <a:off x="684213" y="4495800"/>
+            <a:ext cx="8534400" cy="1498600"/>
           </a:xfrm>
         </p:spPr>
         <p:txBody>
-          <a:bodyPr lIns="91440" rIns="91440" anchor="t" anchorCtr="0">
+          <a:bodyPr anchor="t">
             <a:normAutofit/>
           </a:bodyPr>
           <a:lstStyle>
-            <a:lvl1pPr marL="0" indent="0">
-              <a:buNone/>
-              <a:defRPr sz="2400" cap="all" spc="200" baseline="0">
-                <a:solidFill>
-                  <a:schemeClr val="tx1"/>
-                </a:solidFill>
-                <a:latin typeface="+mn-lt"/>
+            <a:lvl1pPr marL="0" indent="0" algn="l">
+              <a:buNone/>
+              <a:defRPr sz="1800">
+                <a:solidFill>
+                  <a:schemeClr val="bg2">
+                    <a:lumMod val="75000"/>
+                  </a:schemeClr>
+                </a:solidFill>
               </a:defRPr>
             </a:lvl1pPr>
             <a:lvl2pPr marL="457200" indent="0">
@@ -1281,59 +3055,9 @@
           </a:p>
         </p:txBody>
       </p:sp>
-      <p:cxnSp>
-        <p:nvCxnSpPr>
-          <p:cNvPr id="9" name="Straight Connector 8">
-            <a:extLst>
-              <a:ext uri="{FF2B5EF4-FFF2-40B4-BE49-F238E27FC236}">
-                <a16:creationId xmlns:a16="http://schemas.microsoft.com/office/drawing/2014/main" id="{459DE2C1-4C52-40A3-8959-27B2C1BEBFF6}"/>
-              </a:ext>
-            </a:extLst>
-          </p:cNvPr>
-          <p:cNvCxnSpPr/>
-          <p:nvPr/>
-        </p:nvCxnSpPr>
-        <p:spPr>
-          <a:xfrm>
-            <a:off x="1207658" y="4485132"/>
-            <a:ext cx="9875520" cy="0"/>
-          </a:xfrm>
-          <a:prstGeom prst="line">
-            <a:avLst/>
-          </a:prstGeom>
-          <a:ln w="12700">
-            <a:solidFill>
-              <a:schemeClr val="tx1">
-                <a:lumMod val="75000"/>
-                <a:lumOff val="25000"/>
-              </a:schemeClr>
-            </a:solidFill>
-          </a:ln>
-        </p:spPr>
-        <p:style>
-          <a:lnRef idx="1">
-            <a:schemeClr val="accent1"/>
-          </a:lnRef>
-          <a:fillRef idx="0">
-            <a:schemeClr val="accent1"/>
-          </a:fillRef>
-          <a:effectRef idx="0">
-            <a:schemeClr val="accent1"/>
-          </a:effectRef>
-          <a:fontRef idx="minor">
-            <a:schemeClr val="tx1"/>
-          </a:fontRef>
-        </p:style>
-      </p:cxnSp>
-      <p:sp>
-        <p:nvSpPr>
-          <p:cNvPr id="7" name="Date Placeholder 6">
-            <a:extLst>
-              <a:ext uri="{FF2B5EF4-FFF2-40B4-BE49-F238E27FC236}">
-                <a16:creationId xmlns:a16="http://schemas.microsoft.com/office/drawing/2014/main" id="{AAF2E137-EC28-48F8-9198-1F02539029B6}"/>
-              </a:ext>
-            </a:extLst>
-          </p:cNvPr>
+      <p:sp>
+        <p:nvSpPr>
+          <p:cNvPr id="4" name="Date Placeholder 3"/>
           <p:cNvSpPr>
             <a:spLocks noGrp="1"/>
           </p:cNvSpPr>
@@ -1348,7 +3072,7 @@
           <a:p>
             <a:fld id="{97669AF7-7BEB-44E4-9852-375E34362B5B}" type="datetime1">
               <a:rPr lang="en-US" smtClean="0"/>
-              <a:t>6/19/2022</a:t>
+              <a:t>6/22/2022</a:t>
             </a:fld>
             <a:endParaRPr lang="en-US" dirty="0"/>
           </a:p>
@@ -1356,13 +3080,7 @@
       </p:sp>
       <p:sp>
         <p:nvSpPr>
-          <p:cNvPr id="8" name="Footer Placeholder 7">
-            <a:extLst>
-              <a:ext uri="{FF2B5EF4-FFF2-40B4-BE49-F238E27FC236}">
-                <a16:creationId xmlns:a16="http://schemas.microsoft.com/office/drawing/2014/main" id="{189422CD-6F62-4DD6-89EF-07A60B42D219}"/>
-              </a:ext>
-            </a:extLst>
-          </p:cNvPr>
+          <p:cNvPr id="5" name="Footer Placeholder 4"/>
           <p:cNvSpPr>
             <a:spLocks noGrp="1"/>
           </p:cNvSpPr>
@@ -1381,13 +3099,7 @@
       </p:sp>
       <p:sp>
         <p:nvSpPr>
-          <p:cNvPr id="11" name="Slide Number Placeholder 10">
-            <a:extLst>
-              <a:ext uri="{FF2B5EF4-FFF2-40B4-BE49-F238E27FC236}">
-                <a16:creationId xmlns:a16="http://schemas.microsoft.com/office/drawing/2014/main" id="{69C6AFF8-42B4-4D05-969B-9F5FB3355555}"/>
-              </a:ext>
-            </a:extLst>
-          </p:cNvPr>
+          <p:cNvPr id="6" name="Slide Number Placeholder 5"/>
           <p:cNvSpPr>
             <a:spLocks noGrp="1"/>
           </p:cNvSpPr>
@@ -1411,7 +3123,7 @@
     </p:spTree>
     <p:extLst>
       <p:ext uri="{BB962C8B-B14F-4D97-AF65-F5344CB8AC3E}">
-        <p14:creationId xmlns:p14="http://schemas.microsoft.com/office/powerpoint/2010/main" val="3304162564"/>
+        <p14:creationId xmlns:p14="http://schemas.microsoft.com/office/powerpoint/2010/main" val="1295436464"/>
       </p:ext>
     </p:extLst>
   </p:cSld>
@@ -1440,50 +3152,106 @@
       </p:grpSpPr>
       <p:sp>
         <p:nvSpPr>
-          <p:cNvPr id="8" name="Title 7"/>
+          <p:cNvPr id="2" name="Title 1"/>
           <p:cNvSpPr>
             <a:spLocks noGrp="1"/>
           </p:cNvSpPr>
           <p:nvPr>
             <p:ph type="title"/>
+          </p:nvPr>
+        </p:nvSpPr>
+        <p:spPr/>
+        <p:txBody>
+          <a:bodyPr/>
+          <a:lstStyle/>
+          <a:p>
+            <a:r>
+              <a:rPr lang="en-US"/>
+              <a:t>Click to edit Master title style</a:t>
+            </a:r>
+            <a:endParaRPr lang="en-US" dirty="0"/>
+          </a:p>
+        </p:txBody>
+      </p:sp>
+      <p:sp>
+        <p:nvSpPr>
+          <p:cNvPr id="3" name="Content Placeholder 2"/>
+          <p:cNvSpPr>
+            <a:spLocks noGrp="1"/>
+          </p:cNvSpPr>
+          <p:nvPr>
+            <p:ph sz="half" idx="1"/>
           </p:nvPr>
         </p:nvSpPr>
         <p:spPr>
           <a:xfrm>
-            <a:off x="1097280" y="286603"/>
-            <a:ext cx="10058400" cy="1450757"/>
+            <a:off x="684211" y="685800"/>
+            <a:ext cx="4937655" cy="3615267"/>
           </a:xfrm>
         </p:spPr>
         <p:txBody>
-          <a:bodyPr/>
-          <a:lstStyle/>
-          <a:p>
-            <a:r>
-              <a:rPr lang="en-US"/>
-              <a:t>Click to edit Master title style</a:t>
-            </a:r>
-            <a:endParaRPr lang="en-US" dirty="0"/>
-          </a:p>
-        </p:txBody>
-      </p:sp>
-      <p:sp>
-        <p:nvSpPr>
-          <p:cNvPr id="3" name="Content Placeholder 2"/>
-          <p:cNvSpPr>
-            <a:spLocks noGrp="1"/>
-          </p:cNvSpPr>
-          <p:nvPr>
-            <p:ph sz="half" idx="1"/>
+          <a:bodyPr>
+            <a:normAutofit/>
+          </a:bodyPr>
+          <a:lstStyle/>
+          <a:p>
+            <a:pPr lvl="0"/>
+            <a:r>
+              <a:rPr lang="en-US"/>
+              <a:t>Click to edit Master text styles</a:t>
+            </a:r>
+          </a:p>
+          <a:p>
+            <a:pPr lvl="1"/>
+            <a:r>
+              <a:rPr lang="en-US"/>
+              <a:t>Second level</a:t>
+            </a:r>
+          </a:p>
+          <a:p>
+            <a:pPr lvl="2"/>
+            <a:r>
+              <a:rPr lang="en-US"/>
+              <a:t>Third level</a:t>
+            </a:r>
+          </a:p>
+          <a:p>
+            <a:pPr lvl="3"/>
+            <a:r>
+              <a:rPr lang="en-US"/>
+              <a:t>Fourth level</a:t>
+            </a:r>
+          </a:p>
+          <a:p>
+            <a:pPr lvl="4"/>
+            <a:r>
+              <a:rPr lang="en-US"/>
+              <a:t>Fifth level</a:t>
+            </a:r>
+            <a:endParaRPr lang="en-US" dirty="0"/>
+          </a:p>
+        </p:txBody>
+      </p:sp>
+      <p:sp>
+        <p:nvSpPr>
+          <p:cNvPr id="4" name="Content Placeholder 3"/>
+          <p:cNvSpPr>
+            <a:spLocks noGrp="1"/>
+          </p:cNvSpPr>
+          <p:nvPr>
+            <p:ph sz="half" idx="2"/>
           </p:nvPr>
         </p:nvSpPr>
         <p:spPr>
           <a:xfrm>
-            <a:off x="1097280" y="2120900"/>
-            <a:ext cx="4639736" cy="3748193"/>
+            <a:off x="5808133" y="685801"/>
+            <a:ext cx="4934479" cy="3615266"/>
           </a:xfrm>
         </p:spPr>
         <p:txBody>
-          <a:bodyPr/>
+          <a:bodyPr>
+            <a:normAutofit/>
+          </a:bodyPr>
           <a:lstStyle/>
           <a:p>
             <a:pPr lvl="0"/>
@@ -1525,70 +3293,7 @@
       </p:sp>
       <p:sp>
         <p:nvSpPr>
-          <p:cNvPr id="4" name="Content Placeholder 3"/>
-          <p:cNvSpPr>
-            <a:spLocks noGrp="1"/>
-          </p:cNvSpPr>
-          <p:nvPr>
-            <p:ph sz="half" idx="2"/>
-          </p:nvPr>
-        </p:nvSpPr>
-        <p:spPr>
-          <a:xfrm>
-            <a:off x="6515944" y="2120900"/>
-            <a:ext cx="4639736" cy="3748194"/>
-          </a:xfrm>
-        </p:spPr>
-        <p:txBody>
-          <a:bodyPr/>
-          <a:lstStyle/>
-          <a:p>
-            <a:pPr lvl="0"/>
-            <a:r>
-              <a:rPr lang="en-US"/>
-              <a:t>Click to edit Master text styles</a:t>
-            </a:r>
-          </a:p>
-          <a:p>
-            <a:pPr lvl="1"/>
-            <a:r>
-              <a:rPr lang="en-US"/>
-              <a:t>Second level</a:t>
-            </a:r>
-          </a:p>
-          <a:p>
-            <a:pPr lvl="2"/>
-            <a:r>
-              <a:rPr lang="en-US"/>
-              <a:t>Third level</a:t>
-            </a:r>
-          </a:p>
-          <a:p>
-            <a:pPr lvl="3"/>
-            <a:r>
-              <a:rPr lang="en-US"/>
-              <a:t>Fourth level</a:t>
-            </a:r>
-          </a:p>
-          <a:p>
-            <a:pPr lvl="4"/>
-            <a:r>
-              <a:rPr lang="en-US"/>
-              <a:t>Fifth level</a:t>
-            </a:r>
-            <a:endParaRPr lang="en-US" dirty="0"/>
-          </a:p>
-        </p:txBody>
-      </p:sp>
-      <p:sp>
-        <p:nvSpPr>
-          <p:cNvPr id="2" name="Date Placeholder 1">
-            <a:extLst>
-              <a:ext uri="{FF2B5EF4-FFF2-40B4-BE49-F238E27FC236}">
-                <a16:creationId xmlns:a16="http://schemas.microsoft.com/office/drawing/2014/main" id="{5782D47D-B0DC-4C40-BCC6-BBBA32584A38}"/>
-              </a:ext>
-            </a:extLst>
-          </p:cNvPr>
+          <p:cNvPr id="5" name="Date Placeholder 4"/>
           <p:cNvSpPr>
             <a:spLocks noGrp="1"/>
           </p:cNvSpPr>
@@ -1603,7 +3308,7 @@
           <a:p>
             <a:fld id="{BAAAC38D-0552-4C82-B593-E6124DFADBE2}" type="datetime1">
               <a:rPr lang="en-US" smtClean="0"/>
-              <a:t>6/19/2022</a:t>
+              <a:t>6/22/2022</a:t>
             </a:fld>
             <a:endParaRPr lang="en-US" dirty="0"/>
           </a:p>
@@ -1611,13 +3316,7 @@
       </p:sp>
       <p:sp>
         <p:nvSpPr>
-          <p:cNvPr id="9" name="Footer Placeholder 8">
-            <a:extLst>
-              <a:ext uri="{FF2B5EF4-FFF2-40B4-BE49-F238E27FC236}">
-                <a16:creationId xmlns:a16="http://schemas.microsoft.com/office/drawing/2014/main" id="{4690D34E-7EBD-44B2-83CA-4C126A18D7EF}"/>
-              </a:ext>
-            </a:extLst>
-          </p:cNvPr>
+          <p:cNvPr id="6" name="Footer Placeholder 5"/>
           <p:cNvSpPr>
             <a:spLocks noGrp="1"/>
           </p:cNvSpPr>
@@ -1636,13 +3335,7 @@
       </p:sp>
       <p:sp>
         <p:nvSpPr>
-          <p:cNvPr id="10" name="Slide Number Placeholder 9">
-            <a:extLst>
-              <a:ext uri="{FF2B5EF4-FFF2-40B4-BE49-F238E27FC236}">
-                <a16:creationId xmlns:a16="http://schemas.microsoft.com/office/drawing/2014/main" id="{2AC511A1-9BBD-42DE-92FB-2AF44F8E97A9}"/>
-              </a:ext>
-            </a:extLst>
-          </p:cNvPr>
+          <p:cNvPr id="7" name="Slide Number Placeholder 6"/>
           <p:cNvSpPr>
             <a:spLocks noGrp="1"/>
           </p:cNvSpPr>
@@ -1666,7 +3359,7 @@
     </p:spTree>
     <p:extLst>
       <p:ext uri="{BB962C8B-B14F-4D97-AF65-F5344CB8AC3E}">
-        <p14:creationId xmlns:p14="http://schemas.microsoft.com/office/powerpoint/2010/main" val="4256663047"/>
+        <p14:creationId xmlns:p14="http://schemas.microsoft.com/office/powerpoint/2010/main" val="1224205400"/>
       </p:ext>
     </p:extLst>
   </p:cSld>
@@ -1695,56 +3388,55 @@
       </p:grpSpPr>
       <p:sp>
         <p:nvSpPr>
-          <p:cNvPr id="10" name="Title 9"/>
+          <p:cNvPr id="2" name="Title 1"/>
           <p:cNvSpPr>
             <a:spLocks noGrp="1"/>
           </p:cNvSpPr>
           <p:nvPr>
             <p:ph type="title"/>
+          </p:nvPr>
+        </p:nvSpPr>
+        <p:spPr/>
+        <p:txBody>
+          <a:bodyPr/>
+          <a:lstStyle>
+            <a:lvl1pPr>
+              <a:defRPr/>
+            </a:lvl1pPr>
+          </a:lstStyle>
+          <a:p>
+            <a:r>
+              <a:rPr lang="en-US"/>
+              <a:t>Click to edit Master title style</a:t>
+            </a:r>
+            <a:endParaRPr lang="en-US" dirty="0"/>
+          </a:p>
+        </p:txBody>
+      </p:sp>
+      <p:sp>
+        <p:nvSpPr>
+          <p:cNvPr id="3" name="Text Placeholder 2"/>
+          <p:cNvSpPr>
+            <a:spLocks noGrp="1"/>
+          </p:cNvSpPr>
+          <p:nvPr>
+            <p:ph type="body" idx="1"/>
           </p:nvPr>
         </p:nvSpPr>
         <p:spPr>
           <a:xfrm>
-            <a:off x="1097280" y="286603"/>
-            <a:ext cx="10058400" cy="1450757"/>
+            <a:off x="972080" y="685800"/>
+            <a:ext cx="4649787" cy="576262"/>
           </a:xfrm>
         </p:spPr>
         <p:txBody>
-          <a:bodyPr/>
-          <a:lstStyle/>
-          <a:p>
-            <a:r>
-              <a:rPr lang="en-US"/>
-              <a:t>Click to edit Master title style</a:t>
-            </a:r>
-            <a:endParaRPr lang="en-US" dirty="0"/>
-          </a:p>
-        </p:txBody>
-      </p:sp>
-      <p:sp>
-        <p:nvSpPr>
-          <p:cNvPr id="3" name="Text Placeholder 2"/>
-          <p:cNvSpPr>
-            <a:spLocks noGrp="1"/>
-          </p:cNvSpPr>
-          <p:nvPr>
-            <p:ph type="body" idx="1"/>
-          </p:nvPr>
-        </p:nvSpPr>
-        <p:spPr>
-          <a:xfrm>
-            <a:off x="1097280" y="2057400"/>
-            <a:ext cx="4639736" cy="736282"/>
-          </a:xfrm>
-        </p:spPr>
-        <p:txBody>
-          <a:bodyPr lIns="91440" rIns="91440" anchor="ctr">
-            <a:normAutofit/>
+          <a:bodyPr anchor="b">
+            <a:noAutofit/>
           </a:bodyPr>
           <a:lstStyle>
             <a:lvl1pPr marL="0" indent="0">
               <a:buNone/>
-              <a:defRPr sz="2000" b="0" cap="all" baseline="0">
+              <a:defRPr sz="2800" b="0">
                 <a:solidFill>
                   <a:schemeClr val="tx1"/>
                 </a:solidFill>
@@ -1804,12 +3496,14 @@
         </p:nvSpPr>
         <p:spPr>
           <a:xfrm>
-            <a:off x="1097280" y="2958274"/>
-            <a:ext cx="4639736" cy="2910821"/>
+            <a:off x="684211" y="1270529"/>
+            <a:ext cx="4937655" cy="3030538"/>
           </a:xfrm>
         </p:spPr>
         <p:txBody>
-          <a:bodyPr/>
+          <a:bodyPr anchor="t">
+            <a:normAutofit/>
+          </a:bodyPr>
           <a:lstStyle/>
           <a:p>
             <a:pPr lvl="0"/>
@@ -1861,18 +3555,18 @@
         </p:nvSpPr>
         <p:spPr>
           <a:xfrm>
-            <a:off x="6515944" y="2057400"/>
-            <a:ext cx="4639736" cy="736282"/>
+            <a:off x="6079066" y="685800"/>
+            <a:ext cx="4665134" cy="576262"/>
           </a:xfrm>
         </p:spPr>
         <p:txBody>
-          <a:bodyPr lIns="91440" rIns="91440" anchor="ctr">
-            <a:normAutofit/>
+          <a:bodyPr anchor="b">
+            <a:noAutofit/>
           </a:bodyPr>
           <a:lstStyle>
             <a:lvl1pPr marL="0" indent="0">
               <a:buNone/>
-              <a:defRPr sz="2000" b="0" cap="all" baseline="0">
+              <a:defRPr sz="2800" b="0">
                 <a:solidFill>
                   <a:schemeClr val="tx1"/>
                 </a:solidFill>
@@ -1932,12 +3626,14 @@
         </p:nvSpPr>
         <p:spPr>
           <a:xfrm>
-            <a:off x="6515944" y="2958273"/>
-            <a:ext cx="4639736" cy="2910821"/>
+            <a:off x="5806545" y="1262062"/>
+            <a:ext cx="4929188" cy="3030538"/>
           </a:xfrm>
         </p:spPr>
         <p:txBody>
-          <a:bodyPr/>
+          <a:bodyPr anchor="t">
+            <a:normAutofit/>
+          </a:bodyPr>
           <a:lstStyle/>
           <a:p>
             <a:pPr lvl="0"/>
@@ -1979,13 +3675,7 @@
       </p:sp>
       <p:sp>
         <p:nvSpPr>
-          <p:cNvPr id="2" name="Date Placeholder 1">
-            <a:extLst>
-              <a:ext uri="{FF2B5EF4-FFF2-40B4-BE49-F238E27FC236}">
-                <a16:creationId xmlns:a16="http://schemas.microsoft.com/office/drawing/2014/main" id="{8AF8A515-AA94-45D1-9223-5C2272618D85}"/>
-              </a:ext>
-            </a:extLst>
-          </p:cNvPr>
+          <p:cNvPr id="7" name="Date Placeholder 6"/>
           <p:cNvSpPr>
             <a:spLocks noGrp="1"/>
           </p:cNvSpPr>
@@ -2000,7 +3690,7 @@
           <a:p>
             <a:fld id="{D9DF0F1C-5577-4ACB-BB62-DF8F3C494C7E}" type="datetime1">
               <a:rPr lang="en-US" smtClean="0"/>
-              <a:t>6/19/2022</a:t>
+              <a:t>6/22/2022</a:t>
             </a:fld>
             <a:endParaRPr lang="en-US" dirty="0"/>
           </a:p>
@@ -2008,13 +3698,7 @@
       </p:sp>
       <p:sp>
         <p:nvSpPr>
-          <p:cNvPr id="11" name="Footer Placeholder 10">
-            <a:extLst>
-              <a:ext uri="{FF2B5EF4-FFF2-40B4-BE49-F238E27FC236}">
-                <a16:creationId xmlns:a16="http://schemas.microsoft.com/office/drawing/2014/main" id="{D052F5BC-98E0-4D60-AD67-9547738B7DD4}"/>
-              </a:ext>
-            </a:extLst>
-          </p:cNvPr>
+          <p:cNvPr id="8" name="Footer Placeholder 7"/>
           <p:cNvSpPr>
             <a:spLocks noGrp="1"/>
           </p:cNvSpPr>
@@ -2033,13 +3717,7 @@
       </p:sp>
       <p:sp>
         <p:nvSpPr>
-          <p:cNvPr id="12" name="Slide Number Placeholder 11">
-            <a:extLst>
-              <a:ext uri="{FF2B5EF4-FFF2-40B4-BE49-F238E27FC236}">
-                <a16:creationId xmlns:a16="http://schemas.microsoft.com/office/drawing/2014/main" id="{A38552DC-952E-41EA-AAAF-C2187523C0B0}"/>
-              </a:ext>
-            </a:extLst>
-          </p:cNvPr>
+          <p:cNvPr id="9" name="Slide Number Placeholder 8"/>
           <p:cNvSpPr>
             <a:spLocks noGrp="1"/>
           </p:cNvSpPr>
@@ -2063,7 +3741,7 @@
     </p:spTree>
     <p:extLst>
       <p:ext uri="{BB962C8B-B14F-4D97-AF65-F5344CB8AC3E}">
-        <p14:creationId xmlns:p14="http://schemas.microsoft.com/office/powerpoint/2010/main" val="3068194699"/>
+        <p14:creationId xmlns:p14="http://schemas.microsoft.com/office/powerpoint/2010/main" val="3215874871"/>
       </p:ext>
     </p:extLst>
   </p:cSld>
@@ -2115,13 +3793,7 @@
       </p:sp>
       <p:sp>
         <p:nvSpPr>
-          <p:cNvPr id="6" name="Date Placeholder 5">
-            <a:extLst>
-              <a:ext uri="{FF2B5EF4-FFF2-40B4-BE49-F238E27FC236}">
-                <a16:creationId xmlns:a16="http://schemas.microsoft.com/office/drawing/2014/main" id="{7392073F-158F-44A3-8913-917AFFC1BC20}"/>
-              </a:ext>
-            </a:extLst>
-          </p:cNvPr>
+          <p:cNvPr id="3" name="Date Placeholder 2"/>
           <p:cNvSpPr>
             <a:spLocks noGrp="1"/>
           </p:cNvSpPr>
@@ -2136,7 +3808,7 @@
           <a:p>
             <a:fld id="{1775B394-D9F9-4F0C-B15D-605F45CB9E9F}" type="datetime1">
               <a:rPr lang="en-US" smtClean="0"/>
-              <a:t>6/19/2022</a:t>
+              <a:t>6/22/2022</a:t>
             </a:fld>
             <a:endParaRPr lang="en-US" dirty="0"/>
           </a:p>
@@ -2144,13 +3816,7 @@
       </p:sp>
       <p:sp>
         <p:nvSpPr>
-          <p:cNvPr id="7" name="Footer Placeholder 6">
-            <a:extLst>
-              <a:ext uri="{FF2B5EF4-FFF2-40B4-BE49-F238E27FC236}">
-                <a16:creationId xmlns:a16="http://schemas.microsoft.com/office/drawing/2014/main" id="{EED72207-24CA-42B7-A975-2F8E41CBA904}"/>
-              </a:ext>
-            </a:extLst>
-          </p:cNvPr>
+          <p:cNvPr id="4" name="Footer Placeholder 3"/>
           <p:cNvSpPr>
             <a:spLocks noGrp="1"/>
           </p:cNvSpPr>
@@ -2169,13 +3835,7 @@
       </p:sp>
       <p:sp>
         <p:nvSpPr>
-          <p:cNvPr id="8" name="Slide Number Placeholder 7">
-            <a:extLst>
-              <a:ext uri="{FF2B5EF4-FFF2-40B4-BE49-F238E27FC236}">
-                <a16:creationId xmlns:a16="http://schemas.microsoft.com/office/drawing/2014/main" id="{D01080F2-251A-4B88-9A62-16F46D724F83}"/>
-              </a:ext>
-            </a:extLst>
-          </p:cNvPr>
+          <p:cNvPr id="5" name="Slide Number Placeholder 4"/>
           <p:cNvSpPr>
             <a:spLocks noGrp="1"/>
           </p:cNvSpPr>
@@ -2199,7 +3859,7 @@
     </p:spTree>
     <p:extLst>
       <p:ext uri="{BB962C8B-B14F-4D97-AF65-F5344CB8AC3E}">
-        <p14:creationId xmlns:p14="http://schemas.microsoft.com/office/powerpoint/2010/main" val="811860513"/>
+        <p14:creationId xmlns:p14="http://schemas.microsoft.com/office/powerpoint/2010/main" val="476603969"/>
       </p:ext>
     </p:extLst>
   </p:cSld>
@@ -2210,7 +3870,7 @@
 </file>
 
 <file path=ppt/slideLayouts/slideLayout7.xml><?xml version="1.0" encoding="utf-8"?>
-<p:sldLayout xmlns:a="http://schemas.openxmlformats.org/drawingml/2006/main" xmlns:r="http://schemas.openxmlformats.org/officeDocument/2006/relationships" xmlns:p="http://schemas.openxmlformats.org/presentationml/2006/main" showMasterSp="0" type="blank" preserve="1">
+<p:sldLayout xmlns:a="http://schemas.openxmlformats.org/drawingml/2006/main" xmlns:r="http://schemas.openxmlformats.org/officeDocument/2006/relationships" xmlns:p="http://schemas.openxmlformats.org/presentationml/2006/main" type="blank" preserve="1">
   <p:cSld name="Blank">
     <p:spTree>
       <p:nvGrpSpPr>
@@ -2228,57 +3888,7 @@
       </p:grpSpPr>
       <p:sp>
         <p:nvSpPr>
-          <p:cNvPr id="10" name="Rectangle 9">
-            <a:extLst>
-              <a:ext uri="{FF2B5EF4-FFF2-40B4-BE49-F238E27FC236}">
-                <a16:creationId xmlns:a16="http://schemas.microsoft.com/office/drawing/2014/main" id="{A8E9C91B-7EAD-4562-AB0E-DFB9663AECE3}"/>
-              </a:ext>
-            </a:extLst>
-          </p:cNvPr>
-          <p:cNvSpPr/>
-          <p:nvPr/>
-        </p:nvSpPr>
-        <p:spPr>
-          <a:xfrm>
-            <a:off x="3175" y="6400800"/>
-            <a:ext cx="12188825" cy="457200"/>
-          </a:xfrm>
-          <a:prstGeom prst="rect">
-            <a:avLst/>
-          </a:prstGeom>
-          <a:solidFill>
-            <a:srgbClr val="262626"/>
-          </a:solidFill>
-          <a:ln>
-            <a:noFill/>
-          </a:ln>
-        </p:spPr>
-        <p:style>
-          <a:lnRef idx="2">
-            <a:schemeClr val="accent1">
-              <a:shade val="50000"/>
-            </a:schemeClr>
-          </a:lnRef>
-          <a:fillRef idx="1">
-            <a:schemeClr val="accent1"/>
-          </a:fillRef>
-          <a:effectRef idx="0">
-            <a:schemeClr val="accent1"/>
-          </a:effectRef>
-          <a:fontRef idx="minor">
-            <a:schemeClr val="lt1"/>
-          </a:fontRef>
-        </p:style>
-      </p:sp>
-      <p:sp>
-        <p:nvSpPr>
-          <p:cNvPr id="2" name="Date Placeholder 1">
-            <a:extLst>
-              <a:ext uri="{FF2B5EF4-FFF2-40B4-BE49-F238E27FC236}">
-                <a16:creationId xmlns:a16="http://schemas.microsoft.com/office/drawing/2014/main" id="{94E9223F-721F-47BF-9FD5-0F8D12FF0DE1}"/>
-              </a:ext>
-            </a:extLst>
-          </p:cNvPr>
+          <p:cNvPr id="2" name="Date Placeholder 1"/>
           <p:cNvSpPr>
             <a:spLocks noGrp="1"/>
           </p:cNvSpPr>
@@ -2293,7 +3903,7 @@
           <a:p>
             <a:fld id="{39667345-2558-425A-8533-9BFDBCE15005}" type="datetime1">
               <a:rPr lang="en-US" smtClean="0"/>
-              <a:t>6/19/2022</a:t>
+              <a:t>6/22/2022</a:t>
             </a:fld>
             <a:endParaRPr lang="en-US" dirty="0"/>
           </a:p>
@@ -2301,13 +3911,7 @@
       </p:sp>
       <p:sp>
         <p:nvSpPr>
-          <p:cNvPr id="3" name="Footer Placeholder 2">
-            <a:extLst>
-              <a:ext uri="{FF2B5EF4-FFF2-40B4-BE49-F238E27FC236}">
-                <a16:creationId xmlns:a16="http://schemas.microsoft.com/office/drawing/2014/main" id="{05915714-6BBA-4593-8591-4E26F7D58D9F}"/>
-              </a:ext>
-            </a:extLst>
-          </p:cNvPr>
+          <p:cNvPr id="3" name="Footer Placeholder 2"/>
           <p:cNvSpPr>
             <a:spLocks noGrp="1"/>
           </p:cNvSpPr>
@@ -2326,13 +3930,7 @@
       </p:sp>
       <p:sp>
         <p:nvSpPr>
-          <p:cNvPr id="4" name="Slide Number Placeholder 3">
-            <a:extLst>
-              <a:ext uri="{FF2B5EF4-FFF2-40B4-BE49-F238E27FC236}">
-                <a16:creationId xmlns:a16="http://schemas.microsoft.com/office/drawing/2014/main" id="{BE06F857-D2E1-44DD-ABDD-EBB739645B67}"/>
-              </a:ext>
-            </a:extLst>
-          </p:cNvPr>
+          <p:cNvPr id="4" name="Slide Number Placeholder 3"/>
           <p:cNvSpPr>
             <a:spLocks noGrp="1"/>
           </p:cNvSpPr>
@@ -2356,7 +3954,7 @@
     </p:spTree>
     <p:extLst>
       <p:ext uri="{BB962C8B-B14F-4D97-AF65-F5344CB8AC3E}">
-        <p14:creationId xmlns:p14="http://schemas.microsoft.com/office/powerpoint/2010/main" val="2001422672"/>
+        <p14:creationId xmlns:p14="http://schemas.microsoft.com/office/powerpoint/2010/main" val="3323867364"/>
       </p:ext>
     </p:extLst>
   </p:cSld>
@@ -2367,7 +3965,7 @@
 </file>
 
 <file path=ppt/slideLayouts/slideLayout8.xml><?xml version="1.0" encoding="utf-8"?>
-<p:sldLayout xmlns:a="http://schemas.openxmlformats.org/drawingml/2006/main" xmlns:r="http://schemas.openxmlformats.org/officeDocument/2006/relationships" xmlns:p="http://schemas.openxmlformats.org/presentationml/2006/main" showMasterSp="0" type="objTx" preserve="1">
+<p:sldLayout xmlns:a="http://schemas.openxmlformats.org/drawingml/2006/main" xmlns:r="http://schemas.openxmlformats.org/officeDocument/2006/relationships" xmlns:p="http://schemas.openxmlformats.org/presentationml/2006/main" type="objTx" preserve="1">
   <p:cSld name="Content with Caption">
     <p:spTree>
       <p:nvGrpSpPr>
@@ -2385,62 +3983,18 @@
       </p:grpSpPr>
       <p:sp>
         <p:nvSpPr>
-          <p:cNvPr id="8" name="Rectangle 7">
-            <a:extLst>
-              <a:ext uri="{FF2B5EF4-FFF2-40B4-BE49-F238E27FC236}">
-                <a16:creationId xmlns:a16="http://schemas.microsoft.com/office/drawing/2014/main" id="{16D90D66-BCB9-4229-A829-628874352AC0}"/>
-              </a:ext>
-            </a:extLst>
-          </p:cNvPr>
-          <p:cNvSpPr/>
-          <p:nvPr/>
+          <p:cNvPr id="2" name="Title 1"/>
+          <p:cNvSpPr>
+            <a:spLocks noGrp="1"/>
+          </p:cNvSpPr>
+          <p:nvPr>
+            <p:ph type="title"/>
+          </p:nvPr>
         </p:nvSpPr>
         <p:spPr>
           <a:xfrm>
-            <a:off x="16" y="0"/>
-            <a:ext cx="4654296" cy="6858000"/>
-          </a:xfrm>
-          <a:prstGeom prst="rect">
-            <a:avLst/>
-          </a:prstGeom>
-          <a:solidFill>
-            <a:srgbClr val="262626"/>
-          </a:solidFill>
-          <a:ln>
-            <a:noFill/>
-          </a:ln>
-        </p:spPr>
-        <p:style>
-          <a:lnRef idx="2">
-            <a:schemeClr val="accent1">
-              <a:shade val="50000"/>
-            </a:schemeClr>
-          </a:lnRef>
-          <a:fillRef idx="1">
-            <a:schemeClr val="accent1"/>
-          </a:fillRef>
-          <a:effectRef idx="0">
-            <a:schemeClr val="accent1"/>
-          </a:effectRef>
-          <a:fontRef idx="minor">
-            <a:schemeClr val="lt1"/>
-          </a:fontRef>
-        </p:style>
-      </p:sp>
-      <p:sp>
-        <p:nvSpPr>
-          <p:cNvPr id="2" name="Title 1"/>
-          <p:cNvSpPr>
-            <a:spLocks noGrp="1"/>
-          </p:cNvSpPr>
-          <p:nvPr>
-            <p:ph type="title"/>
-          </p:nvPr>
-        </p:nvSpPr>
-        <p:spPr>
-          <a:xfrm>
-            <a:off x="643466" y="786383"/>
-            <a:ext cx="3517567" cy="2093975"/>
+            <a:off x="7085012" y="685800"/>
+            <a:ext cx="3657600" cy="1371600"/>
           </a:xfrm>
         </p:spPr>
         <p:txBody>
@@ -2448,15 +4002,8 @@
             <a:normAutofit/>
           </a:bodyPr>
           <a:lstStyle>
-            <a:lvl1pPr>
-              <a:lnSpc>
-                <a:spcPct val="90000"/>
-              </a:lnSpc>
-              <a:defRPr sz="3600" b="0">
-                <a:solidFill>
-                  <a:srgbClr val="FFFFFF"/>
-                </a:solidFill>
-              </a:defRPr>
+            <a:lvl1pPr algn="l">
+              <a:defRPr sz="2400" b="0"/>
             </a:lvl1pPr>
           </a:lstStyle>
           <a:p>
@@ -2480,12 +4027,14 @@
         </p:nvSpPr>
         <p:spPr>
           <a:xfrm>
-            <a:off x="5458984" y="812799"/>
-            <a:ext cx="5928344" cy="5294757"/>
+            <a:off x="684212" y="685800"/>
+            <a:ext cx="5943601" cy="5308600"/>
           </a:xfrm>
         </p:spPr>
         <p:txBody>
-          <a:bodyPr/>
+          <a:bodyPr anchor="ctr">
+            <a:normAutofit/>
+          </a:bodyPr>
           <a:lstStyle/>
           <a:p>
             <a:pPr lvl="0"/>
@@ -2537,22 +4086,18 @@
         </p:nvSpPr>
         <p:spPr>
           <a:xfrm>
-            <a:off x="643465" y="3043050"/>
-            <a:ext cx="3517567" cy="3064505"/>
+            <a:off x="7085012" y="2209799"/>
+            <a:ext cx="3657600" cy="2091267"/>
           </a:xfrm>
         </p:spPr>
         <p:txBody>
-          <a:bodyPr lIns="91440" rIns="91440">
+          <a:bodyPr anchor="t">
             <a:normAutofit/>
           </a:bodyPr>
           <a:lstStyle>
             <a:lvl1pPr marL="0" indent="0">
               <a:buNone/>
-              <a:defRPr sz="1800">
-                <a:solidFill>
-                  <a:srgbClr val="FFFFFF"/>
-                </a:solidFill>
-              </a:defRPr>
+              <a:defRPr sz="1600"/>
             </a:lvl1pPr>
             <a:lvl2pPr marL="457200" indent="0">
               <a:buNone/>
@@ -2606,23 +4151,14 @@
             <p:ph type="dt" sz="half" idx="10"/>
           </p:nvPr>
         </p:nvSpPr>
-        <p:spPr>
-          <a:xfrm>
-            <a:off x="643464" y="6446520"/>
-            <a:ext cx="3517568" cy="365125"/>
-          </a:xfrm>
-        </p:spPr>
+        <p:spPr/>
         <p:txBody>
           <a:bodyPr/>
-          <a:lstStyle>
-            <a:lvl1pPr algn="l">
-              <a:defRPr/>
-            </a:lvl1pPr>
-          </a:lstStyle>
+          <a:lstStyle/>
           <a:p>
             <a:fld id="{92BEA474-078D-4E9B-9B14-09A87B19DC46}" type="datetime1">
               <a:rPr lang="en-US" smtClean="0"/>
-              <a:t>6/19/2022</a:t>
+              <a:t>6/22/2022</a:t>
             </a:fld>
             <a:endParaRPr lang="en-US" dirty="0"/>
           </a:p>
@@ -2638,23 +4174,10 @@
             <p:ph type="ftr" sz="quarter" idx="11"/>
           </p:nvPr>
         </p:nvSpPr>
-        <p:spPr>
-          <a:xfrm>
-            <a:off x="5458983" y="6446520"/>
-            <a:ext cx="5334019" cy="365125"/>
-          </a:xfrm>
-        </p:spPr>
+        <p:spPr/>
         <p:txBody>
           <a:bodyPr/>
-          <a:lstStyle>
-            <a:lvl1pPr algn="l">
-              <a:defRPr>
-                <a:solidFill>
-                  <a:schemeClr val="tx2"/>
-                </a:solidFill>
-              </a:defRPr>
-            </a:lvl1pPr>
-          </a:lstStyle>
+          <a:lstStyle/>
           <a:p>
             <a:endParaRPr lang="en-US" dirty="0"/>
           </a:p>
@@ -2673,15 +4196,7 @@
         <p:spPr/>
         <p:txBody>
           <a:bodyPr/>
-          <a:lstStyle>
-            <a:lvl1pPr>
-              <a:defRPr>
-                <a:solidFill>
-                  <a:schemeClr val="tx2"/>
-                </a:solidFill>
-              </a:defRPr>
-            </a:lvl1pPr>
-          </a:lstStyle>
+          <a:lstStyle/>
           <a:p>
             <a:fld id="{3A98EE3D-8CD1-4C3F-BD1C-C98C9596463C}" type="slidenum">
               <a:rPr lang="en-US" smtClean="0"/>
@@ -2695,7 +4210,7 @@
     </p:spTree>
     <p:extLst>
       <p:ext uri="{BB962C8B-B14F-4D97-AF65-F5344CB8AC3E}">
-        <p14:creationId xmlns:p14="http://schemas.microsoft.com/office/powerpoint/2010/main" val="1933282235"/>
+        <p14:creationId xmlns:p14="http://schemas.microsoft.com/office/powerpoint/2010/main" val="2948179588"/>
       </p:ext>
     </p:extLst>
   </p:cSld>
@@ -2706,7 +4221,7 @@
 </file>
 
 <file path=ppt/slideLayouts/slideLayout9.xml><?xml version="1.0" encoding="utf-8"?>
-<p:sldLayout xmlns:a="http://schemas.openxmlformats.org/drawingml/2006/main" xmlns:r="http://schemas.openxmlformats.org/officeDocument/2006/relationships" xmlns:p="http://schemas.openxmlformats.org/presentationml/2006/main" showMasterSp="0" type="picTx" preserve="1">
+<p:sldLayout xmlns:a="http://schemas.openxmlformats.org/drawingml/2006/main" xmlns:r="http://schemas.openxmlformats.org/officeDocument/2006/relationships" xmlns:p="http://schemas.openxmlformats.org/presentationml/2006/main" type="picTx" preserve="1">
   <p:cSld name="Picture with Caption">
     <p:spTree>
       <p:nvGrpSpPr>
@@ -2724,51 +4239,41 @@
       </p:grpSpPr>
       <p:sp>
         <p:nvSpPr>
-          <p:cNvPr id="8" name="Rectangle 7">
-            <a:extLst>
-              <a:ext uri="{FF2B5EF4-FFF2-40B4-BE49-F238E27FC236}">
-                <a16:creationId xmlns:a16="http://schemas.microsoft.com/office/drawing/2014/main" id="{DA134939-39C0-4522-A125-A13DFDA66490}"/>
-              </a:ext>
-            </a:extLst>
-          </p:cNvPr>
-          <p:cNvSpPr/>
-          <p:nvPr/>
+          <p:cNvPr id="2" name="Title 1"/>
+          <p:cNvSpPr>
+            <a:spLocks noGrp="1"/>
+          </p:cNvSpPr>
+          <p:nvPr>
+            <p:ph type="title"/>
+          </p:nvPr>
         </p:nvSpPr>
         <p:spPr>
           <a:xfrm>
-            <a:off x="0" y="4578350"/>
-            <a:ext cx="12188825" cy="2279650"/>
+            <a:off x="4722812" y="1447800"/>
+            <a:ext cx="6019800" cy="1143000"/>
           </a:xfrm>
-          <a:prstGeom prst="rect">
-            <a:avLst/>
-          </a:prstGeom>
-          <a:solidFill>
-            <a:srgbClr val="262626"/>
-          </a:solidFill>
-          <a:ln>
-            <a:noFill/>
-          </a:ln>
         </p:spPr>
-        <p:style>
-          <a:lnRef idx="2">
-            <a:schemeClr val="accent1">
-              <a:shade val="50000"/>
-            </a:schemeClr>
-          </a:lnRef>
-          <a:fillRef idx="1">
-            <a:schemeClr val="accent1"/>
-          </a:fillRef>
-          <a:effectRef idx="0">
-            <a:schemeClr val="accent1"/>
-          </a:effectRef>
-          <a:fontRef idx="minor">
-            <a:schemeClr val="lt1"/>
-          </a:fontRef>
-        </p:style>
-      </p:sp>
-      <p:sp>
-        <p:nvSpPr>
-          <p:cNvPr id="3" name="Picture Placeholder 2"/>
+        <p:txBody>
+          <a:bodyPr anchor="b">
+            <a:normAutofit/>
+          </a:bodyPr>
+          <a:lstStyle>
+            <a:lvl1pPr algn="l">
+              <a:defRPr sz="2800" b="0"/>
+            </a:lvl1pPr>
+          </a:lstStyle>
+          <a:p>
+            <a:r>
+              <a:rPr lang="en-US"/>
+              <a:t>Click to edit Master title style</a:t>
+            </a:r>
+            <a:endParaRPr lang="en-US" dirty="0"/>
+          </a:p>
+        </p:txBody>
+      </p:sp>
+      <p:sp>
+        <p:nvSpPr>
+          <p:cNvPr id="14" name="Picture Placeholder 2"/>
           <p:cNvSpPr>
             <a:spLocks noGrp="1" noChangeAspect="1"/>
           </p:cNvSpPr>
@@ -2778,53 +4283,70 @@
         </p:nvSpPr>
         <p:spPr>
           <a:xfrm>
-            <a:off x="15" y="0"/>
-            <a:ext cx="12191985" cy="4578350"/>
+            <a:off x="989012" y="914400"/>
+            <a:ext cx="3280974" cy="4572000"/>
           </a:xfrm>
-          <a:solidFill>
-            <a:schemeClr val="bg1">
-              <a:lumMod val="85000"/>
-            </a:schemeClr>
-          </a:solidFill>
+          <a:prstGeom prst="snip2DiagRect">
+            <a:avLst>
+              <a:gd name="adj1" fmla="val 10815"/>
+              <a:gd name="adj2" fmla="val 0"/>
+            </a:avLst>
+          </a:prstGeom>
+          <a:ln w="15875">
+            <a:solidFill>
+              <a:schemeClr val="tx1">
+                <a:alpha val="40000"/>
+              </a:schemeClr>
+            </a:solidFill>
+          </a:ln>
+          <a:effectLst>
+            <a:innerShdw blurRad="57150" dist="38100" dir="14460000">
+              <a:srgbClr val="000000">
+                <a:alpha val="70000"/>
+              </a:srgbClr>
+            </a:innerShdw>
+          </a:effectLst>
         </p:spPr>
         <p:txBody>
-          <a:bodyPr lIns="457200" tIns="457200" anchor="t"/>
+          <a:bodyPr anchor="t">
+            <a:normAutofit/>
+          </a:bodyPr>
           <a:lstStyle>
-            <a:lvl1pPr marL="0" indent="0">
-              <a:buNone/>
-              <a:defRPr sz="3200"/>
+            <a:lvl1pPr marL="0" indent="0" algn="ctr">
+              <a:buNone/>
+              <a:defRPr sz="1600"/>
             </a:lvl1pPr>
             <a:lvl2pPr marL="457200" indent="0">
               <a:buNone/>
-              <a:defRPr sz="2800"/>
+              <a:defRPr sz="1600"/>
             </a:lvl2pPr>
             <a:lvl3pPr marL="914400" indent="0">
               <a:buNone/>
-              <a:defRPr sz="2400"/>
+              <a:defRPr sz="1600"/>
             </a:lvl3pPr>
             <a:lvl4pPr marL="1371600" indent="0">
               <a:buNone/>
-              <a:defRPr sz="2000"/>
+              <a:defRPr sz="1600"/>
             </a:lvl4pPr>
             <a:lvl5pPr marL="1828800" indent="0">
               <a:buNone/>
-              <a:defRPr sz="2000"/>
+              <a:defRPr sz="1600"/>
             </a:lvl5pPr>
             <a:lvl6pPr marL="2286000" indent="0">
               <a:buNone/>
-              <a:defRPr sz="2000"/>
+              <a:defRPr sz="1600"/>
             </a:lvl6pPr>
             <a:lvl7pPr marL="2743200" indent="0">
               <a:buNone/>
-              <a:defRPr sz="2000"/>
+              <a:defRPr sz="1600"/>
             </a:lvl7pPr>
             <a:lvl8pPr marL="3200400" indent="0">
               <a:buNone/>
-              <a:defRPr sz="2000"/>
+              <a:defRPr sz="1600"/>
             </a:lvl8pPr>
             <a:lvl9pPr marL="3657600" indent="0">
               <a:buNone/>
-              <a:defRPr sz="2000"/>
+              <a:defRPr sz="1600"/>
             </a:lvl9pPr>
           </a:lstStyle>
           <a:p>
@@ -2838,76 +4360,28 @@
       </p:sp>
       <p:sp>
         <p:nvSpPr>
-          <p:cNvPr id="2" name="Title 1"/>
-          <p:cNvSpPr>
-            <a:spLocks noGrp="1"/>
-          </p:cNvSpPr>
-          <p:nvPr>
-            <p:ph type="title"/>
+          <p:cNvPr id="4" name="Text Placeholder 3"/>
+          <p:cNvSpPr>
+            <a:spLocks noGrp="1"/>
+          </p:cNvSpPr>
+          <p:nvPr>
+            <p:ph type="body" sz="half" idx="2"/>
           </p:nvPr>
         </p:nvSpPr>
         <p:spPr>
           <a:xfrm>
-            <a:off x="1097279" y="4799362"/>
-            <a:ext cx="10113645" cy="743682"/>
+            <a:off x="4722812" y="2777066"/>
+            <a:ext cx="6021388" cy="2048933"/>
           </a:xfrm>
         </p:spPr>
         <p:txBody>
-          <a:bodyPr tIns="0" bIns="0" anchor="b">
-            <a:noAutofit/>
-          </a:bodyPr>
-          <a:lstStyle>
-            <a:lvl1pPr>
-              <a:defRPr sz="3600" b="0">
-                <a:solidFill>
-                  <a:srgbClr val="FFFFFF"/>
-                </a:solidFill>
-              </a:defRPr>
-            </a:lvl1pPr>
-          </a:lstStyle>
-          <a:p>
-            <a:r>
-              <a:rPr lang="en-US"/>
-              <a:t>Click to edit Master title style</a:t>
-            </a:r>
-            <a:endParaRPr lang="en-US" dirty="0"/>
-          </a:p>
-        </p:txBody>
-      </p:sp>
-      <p:sp>
-        <p:nvSpPr>
-          <p:cNvPr id="4" name="Text Placeholder 3"/>
-          <p:cNvSpPr>
-            <a:spLocks noGrp="1"/>
-          </p:cNvSpPr>
-          <p:nvPr>
-            <p:ph type="body" sz="half" idx="2"/>
-          </p:nvPr>
-        </p:nvSpPr>
-        <p:spPr>
-          <a:xfrm>
-            <a:off x="1097279" y="5715000"/>
-            <a:ext cx="10113264" cy="609600"/>
-          </a:xfrm>
-        </p:spPr>
-        <p:txBody>
-          <a:bodyPr lIns="91440" tIns="0" rIns="91440" bIns="0">
+          <a:bodyPr anchor="t">
             <a:normAutofit/>
           </a:bodyPr>
           <a:lstStyle>
             <a:lvl1pPr marL="0" indent="0">
-              <a:spcBef>
-                <a:spcPts val="0"/>
-              </a:spcBef>
-              <a:spcAft>
-                <a:spcPts val="600"/>
-              </a:spcAft>
-              <a:buNone/>
-              <a:defRPr sz="1800">
-                <a:solidFill>
-                  <a:srgbClr val="FFFFFF"/>
-                </a:solidFill>
-              </a:defRPr>
+              <a:buNone/>
+              <a:defRPr sz="1800"/>
             </a:lvl1pPr>
             <a:lvl2pPr marL="457200" indent="0">
               <a:buNone/>
@@ -2964,15 +4438,11 @@
         <p:spPr/>
         <p:txBody>
           <a:bodyPr/>
-          <a:lstStyle>
-            <a:lvl1pPr>
-              <a:defRPr/>
-            </a:lvl1pPr>
-          </a:lstStyle>
+          <a:lstStyle/>
           <a:p>
             <a:fld id="{4907D986-8816-4272-A432-0437A28A9828}" type="datetime1">
               <a:rPr lang="en-US" smtClean="0"/>
-              <a:t>6/19/2022</a:t>
+              <a:t>6/22/2022</a:t>
             </a:fld>
             <a:endParaRPr lang="en-US" dirty="0"/>
           </a:p>
@@ -2988,12 +4458,7 @@
             <p:ph type="ftr" sz="quarter" idx="11"/>
           </p:nvPr>
         </p:nvSpPr>
-        <p:spPr>
-          <a:xfrm>
-            <a:off x="1097279" y="6446838"/>
-            <a:ext cx="6818262" cy="365125"/>
-          </a:xfrm>
-        </p:spPr>
+        <p:spPr/>
         <p:txBody>
           <a:bodyPr/>
           <a:lstStyle/>
@@ -3029,7 +4494,7 @@
     </p:spTree>
     <p:extLst>
       <p:ext uri="{BB962C8B-B14F-4D97-AF65-F5344CB8AC3E}">
-        <p14:creationId xmlns:p14="http://schemas.microsoft.com/office/powerpoint/2010/main" val="523267730"/>
+        <p14:creationId xmlns:p14="http://schemas.microsoft.com/office/powerpoint/2010/main" val="562786440"/>
       </p:ext>
     </p:extLst>
   </p:cSld>
@@ -3043,8 +4508,8 @@
 <p:sldMaster xmlns:a="http://schemas.openxmlformats.org/drawingml/2006/main" xmlns:r="http://schemas.openxmlformats.org/officeDocument/2006/relationships" xmlns:p="http://schemas.openxmlformats.org/presentationml/2006/main">
   <p:cSld>
     <p:bg>
-      <p:bgRef idx="1001">
-        <a:schemeClr val="bg1"/>
+      <p:bgRef idx="1002">
+        <a:schemeClr val="bg2"/>
       </p:bgRef>
     </p:bg>
     <p:spTree>
@@ -3061,246 +4526,405 @@
           <a:chExt cx="0" cy="0"/>
         </a:xfrm>
       </p:grpSpPr>
-      <p:sp>
-        <p:nvSpPr>
-          <p:cNvPr id="7" name="Rectangle 6">
-            <a:extLst>
-              <a:ext uri="{FF2B5EF4-FFF2-40B4-BE49-F238E27FC236}">
-                <a16:creationId xmlns:a16="http://schemas.microsoft.com/office/drawing/2014/main" id="{416A0E3C-60E6-4F39-BC55-5F7C224E1F7C}"/>
-              </a:ext>
-            </a:extLst>
-          </p:cNvPr>
-          <p:cNvSpPr/>
+      <p:grpSp>
+        <p:nvGrpSpPr>
+          <p:cNvPr id="7" name="Group 6"/>
+          <p:cNvGrpSpPr/>
           <p:nvPr/>
+        </p:nvGrpSpPr>
+        <p:grpSpPr>
+          <a:xfrm>
+            <a:off x="9206969" y="2963333"/>
+            <a:ext cx="2981858" cy="3208867"/>
+            <a:chOff x="9206969" y="2963333"/>
+            <a:chExt cx="2981858" cy="3208867"/>
+          </a:xfrm>
+        </p:grpSpPr>
+        <p:cxnSp>
+          <p:nvCxnSpPr>
+            <p:cNvPr id="8" name="Straight Connector 7"/>
+            <p:cNvCxnSpPr/>
+            <p:nvPr/>
+          </p:nvCxnSpPr>
+          <p:spPr>
+            <a:xfrm flipH="1">
+              <a:off x="11276012" y="2963333"/>
+              <a:ext cx="912814" cy="912812"/>
+            </a:xfrm>
+            <a:prstGeom prst="line">
+              <a:avLst/>
+            </a:prstGeom>
+            <a:ln w="9525">
+              <a:solidFill>
+                <a:schemeClr val="tx1"/>
+              </a:solidFill>
+            </a:ln>
+          </p:spPr>
+          <p:style>
+            <a:lnRef idx="2">
+              <a:schemeClr val="accent1"/>
+            </a:lnRef>
+            <a:fillRef idx="0">
+              <a:schemeClr val="accent1"/>
+            </a:fillRef>
+            <a:effectRef idx="1">
+              <a:schemeClr val="accent1"/>
+            </a:effectRef>
+            <a:fontRef idx="minor">
+              <a:schemeClr val="tx1"/>
+            </a:fontRef>
+          </p:style>
+        </p:cxnSp>
+        <p:cxnSp>
+          <p:nvCxnSpPr>
+            <p:cNvPr id="9" name="Straight Connector 8"/>
+            <p:cNvCxnSpPr/>
+            <p:nvPr/>
+          </p:nvCxnSpPr>
+          <p:spPr>
+            <a:xfrm flipH="1">
+              <a:off x="9206969" y="3190344"/>
+              <a:ext cx="2981857" cy="2981856"/>
+            </a:xfrm>
+            <a:prstGeom prst="line">
+              <a:avLst/>
+            </a:prstGeom>
+            <a:ln w="9525">
+              <a:solidFill>
+                <a:schemeClr val="tx1"/>
+              </a:solidFill>
+            </a:ln>
+          </p:spPr>
+          <p:style>
+            <a:lnRef idx="2">
+              <a:schemeClr val="accent1"/>
+            </a:lnRef>
+            <a:fillRef idx="0">
+              <a:schemeClr val="accent1"/>
+            </a:fillRef>
+            <a:effectRef idx="1">
+              <a:schemeClr val="accent1"/>
+            </a:effectRef>
+            <a:fontRef idx="minor">
+              <a:schemeClr val="tx1"/>
+            </a:fontRef>
+          </p:style>
+        </p:cxnSp>
+        <p:cxnSp>
+          <p:nvCxnSpPr>
+            <p:cNvPr id="10" name="Straight Connector 9"/>
+            <p:cNvCxnSpPr/>
+            <p:nvPr/>
+          </p:nvCxnSpPr>
+          <p:spPr>
+            <a:xfrm flipH="1">
+              <a:off x="10292292" y="3285067"/>
+              <a:ext cx="1896534" cy="1896533"/>
+            </a:xfrm>
+            <a:prstGeom prst="line">
+              <a:avLst/>
+            </a:prstGeom>
+            <a:ln w="9525">
+              <a:solidFill>
+                <a:schemeClr val="tx1"/>
+              </a:solidFill>
+            </a:ln>
+          </p:spPr>
+          <p:style>
+            <a:lnRef idx="2">
+              <a:schemeClr val="accent1"/>
+            </a:lnRef>
+            <a:fillRef idx="0">
+              <a:schemeClr val="accent1"/>
+            </a:fillRef>
+            <a:effectRef idx="1">
+              <a:schemeClr val="accent1"/>
+            </a:effectRef>
+            <a:fontRef idx="minor">
+              <a:schemeClr val="tx1"/>
+            </a:fontRef>
+          </p:style>
+        </p:cxnSp>
+        <p:cxnSp>
+          <p:nvCxnSpPr>
+            <p:cNvPr id="11" name="Straight Connector 10"/>
+            <p:cNvCxnSpPr/>
+            <p:nvPr/>
+          </p:nvCxnSpPr>
+          <p:spPr>
+            <a:xfrm flipH="1">
+              <a:off x="10443103" y="3131080"/>
+              <a:ext cx="1745722" cy="1745720"/>
+            </a:xfrm>
+            <a:prstGeom prst="line">
+              <a:avLst/>
+            </a:prstGeom>
+            <a:ln w="28575">
+              <a:solidFill>
+                <a:schemeClr val="tx1"/>
+              </a:solidFill>
+            </a:ln>
+          </p:spPr>
+          <p:style>
+            <a:lnRef idx="2">
+              <a:schemeClr val="accent1"/>
+            </a:lnRef>
+            <a:fillRef idx="0">
+              <a:schemeClr val="accent1"/>
+            </a:fillRef>
+            <a:effectRef idx="1">
+              <a:schemeClr val="accent1"/>
+            </a:effectRef>
+            <a:fontRef idx="minor">
+              <a:schemeClr val="tx1"/>
+            </a:fontRef>
+          </p:style>
+        </p:cxnSp>
+        <p:cxnSp>
+          <p:nvCxnSpPr>
+            <p:cNvPr id="12" name="Straight Connector 11"/>
+            <p:cNvCxnSpPr/>
+            <p:nvPr/>
+          </p:nvCxnSpPr>
+          <p:spPr>
+            <a:xfrm flipH="1">
+              <a:off x="10918826" y="3683001"/>
+              <a:ext cx="1270001" cy="1269999"/>
+            </a:xfrm>
+            <a:prstGeom prst="line">
+              <a:avLst/>
+            </a:prstGeom>
+            <a:ln w="28575">
+              <a:solidFill>
+                <a:schemeClr val="tx1"/>
+              </a:solidFill>
+            </a:ln>
+          </p:spPr>
+          <p:style>
+            <a:lnRef idx="2">
+              <a:schemeClr val="accent1"/>
+            </a:lnRef>
+            <a:fillRef idx="0">
+              <a:schemeClr val="accent1"/>
+            </a:fillRef>
+            <a:effectRef idx="1">
+              <a:schemeClr val="accent1"/>
+            </a:effectRef>
+            <a:fontRef idx="minor">
+              <a:schemeClr val="tx1"/>
+            </a:fontRef>
+          </p:style>
+        </p:cxnSp>
+      </p:grpSp>
+      <p:sp>
+        <p:nvSpPr>
+          <p:cNvPr id="2" name="Title Placeholder 1"/>
+          <p:cNvSpPr>
+            <a:spLocks noGrp="1"/>
+          </p:cNvSpPr>
+          <p:nvPr>
+            <p:ph type="title"/>
+          </p:nvPr>
         </p:nvSpPr>
         <p:spPr>
           <a:xfrm>
-            <a:off x="3175" y="6400800"/>
-            <a:ext cx="12188825" cy="457200"/>
+            <a:off x="684212" y="4487332"/>
+            <a:ext cx="8534400" cy="1507067"/>
           </a:xfrm>
           <a:prstGeom prst="rect">
             <a:avLst/>
           </a:prstGeom>
-          <a:solidFill>
-            <a:srgbClr val="262626"/>
-          </a:solidFill>
-          <a:ln>
-            <a:noFill/>
-          </a:ln>
+          <a:effectLst/>
         </p:spPr>
-        <p:style>
-          <a:lnRef idx="2">
-            <a:schemeClr val="accent1">
-              <a:shade val="50000"/>
-            </a:schemeClr>
-          </a:lnRef>
-          <a:fillRef idx="1">
-            <a:schemeClr val="accent1"/>
-          </a:fillRef>
-          <a:effectRef idx="0">
-            <a:schemeClr val="accent1"/>
-          </a:effectRef>
-          <a:fontRef idx="minor">
-            <a:schemeClr val="lt1"/>
-          </a:fontRef>
-        </p:style>
-      </p:sp>
-      <p:sp>
-        <p:nvSpPr>
-          <p:cNvPr id="2" name="Title Placeholder 1"/>
-          <p:cNvSpPr>
-            <a:spLocks noGrp="1"/>
-          </p:cNvSpPr>
-          <p:nvPr>
-            <p:ph type="title"/>
+        <p:txBody>
+          <a:bodyPr vert="horz" lIns="91440" tIns="45720" rIns="91440" bIns="45720" rtlCol="0" anchor="ctr">
+            <a:normAutofit/>
+          </a:bodyPr>
+          <a:lstStyle/>
+          <a:p>
+            <a:r>
+              <a:rPr lang="en-US"/>
+              <a:t>Click to edit Master title style</a:t>
+            </a:r>
+            <a:endParaRPr lang="en-US" dirty="0"/>
+          </a:p>
+        </p:txBody>
+      </p:sp>
+      <p:sp>
+        <p:nvSpPr>
+          <p:cNvPr id="3" name="Text Placeholder 2"/>
+          <p:cNvSpPr>
+            <a:spLocks noGrp="1"/>
+          </p:cNvSpPr>
+          <p:nvPr>
+            <p:ph type="body" idx="1"/>
           </p:nvPr>
         </p:nvSpPr>
         <p:spPr>
           <a:xfrm>
-            <a:off x="1097280" y="286603"/>
-            <a:ext cx="10058400" cy="1450757"/>
+            <a:off x="684212" y="685800"/>
+            <a:ext cx="8534400" cy="3615267"/>
           </a:xfrm>
           <a:prstGeom prst="rect">
             <a:avLst/>
           </a:prstGeom>
         </p:spPr>
         <p:txBody>
-          <a:bodyPr vert="horz" lIns="91440" tIns="45720" rIns="91440" bIns="45720" rtlCol="0" anchor="b">
+          <a:bodyPr vert="horz" lIns="91440" tIns="45720" rIns="91440" bIns="45720" rtlCol="0" anchor="ctr">
             <a:normAutofit/>
           </a:bodyPr>
           <a:lstStyle/>
           <a:p>
-            <a:r>
-              <a:rPr lang="en-US"/>
-              <a:t>Click to edit Master title style</a:t>
-            </a:r>
-            <a:endParaRPr lang="en-US" dirty="0"/>
-          </a:p>
-        </p:txBody>
-      </p:sp>
-      <p:sp>
-        <p:nvSpPr>
-          <p:cNvPr id="3" name="Text Placeholder 2"/>
-          <p:cNvSpPr>
-            <a:spLocks noGrp="1"/>
-          </p:cNvSpPr>
-          <p:nvPr>
-            <p:ph type="body" idx="1"/>
+            <a:pPr lvl="0"/>
+            <a:r>
+              <a:rPr lang="en-US"/>
+              <a:t>Click to edit Master text styles</a:t>
+            </a:r>
+          </a:p>
+          <a:p>
+            <a:pPr lvl="1"/>
+            <a:r>
+              <a:rPr lang="en-US"/>
+              <a:t>Second level</a:t>
+            </a:r>
+          </a:p>
+          <a:p>
+            <a:pPr lvl="2"/>
+            <a:r>
+              <a:rPr lang="en-US"/>
+              <a:t>Third level</a:t>
+            </a:r>
+          </a:p>
+          <a:p>
+            <a:pPr lvl="3"/>
+            <a:r>
+              <a:rPr lang="en-US"/>
+              <a:t>Fourth level</a:t>
+            </a:r>
+          </a:p>
+          <a:p>
+            <a:pPr lvl="4"/>
+            <a:r>
+              <a:rPr lang="en-US"/>
+              <a:t>Fifth level</a:t>
+            </a:r>
+            <a:endParaRPr lang="en-US" dirty="0"/>
+          </a:p>
+        </p:txBody>
+      </p:sp>
+      <p:sp>
+        <p:nvSpPr>
+          <p:cNvPr id="4" name="Date Placeholder 3"/>
+          <p:cNvSpPr>
+            <a:spLocks noGrp="1"/>
+          </p:cNvSpPr>
+          <p:nvPr>
+            <p:ph type="dt" sz="half" idx="2"/>
           </p:nvPr>
         </p:nvSpPr>
         <p:spPr>
           <a:xfrm>
-            <a:off x="1097280" y="2108201"/>
-            <a:ext cx="10058400" cy="3760891"/>
+            <a:off x="9904412" y="6172200"/>
+            <a:ext cx="1600200" cy="365125"/>
           </a:xfrm>
           <a:prstGeom prst="rect">
             <a:avLst/>
           </a:prstGeom>
         </p:spPr>
         <p:txBody>
-          <a:bodyPr vert="horz" lIns="0" tIns="45720" rIns="0" bIns="45720" rtlCol="0">
-            <a:normAutofit/>
-          </a:bodyPr>
-          <a:lstStyle/>
-          <a:p>
-            <a:pPr lvl="0"/>
-            <a:r>
-              <a:rPr lang="en-US"/>
-              <a:t>Click to edit Master text styles</a:t>
-            </a:r>
-          </a:p>
-          <a:p>
-            <a:pPr lvl="1"/>
-            <a:r>
-              <a:rPr lang="en-US"/>
-              <a:t>Second level</a:t>
-            </a:r>
-          </a:p>
-          <a:p>
-            <a:pPr lvl="2"/>
-            <a:r>
-              <a:rPr lang="en-US"/>
-              <a:t>Third level</a:t>
-            </a:r>
-          </a:p>
-          <a:p>
-            <a:pPr lvl="3"/>
-            <a:r>
-              <a:rPr lang="en-US"/>
-              <a:t>Fourth level</a:t>
-            </a:r>
-          </a:p>
-          <a:p>
-            <a:pPr lvl="4"/>
-            <a:r>
-              <a:rPr lang="en-US"/>
-              <a:t>Fifth level</a:t>
-            </a:r>
-            <a:endParaRPr lang="en-US" dirty="0"/>
-          </a:p>
-        </p:txBody>
-      </p:sp>
-      <p:sp>
-        <p:nvSpPr>
-          <p:cNvPr id="4" name="Date Placeholder 3"/>
-          <p:cNvSpPr>
-            <a:spLocks noGrp="1"/>
-          </p:cNvSpPr>
-          <p:nvPr>
-            <p:ph type="dt" sz="half" idx="2"/>
+          <a:bodyPr vert="horz" lIns="91440" tIns="45720" rIns="91440" bIns="45720" rtlCol="0" anchor="t"/>
+          <a:lstStyle>
+            <a:lvl1pPr algn="r">
+              <a:defRPr sz="1000" b="0" i="0">
+                <a:solidFill>
+                  <a:schemeClr val="bg2">
+                    <a:lumMod val="50000"/>
+                  </a:schemeClr>
+                </a:solidFill>
+                <a:effectLst/>
+                <a:latin typeface="+mn-lt"/>
+              </a:defRPr>
+            </a:lvl1pPr>
+          </a:lstStyle>
+          <a:p>
+            <a:fld id="{62D6E202-B606-4609-B914-27C9371A1F6D}" type="datetime1">
+              <a:rPr lang="en-US" smtClean="0"/>
+              <a:t>6/22/2022</a:t>
+            </a:fld>
+            <a:endParaRPr lang="en-US" dirty="0"/>
+          </a:p>
+        </p:txBody>
+      </p:sp>
+      <p:sp>
+        <p:nvSpPr>
+          <p:cNvPr id="5" name="Footer Placeholder 4"/>
+          <p:cNvSpPr>
+            <a:spLocks noGrp="1"/>
+          </p:cNvSpPr>
+          <p:nvPr>
+            <p:ph type="ftr" sz="quarter" idx="3"/>
           </p:nvPr>
         </p:nvSpPr>
         <p:spPr>
           <a:xfrm>
-            <a:off x="8218426" y="6446838"/>
-            <a:ext cx="2584850" cy="365125"/>
+            <a:off x="684212" y="6172200"/>
+            <a:ext cx="7543800" cy="365125"/>
           </a:xfrm>
           <a:prstGeom prst="rect">
             <a:avLst/>
           </a:prstGeom>
         </p:spPr>
         <p:txBody>
-          <a:bodyPr vert="horz" lIns="91440" tIns="45720" rIns="91440" bIns="45720" rtlCol="0" anchor="ctr"/>
+          <a:bodyPr vert="horz" lIns="91440" tIns="45720" rIns="91440" bIns="45720" rtlCol="0" anchor="t"/>
           <a:lstStyle>
-            <a:lvl1pPr algn="r">
-              <a:defRPr sz="800">
-                <a:solidFill>
-                  <a:srgbClr val="FFFFFF"/>
-                </a:solidFill>
+            <a:lvl1pPr algn="l">
+              <a:defRPr sz="1000" b="0" i="0">
+                <a:solidFill>
+                  <a:schemeClr val="bg2">
+                    <a:lumMod val="50000"/>
+                  </a:schemeClr>
+                </a:solidFill>
+                <a:effectLst/>
+                <a:latin typeface="+mn-lt"/>
               </a:defRPr>
             </a:lvl1pPr>
           </a:lstStyle>
           <a:p>
-            <a:fld id="{62D6E202-B606-4609-B914-27C9371A1F6D}" type="datetime1">
-              <a:rPr lang="en-US" smtClean="0"/>
-              <a:t>6/19/2022</a:t>
-            </a:fld>
-            <a:endParaRPr lang="en-US" dirty="0"/>
-          </a:p>
-        </p:txBody>
-      </p:sp>
-      <p:sp>
-        <p:nvSpPr>
-          <p:cNvPr id="5" name="Footer Placeholder 4"/>
-          <p:cNvSpPr>
-            <a:spLocks noGrp="1"/>
-          </p:cNvSpPr>
-          <p:nvPr>
-            <p:ph type="ftr" sz="quarter" idx="3"/>
+            <a:endParaRPr lang="en-US" dirty="0"/>
+          </a:p>
+        </p:txBody>
+      </p:sp>
+      <p:sp>
+        <p:nvSpPr>
+          <p:cNvPr id="6" name="Slide Number Placeholder 5"/>
+          <p:cNvSpPr>
+            <a:spLocks noGrp="1"/>
+          </p:cNvSpPr>
+          <p:nvPr>
+            <p:ph type="sldNum" sz="quarter" idx="4"/>
           </p:nvPr>
         </p:nvSpPr>
         <p:spPr>
           <a:xfrm>
-            <a:off x="1097279" y="6446838"/>
-            <a:ext cx="6818262" cy="365125"/>
+            <a:off x="10363200" y="5578475"/>
+            <a:ext cx="1142245" cy="669925"/>
           </a:xfrm>
           <a:prstGeom prst="rect">
             <a:avLst/>
           </a:prstGeom>
         </p:spPr>
         <p:txBody>
-          <a:bodyPr vert="horz" lIns="91440" tIns="45720" rIns="91440" bIns="45720" rtlCol="0" anchor="ctr"/>
+          <a:bodyPr vert="horz" lIns="91440" tIns="45720" rIns="91440" bIns="45720" rtlCol="0" anchor="b"/>
           <a:lstStyle>
-            <a:lvl1pPr algn="l">
-              <a:defRPr sz="800" cap="all" baseline="0">
-                <a:solidFill>
-                  <a:srgbClr val="FFFFFF"/>
-                </a:solidFill>
-              </a:defRPr>
-            </a:lvl1pPr>
-          </a:lstStyle>
-          <a:p>
-            <a:endParaRPr lang="en-US" dirty="0"/>
-          </a:p>
-        </p:txBody>
-      </p:sp>
-      <p:sp>
-        <p:nvSpPr>
-          <p:cNvPr id="6" name="Slide Number Placeholder 5"/>
-          <p:cNvSpPr>
-            <a:spLocks noGrp="1"/>
-          </p:cNvSpPr>
-          <p:nvPr>
-            <p:ph type="sldNum" sz="quarter" idx="4"/>
-          </p:nvPr>
-        </p:nvSpPr>
-        <p:spPr>
-          <a:xfrm>
-            <a:off x="10993582" y="6446838"/>
-            <a:ext cx="780010" cy="365125"/>
-          </a:xfrm>
-          <a:prstGeom prst="rect">
-            <a:avLst/>
-          </a:prstGeom>
-        </p:spPr>
-        <p:txBody>
-          <a:bodyPr vert="horz" lIns="91440" tIns="45720" rIns="91440" bIns="45720" rtlCol="0" anchor="ctr"/>
-          <a:lstStyle>
-            <a:lvl1pPr algn="l">
-              <a:defRPr sz="800">
-                <a:solidFill>
-                  <a:srgbClr val="FFFFFF"/>
-                </a:solidFill>
+            <a:lvl1pPr algn="r">
+              <a:defRPr sz="3200" b="0" i="0">
+                <a:solidFill>
+                  <a:schemeClr val="bg2">
+                    <a:lumMod val="50000"/>
+                  </a:schemeClr>
+                </a:solidFill>
+                <a:effectLst/>
+                <a:latin typeface="+mn-lt"/>
               </a:defRPr>
             </a:lvl1pPr>
           </a:lstStyle>
@@ -3313,327 +4937,332 @@
           </a:p>
         </p:txBody>
       </p:sp>
-      <p:cxnSp>
-        <p:nvCxnSpPr>
-          <p:cNvPr id="10" name="Straight Connector 9">
-            <a:extLst>
-              <a:ext uri="{FF2B5EF4-FFF2-40B4-BE49-F238E27FC236}">
-                <a16:creationId xmlns:a16="http://schemas.microsoft.com/office/drawing/2014/main" id="{C5025DAC-8B93-4160-B017-3A274A5828C0}"/>
-              </a:ext>
-            </a:extLst>
-          </p:cNvPr>
-          <p:cNvCxnSpPr/>
-          <p:nvPr/>
-        </p:nvCxnSpPr>
-        <p:spPr>
-          <a:xfrm>
-            <a:off x="1193532" y="1897380"/>
-            <a:ext cx="9966960" cy="0"/>
-          </a:xfrm>
-          <a:prstGeom prst="line">
-            <a:avLst/>
-          </a:prstGeom>
-          <a:ln w="12700">
-            <a:solidFill>
-              <a:schemeClr val="tx1">
-                <a:lumMod val="75000"/>
-                <a:lumOff val="25000"/>
-              </a:schemeClr>
-            </a:solidFill>
-          </a:ln>
-        </p:spPr>
-        <p:style>
-          <a:lnRef idx="1">
-            <a:schemeClr val="accent1"/>
-          </a:lnRef>
-          <a:fillRef idx="0">
-            <a:schemeClr val="accent1"/>
-          </a:fillRef>
-          <a:effectRef idx="0">
-            <a:schemeClr val="accent1"/>
-          </a:effectRef>
-          <a:fontRef idx="minor">
-            <a:schemeClr val="tx1"/>
-          </a:fontRef>
-        </p:style>
-      </p:cxnSp>
     </p:spTree>
     <p:extLst>
       <p:ext uri="{BB962C8B-B14F-4D97-AF65-F5344CB8AC3E}">
-        <p14:creationId xmlns:p14="http://schemas.microsoft.com/office/powerpoint/2010/main" val="3034982234"/>
+        <p14:creationId xmlns:p14="http://schemas.microsoft.com/office/powerpoint/2010/main" val="200922161"/>
       </p:ext>
     </p:extLst>
   </p:cSld>
-  <p:clrMap bg1="lt1" tx1="dk1" bg2="lt2" tx2="dk2" accent1="accent1" accent2="accent2" accent3="accent3" accent4="accent4" accent5="accent5" accent6="accent6" hlink="hlink" folHlink="folHlink"/>
+  <p:clrMap bg1="dk1" tx1="lt1" bg2="dk2" tx2="lt2" accent1="accent1" accent2="accent2" accent3="accent3" accent4="accent4" accent5="accent5" accent6="accent6" hlink="hlink" folHlink="folHlink"/>
   <p:sldLayoutIdLst>
-    <p:sldLayoutId id="2147483748" r:id="rId1"/>
-    <p:sldLayoutId id="2147483749" r:id="rId2"/>
-    <p:sldLayoutId id="2147483747" r:id="rId3"/>
-    <p:sldLayoutId id="2147483743" r:id="rId4"/>
-    <p:sldLayoutId id="2147483738" r:id="rId5"/>
-    <p:sldLayoutId id="2147483732" r:id="rId6"/>
-    <p:sldLayoutId id="2147483733" r:id="rId7"/>
-    <p:sldLayoutId id="2147483734" r:id="rId8"/>
-    <p:sldLayoutId id="2147483735" r:id="rId9"/>
-    <p:sldLayoutId id="2147483736" r:id="rId10"/>
-    <p:sldLayoutId id="2147483737" r:id="rId11"/>
+    <p:sldLayoutId id="2147483787" r:id="rId1"/>
+    <p:sldLayoutId id="2147483788" r:id="rId2"/>
+    <p:sldLayoutId id="2147483789" r:id="rId3"/>
+    <p:sldLayoutId id="2147483790" r:id="rId4"/>
+    <p:sldLayoutId id="2147483791" r:id="rId5"/>
+    <p:sldLayoutId id="2147483792" r:id="rId6"/>
+    <p:sldLayoutId id="2147483793" r:id="rId7"/>
+    <p:sldLayoutId id="2147483794" r:id="rId8"/>
+    <p:sldLayoutId id="2147483795" r:id="rId9"/>
+    <p:sldLayoutId id="2147483796" r:id="rId10"/>
+    <p:sldLayoutId id="2147483797" r:id="rId11"/>
+    <p:sldLayoutId id="2147483798" r:id="rId12"/>
+    <p:sldLayoutId id="2147483799" r:id="rId13"/>
+    <p:sldLayoutId id="2147483800" r:id="rId14"/>
+    <p:sldLayoutId id="2147483801" r:id="rId15"/>
+    <p:sldLayoutId id="2147483802" r:id="rId16"/>
+    <p:sldLayoutId id="2147483803" r:id="rId17"/>
   </p:sldLayoutIdLst>
   <p:hf sldNum="0" hdr="0" ftr="0" dt="0"/>
   <p:txStyles>
     <p:titleStyle>
-      <a:lvl1pPr algn="l" defTabSz="914400" rtl="0" eaLnBrk="1" latinLnBrk="0" hangingPunct="1">
-        <a:lnSpc>
-          <a:spcPct val="90000"/>
-        </a:lnSpc>
+      <a:lvl1pPr algn="l" defTabSz="457200" rtl="0" eaLnBrk="1" latinLnBrk="0" hangingPunct="1">
         <a:spcBef>
           <a:spcPct val="0"/>
         </a:spcBef>
         <a:buNone/>
-        <a:defRPr sz="4700" i="0" kern="1200" spc="-50" baseline="0">
+        <a:defRPr sz="3600" kern="1200" cap="all">
+          <a:ln w="3175" cmpd="sng">
+            <a:noFill/>
+          </a:ln>
           <a:solidFill>
-            <a:schemeClr val="tx1">
-              <a:lumMod val="75000"/>
-              <a:lumOff val="25000"/>
-            </a:schemeClr>
+            <a:schemeClr val="tx1"/>
           </a:solidFill>
+          <a:effectLst/>
           <a:latin typeface="+mj-lt"/>
           <a:ea typeface="+mj-ea"/>
           <a:cs typeface="+mj-cs"/>
         </a:defRPr>
       </a:lvl1pPr>
+      <a:lvl2pPr eaLnBrk="1" hangingPunct="1">
+        <a:defRPr>
+          <a:solidFill>
+            <a:schemeClr val="tx2"/>
+          </a:solidFill>
+        </a:defRPr>
+      </a:lvl2pPr>
+      <a:lvl3pPr eaLnBrk="1" hangingPunct="1">
+        <a:defRPr>
+          <a:solidFill>
+            <a:schemeClr val="tx2"/>
+          </a:solidFill>
+        </a:defRPr>
+      </a:lvl3pPr>
+      <a:lvl4pPr eaLnBrk="1" hangingPunct="1">
+        <a:defRPr>
+          <a:solidFill>
+            <a:schemeClr val="tx2"/>
+          </a:solidFill>
+        </a:defRPr>
+      </a:lvl4pPr>
+      <a:lvl5pPr eaLnBrk="1" hangingPunct="1">
+        <a:defRPr>
+          <a:solidFill>
+            <a:schemeClr val="tx2"/>
+          </a:solidFill>
+        </a:defRPr>
+      </a:lvl5pPr>
+      <a:lvl6pPr eaLnBrk="1" hangingPunct="1">
+        <a:defRPr>
+          <a:solidFill>
+            <a:schemeClr val="tx2"/>
+          </a:solidFill>
+        </a:defRPr>
+      </a:lvl6pPr>
+      <a:lvl7pPr eaLnBrk="1" hangingPunct="1">
+        <a:defRPr>
+          <a:solidFill>
+            <a:schemeClr val="tx2"/>
+          </a:solidFill>
+        </a:defRPr>
+      </a:lvl7pPr>
+      <a:lvl8pPr eaLnBrk="1" hangingPunct="1">
+        <a:defRPr>
+          <a:solidFill>
+            <a:schemeClr val="tx2"/>
+          </a:solidFill>
+        </a:defRPr>
+      </a:lvl8pPr>
+      <a:lvl9pPr eaLnBrk="1" hangingPunct="1">
+        <a:defRPr>
+          <a:solidFill>
+            <a:schemeClr val="tx2"/>
+          </a:solidFill>
+        </a:defRPr>
+      </a:lvl9pPr>
     </p:titleStyle>
     <p:bodyStyle>
-      <a:lvl1pPr marL="91440" indent="-91440" algn="l" defTabSz="914400" rtl="0" eaLnBrk="1" latinLnBrk="0" hangingPunct="1">
-        <a:lnSpc>
-          <a:spcPct val="110000"/>
-        </a:lnSpc>
+      <a:lvl1pPr marL="285750" indent="-285750" algn="l" defTabSz="457200" rtl="0" eaLnBrk="1" latinLnBrk="0" hangingPunct="1">
         <a:spcBef>
-          <a:spcPts val="1200"/>
+          <a:spcPct val="20000"/>
         </a:spcBef>
         <a:spcAft>
-          <a:spcPts val="200"/>
+          <a:spcPts val="600"/>
         </a:spcAft>
         <a:buClr>
-          <a:schemeClr val="accent1"/>
+          <a:schemeClr val="tx1"/>
         </a:buClr>
-        <a:buSzPct val="100000"/>
-        <a:buFont typeface="Calibri" panose="020F0502020204030204" pitchFamily="34" charset="0"/>
-        <a:buChar char=" "/>
-        <a:defRPr sz="1900" kern="1200">
+        <a:buSzPct val="80000"/>
+        <a:buFont typeface="Wingdings 3" panose="05040102010807070707" pitchFamily="18" charset="2"/>
+        <a:buChar char=""/>
+        <a:defRPr sz="2000" kern="1200" cap="none">
           <a:solidFill>
-            <a:schemeClr val="tx1">
+            <a:schemeClr val="bg2">
               <a:lumMod val="75000"/>
-              <a:lumOff val="25000"/>
             </a:schemeClr>
           </a:solidFill>
+          <a:effectLst/>
           <a:latin typeface="+mn-lt"/>
           <a:ea typeface="+mn-ea"/>
           <a:cs typeface="+mn-cs"/>
         </a:defRPr>
       </a:lvl1pPr>
-      <a:lvl2pPr marL="384048" indent="-182880" algn="l" defTabSz="914400" rtl="0" eaLnBrk="1" latinLnBrk="0" hangingPunct="1">
-        <a:lnSpc>
-          <a:spcPct val="100000"/>
-        </a:lnSpc>
+      <a:lvl2pPr marL="742950" indent="-285750" algn="l" defTabSz="457200" rtl="0" eaLnBrk="1" latinLnBrk="0" hangingPunct="1">
         <a:spcBef>
-          <a:spcPts val="200"/>
+          <a:spcPct val="20000"/>
         </a:spcBef>
         <a:spcAft>
-          <a:spcPts val="400"/>
+          <a:spcPts val="600"/>
         </a:spcAft>
-        <a:buClrTx/>
-        <a:buFont typeface="Calibri" pitchFamily="34" charset="0"/>
-        <a:buChar char="◦"/>
-        <a:defRPr sz="1700" kern="1200">
+        <a:buClr>
+          <a:schemeClr val="tx1"/>
+        </a:buClr>
+        <a:buSzPct val="80000"/>
+        <a:buFont typeface="Wingdings 3" panose="05040102010807070707" pitchFamily="18" charset="2"/>
+        <a:buChar char=""/>
+        <a:defRPr sz="1800" kern="1200" cap="none">
           <a:solidFill>
-            <a:schemeClr val="tx1">
+            <a:schemeClr val="bg2">
               <a:lumMod val="75000"/>
-              <a:lumOff val="25000"/>
             </a:schemeClr>
           </a:solidFill>
+          <a:effectLst/>
           <a:latin typeface="+mn-lt"/>
           <a:ea typeface="+mn-ea"/>
           <a:cs typeface="+mn-cs"/>
         </a:defRPr>
       </a:lvl2pPr>
-      <a:lvl3pPr marL="566928" indent="-182880" algn="l" defTabSz="914400" rtl="0" eaLnBrk="1" latinLnBrk="0" hangingPunct="1">
-        <a:lnSpc>
-          <a:spcPct val="100000"/>
-        </a:lnSpc>
+      <a:lvl3pPr marL="1200150" indent="-285750" algn="l" defTabSz="457200" rtl="0" eaLnBrk="1" latinLnBrk="0" hangingPunct="1">
         <a:spcBef>
-          <a:spcPts val="200"/>
+          <a:spcPct val="20000"/>
         </a:spcBef>
         <a:spcAft>
-          <a:spcPts val="400"/>
+          <a:spcPts val="600"/>
         </a:spcAft>
-        <a:buClrTx/>
-        <a:buFont typeface="Calibri" pitchFamily="34" charset="0"/>
-        <a:buChar char="◦"/>
-        <a:defRPr sz="1300" kern="1200">
+        <a:buClr>
+          <a:schemeClr val="tx1"/>
+        </a:buClr>
+        <a:buSzPct val="80000"/>
+        <a:buFont typeface="Wingdings 3" panose="05040102010807070707" pitchFamily="18" charset="2"/>
+        <a:buChar char=""/>
+        <a:defRPr sz="1600" kern="1200" cap="none">
           <a:solidFill>
-            <a:schemeClr val="tx1">
+            <a:schemeClr val="bg2">
               <a:lumMod val="75000"/>
-              <a:lumOff val="25000"/>
             </a:schemeClr>
           </a:solidFill>
+          <a:effectLst/>
           <a:latin typeface="+mn-lt"/>
           <a:ea typeface="+mn-ea"/>
           <a:cs typeface="+mn-cs"/>
         </a:defRPr>
       </a:lvl3pPr>
-      <a:lvl4pPr marL="749808" indent="-182880" algn="l" defTabSz="914400" rtl="0" eaLnBrk="1" latinLnBrk="0" hangingPunct="1">
-        <a:lnSpc>
-          <a:spcPct val="100000"/>
-        </a:lnSpc>
+      <a:lvl4pPr marL="1543050" indent="-171450" algn="l" defTabSz="457200" rtl="0" eaLnBrk="1" latinLnBrk="0" hangingPunct="1">
         <a:spcBef>
-          <a:spcPts val="200"/>
+          <a:spcPct val="20000"/>
         </a:spcBef>
         <a:spcAft>
-          <a:spcPts val="400"/>
+          <a:spcPts val="600"/>
         </a:spcAft>
-        <a:buClrTx/>
-        <a:buFont typeface="Calibri" pitchFamily="34" charset="0"/>
-        <a:buChar char="◦"/>
-        <a:defRPr sz="1300" kern="1200">
+        <a:buClr>
+          <a:schemeClr val="tx1"/>
+        </a:buClr>
+        <a:buSzPct val="80000"/>
+        <a:buFont typeface="Wingdings 3" panose="05040102010807070707" pitchFamily="18" charset="2"/>
+        <a:buChar char=""/>
+        <a:defRPr sz="1400" kern="1200" cap="none">
           <a:solidFill>
-            <a:schemeClr val="tx1">
+            <a:schemeClr val="bg2">
               <a:lumMod val="75000"/>
-              <a:lumOff val="25000"/>
             </a:schemeClr>
           </a:solidFill>
+          <a:effectLst/>
           <a:latin typeface="+mn-lt"/>
           <a:ea typeface="+mn-ea"/>
           <a:cs typeface="+mn-cs"/>
         </a:defRPr>
       </a:lvl4pPr>
-      <a:lvl5pPr marL="932688" indent="-182880" algn="l" defTabSz="914400" rtl="0" eaLnBrk="1" latinLnBrk="0" hangingPunct="1">
-        <a:lnSpc>
-          <a:spcPct val="100000"/>
-        </a:lnSpc>
+      <a:lvl5pPr marL="2000250" indent="-171450" algn="l" defTabSz="457200" rtl="0" eaLnBrk="1" latinLnBrk="0" hangingPunct="1">
         <a:spcBef>
-          <a:spcPts val="200"/>
+          <a:spcPct val="20000"/>
         </a:spcBef>
         <a:spcAft>
-          <a:spcPts val="400"/>
+          <a:spcPts val="600"/>
         </a:spcAft>
-        <a:buClrTx/>
-        <a:buFont typeface="Calibri" pitchFamily="34" charset="0"/>
-        <a:buChar char="◦"/>
-        <a:defRPr sz="1300" kern="1200">
+        <a:buClr>
+          <a:schemeClr val="tx1"/>
+        </a:buClr>
+        <a:buSzPct val="80000"/>
+        <a:buFont typeface="Wingdings 3" panose="05040102010807070707" pitchFamily="18" charset="2"/>
+        <a:buChar char=""/>
+        <a:defRPr sz="1400" kern="1200" cap="none">
           <a:solidFill>
-            <a:schemeClr val="tx1">
+            <a:schemeClr val="bg2">
               <a:lumMod val="75000"/>
-              <a:lumOff val="25000"/>
             </a:schemeClr>
           </a:solidFill>
+          <a:effectLst/>
           <a:latin typeface="+mn-lt"/>
           <a:ea typeface="+mn-ea"/>
           <a:cs typeface="+mn-cs"/>
         </a:defRPr>
       </a:lvl5pPr>
-      <a:lvl6pPr marL="1100000" indent="-228600" algn="l" defTabSz="914400" rtl="0" eaLnBrk="1" latinLnBrk="0" hangingPunct="1">
-        <a:lnSpc>
-          <a:spcPct val="90000"/>
-        </a:lnSpc>
+      <a:lvl6pPr marL="2514600" indent="-228600" algn="l" defTabSz="457200" rtl="0" eaLnBrk="1" latinLnBrk="0" hangingPunct="1">
         <a:spcBef>
-          <a:spcPts val="200"/>
+          <a:spcPct val="20000"/>
         </a:spcBef>
         <a:spcAft>
-          <a:spcPts val="400"/>
+          <a:spcPts val="600"/>
         </a:spcAft>
         <a:buClr>
-          <a:schemeClr val="accent1"/>
+          <a:schemeClr val="tx1"/>
         </a:buClr>
-        <a:buFont typeface="Calibri" pitchFamily="34" charset="0"/>
-        <a:buChar char="◦"/>
-        <a:defRPr sz="1400" kern="1200">
+        <a:buSzPct val="80000"/>
+        <a:buFont typeface="Wingdings 3" panose="05040102010807070707" pitchFamily="18" charset="2"/>
+        <a:buChar char=""/>
+        <a:defRPr sz="1400" kern="1200" cap="none">
           <a:solidFill>
-            <a:schemeClr val="tx1">
+            <a:schemeClr val="bg2">
               <a:lumMod val="75000"/>
-              <a:lumOff val="25000"/>
             </a:schemeClr>
           </a:solidFill>
+          <a:effectLst/>
           <a:latin typeface="+mn-lt"/>
           <a:ea typeface="+mn-ea"/>
           <a:cs typeface="+mn-cs"/>
         </a:defRPr>
       </a:lvl6pPr>
-      <a:lvl7pPr marL="1300000" indent="-228600" algn="l" defTabSz="914400" rtl="0" eaLnBrk="1" latinLnBrk="0" hangingPunct="1">
-        <a:lnSpc>
-          <a:spcPct val="90000"/>
-        </a:lnSpc>
+      <a:lvl7pPr marL="2971800" indent="-228600" algn="l" defTabSz="457200" rtl="0" eaLnBrk="1" latinLnBrk="0" hangingPunct="1">
         <a:spcBef>
-          <a:spcPts val="200"/>
+          <a:spcPct val="20000"/>
         </a:spcBef>
         <a:spcAft>
-          <a:spcPts val="400"/>
+          <a:spcPts val="600"/>
         </a:spcAft>
         <a:buClr>
-          <a:schemeClr val="accent1"/>
+          <a:schemeClr val="tx1"/>
         </a:buClr>
-        <a:buFont typeface="Calibri" pitchFamily="34" charset="0"/>
-        <a:buChar char="◦"/>
-        <a:defRPr sz="1400" kern="1200">
+        <a:buSzPct val="80000"/>
+        <a:buFont typeface="Wingdings 3" panose="05040102010807070707" pitchFamily="18" charset="2"/>
+        <a:buChar char=""/>
+        <a:defRPr sz="1400" kern="1200" cap="none">
           <a:solidFill>
-            <a:schemeClr val="tx1">
+            <a:schemeClr val="bg2">
               <a:lumMod val="75000"/>
-              <a:lumOff val="25000"/>
             </a:schemeClr>
           </a:solidFill>
+          <a:effectLst/>
           <a:latin typeface="+mn-lt"/>
           <a:ea typeface="+mn-ea"/>
           <a:cs typeface="+mn-cs"/>
         </a:defRPr>
       </a:lvl7pPr>
-      <a:lvl8pPr marL="1500000" indent="-228600" algn="l" defTabSz="914400" rtl="0" eaLnBrk="1" latinLnBrk="0" hangingPunct="1">
-        <a:lnSpc>
-          <a:spcPct val="90000"/>
-        </a:lnSpc>
+      <a:lvl8pPr marL="3429000" indent="-228600" algn="l" defTabSz="457200" rtl="0" eaLnBrk="1" latinLnBrk="0" hangingPunct="1">
         <a:spcBef>
-          <a:spcPts val="200"/>
+          <a:spcPct val="20000"/>
         </a:spcBef>
         <a:spcAft>
-          <a:spcPts val="400"/>
+          <a:spcPts val="600"/>
         </a:spcAft>
         <a:buClr>
-          <a:schemeClr val="accent1"/>
+          <a:schemeClr val="tx1"/>
         </a:buClr>
-        <a:buFont typeface="Calibri" pitchFamily="34" charset="0"/>
-        <a:buChar char="◦"/>
-        <a:defRPr sz="1400" kern="1200">
+        <a:buSzPct val="80000"/>
+        <a:buFont typeface="Wingdings 3" panose="05040102010807070707" pitchFamily="18" charset="2"/>
+        <a:buChar char=""/>
+        <a:defRPr sz="1400" kern="1200" cap="none">
           <a:solidFill>
-            <a:schemeClr val="tx1">
+            <a:schemeClr val="bg2">
               <a:lumMod val="75000"/>
-              <a:lumOff val="25000"/>
             </a:schemeClr>
           </a:solidFill>
+          <a:effectLst/>
           <a:latin typeface="+mn-lt"/>
           <a:ea typeface="+mn-ea"/>
           <a:cs typeface="+mn-cs"/>
         </a:defRPr>
       </a:lvl8pPr>
-      <a:lvl9pPr marL="1700000" indent="-228600" algn="l" defTabSz="914400" rtl="0" eaLnBrk="1" latinLnBrk="0" hangingPunct="1">
-        <a:lnSpc>
-          <a:spcPct val="90000"/>
-        </a:lnSpc>
+      <a:lvl9pPr marL="3886200" indent="-228600" algn="l" defTabSz="457200" rtl="0" eaLnBrk="1" latinLnBrk="0" hangingPunct="1">
         <a:spcBef>
-          <a:spcPts val="200"/>
+          <a:spcPct val="20000"/>
         </a:spcBef>
         <a:spcAft>
-          <a:spcPts val="400"/>
+          <a:spcPts val="600"/>
         </a:spcAft>
         <a:buClr>
-          <a:schemeClr val="accent1"/>
+          <a:schemeClr val="tx1"/>
         </a:buClr>
-        <a:buFont typeface="Calibri" pitchFamily="34" charset="0"/>
-        <a:buChar char="◦"/>
-        <a:defRPr sz="1400" kern="1200">
+        <a:buSzPct val="80000"/>
+        <a:buFont typeface="Wingdings 3" panose="05040102010807070707" pitchFamily="18" charset="2"/>
+        <a:buChar char=""/>
+        <a:defRPr sz="1400" kern="1200" cap="none">
           <a:solidFill>
-            <a:schemeClr val="tx1">
+            <a:schemeClr val="bg2">
               <a:lumMod val="75000"/>
-              <a:lumOff val="25000"/>
             </a:schemeClr>
           </a:solidFill>
+          <a:effectLst/>
           <a:latin typeface="+mn-lt"/>
           <a:ea typeface="+mn-ea"/>
           <a:cs typeface="+mn-cs"/>
@@ -3644,7 +5273,7 @@
       <a:defPPr>
         <a:defRPr lang="en-US"/>
       </a:defPPr>
-      <a:lvl1pPr marL="0" algn="l" defTabSz="914400" rtl="0" eaLnBrk="1" latinLnBrk="0" hangingPunct="1">
+      <a:lvl1pPr marL="0" algn="l" defTabSz="457200" rtl="0" eaLnBrk="1" latinLnBrk="0" hangingPunct="1">
         <a:defRPr sz="1800" kern="1200">
           <a:solidFill>
             <a:schemeClr val="tx1"/>
@@ -3654,7 +5283,7 @@
           <a:cs typeface="+mn-cs"/>
         </a:defRPr>
       </a:lvl1pPr>
-      <a:lvl2pPr marL="457200" algn="l" defTabSz="914400" rtl="0" eaLnBrk="1" latinLnBrk="0" hangingPunct="1">
+      <a:lvl2pPr marL="457200" algn="l" defTabSz="457200" rtl="0" eaLnBrk="1" latinLnBrk="0" hangingPunct="1">
         <a:defRPr sz="1800" kern="1200">
           <a:solidFill>
             <a:schemeClr val="tx1"/>
@@ -3664,7 +5293,7 @@
           <a:cs typeface="+mn-cs"/>
         </a:defRPr>
       </a:lvl2pPr>
-      <a:lvl3pPr marL="914400" algn="l" defTabSz="914400" rtl="0" eaLnBrk="1" latinLnBrk="0" hangingPunct="1">
+      <a:lvl3pPr marL="914400" algn="l" defTabSz="457200" rtl="0" eaLnBrk="1" latinLnBrk="0" hangingPunct="1">
         <a:defRPr sz="1800" kern="1200">
           <a:solidFill>
             <a:schemeClr val="tx1"/>
@@ -3674,7 +5303,7 @@
           <a:cs typeface="+mn-cs"/>
         </a:defRPr>
       </a:lvl3pPr>
-      <a:lvl4pPr marL="1371600" algn="l" defTabSz="914400" rtl="0" eaLnBrk="1" latinLnBrk="0" hangingPunct="1">
+      <a:lvl4pPr marL="1371600" algn="l" defTabSz="457200" rtl="0" eaLnBrk="1" latinLnBrk="0" hangingPunct="1">
         <a:defRPr sz="1800" kern="1200">
           <a:solidFill>
             <a:schemeClr val="tx1"/>
@@ -3684,7 +5313,7 @@
           <a:cs typeface="+mn-cs"/>
         </a:defRPr>
       </a:lvl4pPr>
-      <a:lvl5pPr marL="1828800" algn="l" defTabSz="914400" rtl="0" eaLnBrk="1" latinLnBrk="0" hangingPunct="1">
+      <a:lvl5pPr marL="1828800" algn="l" defTabSz="457200" rtl="0" eaLnBrk="1" latinLnBrk="0" hangingPunct="1">
         <a:defRPr sz="1800" kern="1200">
           <a:solidFill>
             <a:schemeClr val="tx1"/>
@@ -3694,7 +5323,7 @@
           <a:cs typeface="+mn-cs"/>
         </a:defRPr>
       </a:lvl5pPr>
-      <a:lvl6pPr marL="2286000" algn="l" defTabSz="914400" rtl="0" eaLnBrk="1" latinLnBrk="0" hangingPunct="1">
+      <a:lvl6pPr marL="2286000" algn="l" defTabSz="457200" rtl="0" eaLnBrk="1" latinLnBrk="0" hangingPunct="1">
         <a:defRPr sz="1800" kern="1200">
           <a:solidFill>
             <a:schemeClr val="tx1"/>
@@ -3704,7 +5333,7 @@
           <a:cs typeface="+mn-cs"/>
         </a:defRPr>
       </a:lvl6pPr>
-      <a:lvl7pPr marL="2743200" algn="l" defTabSz="914400" rtl="0" eaLnBrk="1" latinLnBrk="0" hangingPunct="1">
+      <a:lvl7pPr marL="2743200" algn="l" defTabSz="457200" rtl="0" eaLnBrk="1" latinLnBrk="0" hangingPunct="1">
         <a:defRPr sz="1800" kern="1200">
           <a:solidFill>
             <a:schemeClr val="tx1"/>
@@ -3714,7 +5343,7 @@
           <a:cs typeface="+mn-cs"/>
         </a:defRPr>
       </a:lvl7pPr>
-      <a:lvl8pPr marL="3200400" algn="l" defTabSz="914400" rtl="0" eaLnBrk="1" latinLnBrk="0" hangingPunct="1">
+      <a:lvl8pPr marL="3200400" algn="l" defTabSz="457200" rtl="0" eaLnBrk="1" latinLnBrk="0" hangingPunct="1">
         <a:defRPr sz="1800" kern="1200">
           <a:solidFill>
             <a:schemeClr val="tx1"/>
@@ -3724,7 +5353,7 @@
           <a:cs typeface="+mn-cs"/>
         </a:defRPr>
       </a:lvl8pPr>
-      <a:lvl9pPr marL="3657600" algn="l" defTabSz="914400" rtl="0" eaLnBrk="1" latinLnBrk="0" hangingPunct="1">
+      <a:lvl9pPr marL="3657600" algn="l" defTabSz="457200" rtl="0" eaLnBrk="1" latinLnBrk="0" hangingPunct="1">
         <a:defRPr sz="1800" kern="1200">
           <a:solidFill>
             <a:schemeClr val="tx1"/>
@@ -3764,66 +5393,6 @@
           <a:chExt cx="0" cy="0"/>
         </a:xfrm>
       </p:grpSpPr>
-      <p:sp useBgFill="1">
-        <p:nvSpPr>
-          <p:cNvPr id="22" name="Rectangle 21">
-            <a:extLst>
-              <a:ext uri="{FF2B5EF4-FFF2-40B4-BE49-F238E27FC236}">
-                <a16:creationId xmlns:a16="http://schemas.microsoft.com/office/drawing/2014/main" id="{A9286AD2-18A9-4868-A4E3-7A2097A20810}"/>
-              </a:ext>
-              <a:ext uri="{C183D7F6-B498-43B3-948B-1728B52AA6E4}">
-                <adec:decorative xmlns:adec="http://schemas.microsoft.com/office/drawing/2017/decorative" val="1"/>
-              </a:ext>
-            </a:extLst>
-          </p:cNvPr>
-          <p:cNvSpPr>
-            <a:spLocks noGrp="1" noRot="1" noChangeAspect="1" noMove="1" noResize="1" noEditPoints="1" noAdjustHandles="1" noChangeArrowheads="1" noChangeShapeType="1" noTextEdit="1"/>
-          </p:cNvSpPr>
-          <p:nvPr>
-            <p:extLst>
-              <p:ext uri="{386F3935-93C4-4BCD-93E2-E3B085C9AB24}">
-                <p16:designElem xmlns:p16="http://schemas.microsoft.com/office/powerpoint/2015/main" val="1"/>
-              </p:ext>
-            </p:extLst>
-          </p:nvPr>
-        </p:nvSpPr>
-        <p:spPr>
-          <a:xfrm>
-            <a:off x="0" y="1"/>
-            <a:ext cx="12192001" cy="6857999"/>
-          </a:xfrm>
-          <a:prstGeom prst="rect">
-            <a:avLst/>
-          </a:prstGeom>
-          <a:ln>
-            <a:noFill/>
-          </a:ln>
-        </p:spPr>
-        <p:style>
-          <a:lnRef idx="2">
-            <a:schemeClr val="accent1">
-              <a:shade val="50000"/>
-            </a:schemeClr>
-          </a:lnRef>
-          <a:fillRef idx="1">
-            <a:schemeClr val="accent1"/>
-          </a:fillRef>
-          <a:effectRef idx="0">
-            <a:schemeClr val="accent1"/>
-          </a:effectRef>
-          <a:fontRef idx="minor">
-            <a:schemeClr val="lt1"/>
-          </a:fontRef>
-        </p:style>
-        <p:txBody>
-          <a:bodyPr rtlCol="0" anchor="ctr"/>
-          <a:lstStyle/>
-          <a:p>
-            <a:pPr algn="ctr"/>
-            <a:endParaRPr lang="en-US"/>
-          </a:p>
-        </p:txBody>
-      </p:sp>
       <p:sp>
         <p:nvSpPr>
           <p:cNvPr id="2" name="Title 1">
@@ -3959,61 +5528,6 @@
           </a:prstGeom>
         </p:spPr>
       </p:pic>
-      <p:cxnSp>
-        <p:nvCxnSpPr>
-          <p:cNvPr id="24" name="Straight Connector 23">
-            <a:extLst>
-              <a:ext uri="{FF2B5EF4-FFF2-40B4-BE49-F238E27FC236}">
-                <a16:creationId xmlns:a16="http://schemas.microsoft.com/office/drawing/2014/main" id="{E7A7CD63-7EC3-44F3-95D0-595C4019FF24}"/>
-              </a:ext>
-              <a:ext uri="{C183D7F6-B498-43B3-948B-1728B52AA6E4}">
-                <adec:decorative xmlns:adec="http://schemas.microsoft.com/office/drawing/2017/decorative" val="1"/>
-              </a:ext>
-            </a:extLst>
-          </p:cNvPr>
-          <p:cNvCxnSpPr>
-            <a:cxnSpLocks noGrp="1" noRot="1" noChangeAspect="1" noMove="1" noResize="1" noEditPoints="1" noAdjustHandles="1" noChangeArrowheads="1" noChangeShapeType="1"/>
-          </p:cNvCxnSpPr>
-          <p:nvPr>
-            <p:extLst>
-              <p:ext uri="{386F3935-93C4-4BCD-93E2-E3B085C9AB24}">
-                <p16:designElem xmlns:p16="http://schemas.microsoft.com/office/powerpoint/2015/main" val="1"/>
-              </p:ext>
-            </p:extLst>
-          </p:nvPr>
-        </p:nvCxnSpPr>
-        <p:spPr>
-          <a:xfrm>
-            <a:off x="5427754" y="4498925"/>
-            <a:ext cx="5636107" cy="0"/>
-          </a:xfrm>
-          <a:prstGeom prst="line">
-            <a:avLst/>
-          </a:prstGeom>
-          <a:ln w="12700">
-            <a:solidFill>
-              <a:schemeClr val="tx1">
-                <a:lumMod val="75000"/>
-                <a:lumOff val="25000"/>
-              </a:schemeClr>
-            </a:solidFill>
-          </a:ln>
-        </p:spPr>
-        <p:style>
-          <a:lnRef idx="1">
-            <a:schemeClr val="accent1"/>
-          </a:lnRef>
-          <a:fillRef idx="0">
-            <a:schemeClr val="accent1"/>
-          </a:fillRef>
-          <a:effectRef idx="0">
-            <a:schemeClr val="accent1"/>
-          </a:effectRef>
-          <a:fontRef idx="minor">
-            <a:schemeClr val="tx1"/>
-          </a:fontRef>
-        </p:style>
-      </p:cxnSp>
     </p:spTree>
     <p:extLst>
       <p:ext uri="{BB962C8B-B14F-4D97-AF65-F5344CB8AC3E}">
@@ -4054,69 +5568,6 @@
       </p:grpSpPr>
       <p:sp>
         <p:nvSpPr>
-          <p:cNvPr id="47" name="Rectangle 46">
-            <a:extLst>
-              <a:ext uri="{FF2B5EF4-FFF2-40B4-BE49-F238E27FC236}">
-                <a16:creationId xmlns:a16="http://schemas.microsoft.com/office/drawing/2014/main" id="{FBDCECDC-EEE3-4128-AA5E-82A8C08796E8}"/>
-              </a:ext>
-              <a:ext uri="{C183D7F6-B498-43B3-948B-1728B52AA6E4}">
-                <adec:decorative xmlns:adec="http://schemas.microsoft.com/office/drawing/2017/decorative" val="1"/>
-              </a:ext>
-            </a:extLst>
-          </p:cNvPr>
-          <p:cNvSpPr>
-            <a:spLocks noGrp="1" noRot="1" noChangeAspect="1" noMove="1" noResize="1" noEditPoints="1" noAdjustHandles="1" noChangeArrowheads="1" noChangeShapeType="1" noTextEdit="1"/>
-          </p:cNvSpPr>
-          <p:nvPr>
-            <p:extLst>
-              <p:ext uri="{386F3935-93C4-4BCD-93E2-E3B085C9AB24}">
-                <p16:designElem xmlns:p16="http://schemas.microsoft.com/office/powerpoint/2015/main" val="1"/>
-              </p:ext>
-            </p:extLst>
-          </p:nvPr>
-        </p:nvSpPr>
-        <p:spPr>
-          <a:xfrm>
-            <a:off x="1507" y="0"/>
-            <a:ext cx="12192000" cy="6858000"/>
-          </a:xfrm>
-          <a:prstGeom prst="rect">
-            <a:avLst/>
-          </a:prstGeom>
-          <a:solidFill>
-            <a:schemeClr val="accent1"/>
-          </a:solidFill>
-          <a:ln>
-            <a:noFill/>
-          </a:ln>
-        </p:spPr>
-        <p:style>
-          <a:lnRef idx="2">
-            <a:schemeClr val="accent1">
-              <a:shade val="50000"/>
-            </a:schemeClr>
-          </a:lnRef>
-          <a:fillRef idx="1">
-            <a:schemeClr val="accent1"/>
-          </a:fillRef>
-          <a:effectRef idx="0">
-            <a:schemeClr val="accent1"/>
-          </a:effectRef>
-          <a:fontRef idx="minor">
-            <a:schemeClr val="lt1"/>
-          </a:fontRef>
-        </p:style>
-        <p:txBody>
-          <a:bodyPr rtlCol="0" anchor="ctr"/>
-          <a:lstStyle/>
-          <a:p>
-            <a:pPr algn="ctr"/>
-            <a:endParaRPr lang="en-US"/>
-          </a:p>
-        </p:txBody>
-      </p:sp>
-      <p:sp>
-        <p:nvSpPr>
           <p:cNvPr id="2" name="Title 1">
             <a:extLst>
               <a:ext uri="{FF2B5EF4-FFF2-40B4-BE49-F238E27FC236}">
@@ -4154,61 +5605,6 @@
             </a:r>
           </a:p>
         </p:txBody>
-      </p:sp>
-      <p:sp>
-        <p:nvSpPr>
-          <p:cNvPr id="49" name="Rectangle 48">
-            <a:extLst>
-              <a:ext uri="{FF2B5EF4-FFF2-40B4-BE49-F238E27FC236}">
-                <a16:creationId xmlns:a16="http://schemas.microsoft.com/office/drawing/2014/main" id="{4260EDE0-989C-4E16-AF94-F652294D828E}"/>
-              </a:ext>
-              <a:ext uri="{C183D7F6-B498-43B3-948B-1728B52AA6E4}">
-                <adec:decorative xmlns:adec="http://schemas.microsoft.com/office/drawing/2017/decorative" val="1"/>
-              </a:ext>
-            </a:extLst>
-          </p:cNvPr>
-          <p:cNvSpPr>
-            <a:spLocks noGrp="1" noRot="1" noChangeAspect="1" noMove="1" noResize="1" noEditPoints="1" noAdjustHandles="1" noChangeArrowheads="1" noChangeShapeType="1" noTextEdit="1"/>
-          </p:cNvSpPr>
-          <p:nvPr>
-            <p:extLst>
-              <p:ext uri="{386F3935-93C4-4BCD-93E2-E3B085C9AB24}">
-                <p16:designElem xmlns:p16="http://schemas.microsoft.com/office/powerpoint/2015/main" val="1"/>
-              </p:ext>
-            </p:extLst>
-          </p:nvPr>
-        </p:nvSpPr>
-        <p:spPr bwMode="white">
-          <a:xfrm>
-            <a:off x="1507" y="4953000"/>
-            <a:ext cx="12188952" cy="1905000"/>
-          </a:xfrm>
-          <a:prstGeom prst="rect">
-            <a:avLst/>
-          </a:prstGeom>
-          <a:solidFill>
-            <a:srgbClr val="262626"/>
-          </a:solidFill>
-          <a:ln>
-            <a:noFill/>
-          </a:ln>
-        </p:spPr>
-        <p:style>
-          <a:lnRef idx="2">
-            <a:schemeClr val="accent1">
-              <a:shade val="50000"/>
-            </a:schemeClr>
-          </a:lnRef>
-          <a:fillRef idx="1">
-            <a:schemeClr val="accent1"/>
-          </a:fillRef>
-          <a:effectRef idx="0">
-            <a:schemeClr val="accent1"/>
-          </a:effectRef>
-          <a:fontRef idx="minor">
-            <a:schemeClr val="lt1"/>
-          </a:fontRef>
-        </p:style>
       </p:sp>
       <p:sp>
         <p:nvSpPr>
@@ -4262,94 +5658,796 @@
 </p:sld>
 </file>
 
+<file path=ppt/slides/slide3.xml><?xml version="1.0" encoding="utf-8"?>
+<p:sld xmlns:a="http://schemas.openxmlformats.org/drawingml/2006/main" xmlns:r="http://schemas.openxmlformats.org/officeDocument/2006/relationships" xmlns:p="http://schemas.openxmlformats.org/presentationml/2006/main">
+  <p:cSld>
+    <p:spTree>
+      <p:nvGrpSpPr>
+        <p:cNvPr id="1" name=""/>
+        <p:cNvGrpSpPr/>
+        <p:nvPr/>
+      </p:nvGrpSpPr>
+      <p:grpSpPr>
+        <a:xfrm>
+          <a:off x="0" y="0"/>
+          <a:ext cx="0" cy="0"/>
+          <a:chOff x="0" y="0"/>
+          <a:chExt cx="0" cy="0"/>
+        </a:xfrm>
+      </p:grpSpPr>
+      <p:sp>
+        <p:nvSpPr>
+          <p:cNvPr id="4" name="Title 3">
+            <a:extLst>
+              <a:ext uri="{FF2B5EF4-FFF2-40B4-BE49-F238E27FC236}">
+                <a16:creationId xmlns:a16="http://schemas.microsoft.com/office/drawing/2014/main" id="{B429621C-9298-3A5E-D1BD-6C1CA17FC382}"/>
+              </a:ext>
+            </a:extLst>
+          </p:cNvPr>
+          <p:cNvSpPr>
+            <a:spLocks noGrp="1"/>
+          </p:cNvSpPr>
+          <p:nvPr>
+            <p:ph type="title"/>
+          </p:nvPr>
+        </p:nvSpPr>
+        <p:spPr>
+          <a:xfrm>
+            <a:off x="5183188" y="184558"/>
+            <a:ext cx="6019800" cy="1802235"/>
+          </a:xfrm>
+        </p:spPr>
+        <p:txBody>
+          <a:bodyPr>
+            <a:normAutofit/>
+          </a:bodyPr>
+          <a:lstStyle/>
+          <a:p>
+            <a:r>
+              <a:rPr lang="en-US" sz="8000" dirty="0"/>
+              <a:t>Objectives</a:t>
+            </a:r>
+            <a:br>
+              <a:rPr lang="en-US" dirty="0"/>
+            </a:br>
+            <a:endParaRPr lang="en-US" dirty="0"/>
+          </a:p>
+        </p:txBody>
+      </p:sp>
+      <p:pic>
+        <p:nvPicPr>
+          <p:cNvPr id="10" name="Picture Placeholder 9">
+            <a:extLst>
+              <a:ext uri="{FF2B5EF4-FFF2-40B4-BE49-F238E27FC236}">
+                <a16:creationId xmlns:a16="http://schemas.microsoft.com/office/drawing/2014/main" id="{46CA6737-589B-EDAE-D132-4B0A8875E606}"/>
+              </a:ext>
+            </a:extLst>
+          </p:cNvPr>
+          <p:cNvPicPr>
+            <a:picLocks noGrp="1" noChangeAspect="1"/>
+          </p:cNvPicPr>
+          <p:nvPr>
+            <p:ph type="pic" idx="1"/>
+          </p:nvPr>
+        </p:nvPicPr>
+        <p:blipFill>
+          <a:blip r:embed="rId2">
+            <a:extLst>
+              <a:ext uri="{28A0092B-C50C-407E-A947-70E740481C1C}">
+                <a14:useLocalDpi xmlns:a14="http://schemas.microsoft.com/office/drawing/2010/main" val="0"/>
+              </a:ext>
+              <a:ext uri="{837473B0-CC2E-450A-ABE3-18F120FF3D39}">
+                <a1611:picAttrSrcUrl xmlns:a1611="http://schemas.microsoft.com/office/drawing/2016/11/main" r:id="rId3"/>
+              </a:ext>
+            </a:extLst>
+          </a:blip>
+          <a:srcRect l="26759" r="26759"/>
+          <a:stretch>
+            <a:fillRect/>
+          </a:stretch>
+        </p:blipFill>
+        <p:spPr>
+          <a:xfrm>
+            <a:off x="285227" y="694420"/>
+            <a:ext cx="4896374" cy="5645791"/>
+          </a:xfrm>
+        </p:spPr>
+      </p:pic>
+      <p:sp>
+        <p:nvSpPr>
+          <p:cNvPr id="8" name="Text Placeholder 7">
+            <a:extLst>
+              <a:ext uri="{FF2B5EF4-FFF2-40B4-BE49-F238E27FC236}">
+                <a16:creationId xmlns:a16="http://schemas.microsoft.com/office/drawing/2014/main" id="{0F7C8D59-A8B6-D543-D54D-0C8B3D0A1C90}"/>
+              </a:ext>
+            </a:extLst>
+          </p:cNvPr>
+          <p:cNvSpPr>
+            <a:spLocks noGrp="1"/>
+          </p:cNvSpPr>
+          <p:nvPr>
+            <p:ph type="body" sz="half" idx="2"/>
+          </p:nvPr>
+        </p:nvSpPr>
+        <p:spPr>
+          <a:xfrm>
+            <a:off x="5181600" y="1636163"/>
+            <a:ext cx="6021388" cy="2048933"/>
+          </a:xfrm>
+        </p:spPr>
+        <p:txBody>
+          <a:bodyPr/>
+          <a:lstStyle/>
+          <a:p>
+            <a:r>
+              <a:rPr lang="en-US" dirty="0"/>
+              <a:t>Our project incorporates historical data and consumer sentiment to provide future predictions of different asset classes in the American economy. We can the visualize these predictions as trends and use this information to make informed investment decisions. </a:t>
+            </a:r>
+          </a:p>
+          <a:p>
+            <a:endParaRPr lang="en-US" dirty="0"/>
+          </a:p>
+        </p:txBody>
+      </p:sp>
+    </p:spTree>
+    <p:extLst>
+      <p:ext uri="{BB962C8B-B14F-4D97-AF65-F5344CB8AC3E}">
+        <p14:creationId xmlns:p14="http://schemas.microsoft.com/office/powerpoint/2010/main" val="2543469183"/>
+      </p:ext>
+    </p:extLst>
+  </p:cSld>
+  <p:clrMapOvr>
+    <a:masterClrMapping/>
+  </p:clrMapOvr>
+</p:sld>
+</file>
+
+<file path=ppt/slides/slide4.xml><?xml version="1.0" encoding="utf-8"?>
+<p:sld xmlns:a="http://schemas.openxmlformats.org/drawingml/2006/main" xmlns:r="http://schemas.openxmlformats.org/officeDocument/2006/relationships" xmlns:p="http://schemas.openxmlformats.org/presentationml/2006/main">
+  <p:cSld>
+    <p:spTree>
+      <p:nvGrpSpPr>
+        <p:cNvPr id="1" name=""/>
+        <p:cNvGrpSpPr/>
+        <p:nvPr/>
+      </p:nvGrpSpPr>
+      <p:grpSpPr>
+        <a:xfrm>
+          <a:off x="0" y="0"/>
+          <a:ext cx="0" cy="0"/>
+          <a:chOff x="0" y="0"/>
+          <a:chExt cx="0" cy="0"/>
+        </a:xfrm>
+      </p:grpSpPr>
+      <p:sp>
+        <p:nvSpPr>
+          <p:cNvPr id="2" name="Title 1">
+            <a:extLst>
+              <a:ext uri="{FF2B5EF4-FFF2-40B4-BE49-F238E27FC236}">
+                <a16:creationId xmlns:a16="http://schemas.microsoft.com/office/drawing/2014/main" id="{8C62116C-81A7-D0B4-6C70-E55D3B0FEC30}"/>
+              </a:ext>
+            </a:extLst>
+          </p:cNvPr>
+          <p:cNvSpPr>
+            <a:spLocks noGrp="1"/>
+          </p:cNvSpPr>
+          <p:nvPr>
+            <p:ph type="title"/>
+          </p:nvPr>
+        </p:nvSpPr>
+        <p:spPr/>
+        <p:txBody>
+          <a:bodyPr>
+            <a:normAutofit fontScale="90000"/>
+          </a:bodyPr>
+          <a:lstStyle/>
+          <a:p>
+            <a:r>
+              <a:rPr lang="en-US" sz="8000" dirty="0"/>
+              <a:t>Concepts</a:t>
+            </a:r>
+            <a:br>
+              <a:rPr lang="en-US" dirty="0"/>
+            </a:br>
+            <a:endParaRPr lang="en-US" dirty="0"/>
+          </a:p>
+        </p:txBody>
+      </p:sp>
+      <p:sp>
+        <p:nvSpPr>
+          <p:cNvPr id="3" name="Content Placeholder 2">
+            <a:extLst>
+              <a:ext uri="{FF2B5EF4-FFF2-40B4-BE49-F238E27FC236}">
+                <a16:creationId xmlns:a16="http://schemas.microsoft.com/office/drawing/2014/main" id="{1FC5956B-D3D2-93E9-6CF7-40F0FFBE61FA}"/>
+              </a:ext>
+            </a:extLst>
+          </p:cNvPr>
+          <p:cNvSpPr>
+            <a:spLocks noGrp="1"/>
+          </p:cNvSpPr>
+          <p:nvPr>
+            <p:ph idx="1"/>
+          </p:nvPr>
+        </p:nvSpPr>
+        <p:spPr/>
+        <p:txBody>
+          <a:bodyPr/>
+          <a:lstStyle/>
+          <a:p>
+            <a:endParaRPr lang="en-US" dirty="0"/>
+          </a:p>
+        </p:txBody>
+      </p:sp>
+    </p:spTree>
+    <p:extLst>
+      <p:ext uri="{BB962C8B-B14F-4D97-AF65-F5344CB8AC3E}">
+        <p14:creationId xmlns:p14="http://schemas.microsoft.com/office/powerpoint/2010/main" val="2444729965"/>
+      </p:ext>
+    </p:extLst>
+  </p:cSld>
+  <p:clrMapOvr>
+    <a:masterClrMapping/>
+  </p:clrMapOvr>
+</p:sld>
+</file>
+
+<file path=ppt/slides/slide5.xml><?xml version="1.0" encoding="utf-8"?>
+<p:sld xmlns:a="http://schemas.openxmlformats.org/drawingml/2006/main" xmlns:r="http://schemas.openxmlformats.org/officeDocument/2006/relationships" xmlns:p="http://schemas.openxmlformats.org/presentationml/2006/main">
+  <p:cSld>
+    <p:spTree>
+      <p:nvGrpSpPr>
+        <p:cNvPr id="1" name=""/>
+        <p:cNvGrpSpPr/>
+        <p:nvPr/>
+      </p:nvGrpSpPr>
+      <p:grpSpPr>
+        <a:xfrm>
+          <a:off x="0" y="0"/>
+          <a:ext cx="0" cy="0"/>
+          <a:chOff x="0" y="0"/>
+          <a:chExt cx="0" cy="0"/>
+        </a:xfrm>
+      </p:grpSpPr>
+      <p:sp>
+        <p:nvSpPr>
+          <p:cNvPr id="4" name="Title 3">
+            <a:extLst>
+              <a:ext uri="{FF2B5EF4-FFF2-40B4-BE49-F238E27FC236}">
+                <a16:creationId xmlns:a16="http://schemas.microsoft.com/office/drawing/2014/main" id="{60493451-2A9C-4348-E40D-0FC582287E5A}"/>
+              </a:ext>
+            </a:extLst>
+          </p:cNvPr>
+          <p:cNvSpPr>
+            <a:spLocks noGrp="1"/>
+          </p:cNvSpPr>
+          <p:nvPr>
+            <p:ph type="title"/>
+          </p:nvPr>
+        </p:nvSpPr>
+        <p:spPr/>
+        <p:txBody>
+          <a:bodyPr>
+            <a:noAutofit/>
+          </a:bodyPr>
+          <a:lstStyle/>
+          <a:p>
+            <a:r>
+              <a:rPr lang="en-US" sz="7200" dirty="0"/>
+              <a:t>Data techniques</a:t>
+            </a:r>
+          </a:p>
+        </p:txBody>
+      </p:sp>
+      <p:sp>
+        <p:nvSpPr>
+          <p:cNvPr id="5" name="Picture Placeholder 4">
+            <a:extLst>
+              <a:ext uri="{FF2B5EF4-FFF2-40B4-BE49-F238E27FC236}">
+                <a16:creationId xmlns:a16="http://schemas.microsoft.com/office/drawing/2014/main" id="{9694EC14-FAF2-3DA8-B8E8-47920A351185}"/>
+              </a:ext>
+            </a:extLst>
+          </p:cNvPr>
+          <p:cNvSpPr>
+            <a:spLocks noGrp="1"/>
+          </p:cNvSpPr>
+          <p:nvPr>
+            <p:ph type="pic" idx="1"/>
+          </p:nvPr>
+        </p:nvSpPr>
+        <p:spPr/>
+      </p:sp>
+      <p:sp>
+        <p:nvSpPr>
+          <p:cNvPr id="6" name="Text Placeholder 5">
+            <a:extLst>
+              <a:ext uri="{FF2B5EF4-FFF2-40B4-BE49-F238E27FC236}">
+                <a16:creationId xmlns:a16="http://schemas.microsoft.com/office/drawing/2014/main" id="{7E730E87-9BA7-E262-AEA1-44B899E0DD8B}"/>
+              </a:ext>
+            </a:extLst>
+          </p:cNvPr>
+          <p:cNvSpPr>
+            <a:spLocks noGrp="1"/>
+          </p:cNvSpPr>
+          <p:nvPr>
+            <p:ph type="body" sz="half" idx="2"/>
+          </p:nvPr>
+        </p:nvSpPr>
+        <p:spPr/>
+        <p:txBody>
+          <a:bodyPr/>
+          <a:lstStyle/>
+          <a:p>
+            <a:endParaRPr lang="en-US"/>
+          </a:p>
+        </p:txBody>
+      </p:sp>
+    </p:spTree>
+    <p:extLst>
+      <p:ext uri="{BB962C8B-B14F-4D97-AF65-F5344CB8AC3E}">
+        <p14:creationId xmlns:p14="http://schemas.microsoft.com/office/powerpoint/2010/main" val="3014889725"/>
+      </p:ext>
+    </p:extLst>
+  </p:cSld>
+  <p:clrMapOvr>
+    <a:masterClrMapping/>
+  </p:clrMapOvr>
+</p:sld>
+</file>
+
+<file path=ppt/slides/slide6.xml><?xml version="1.0" encoding="utf-8"?>
+<p:sld xmlns:a="http://schemas.openxmlformats.org/drawingml/2006/main" xmlns:r="http://schemas.openxmlformats.org/officeDocument/2006/relationships" xmlns:p="http://schemas.openxmlformats.org/presentationml/2006/main">
+  <p:cSld>
+    <p:spTree>
+      <p:nvGrpSpPr>
+        <p:cNvPr id="1" name=""/>
+        <p:cNvGrpSpPr/>
+        <p:nvPr/>
+      </p:nvGrpSpPr>
+      <p:grpSpPr>
+        <a:xfrm>
+          <a:off x="0" y="0"/>
+          <a:ext cx="0" cy="0"/>
+          <a:chOff x="0" y="0"/>
+          <a:chExt cx="0" cy="0"/>
+        </a:xfrm>
+      </p:grpSpPr>
+      <p:sp>
+        <p:nvSpPr>
+          <p:cNvPr id="2" name="Title 1">
+            <a:extLst>
+              <a:ext uri="{FF2B5EF4-FFF2-40B4-BE49-F238E27FC236}">
+                <a16:creationId xmlns:a16="http://schemas.microsoft.com/office/drawing/2014/main" id="{E69C1021-C024-C0B0-ED8F-4FDBF3A78BB1}"/>
+              </a:ext>
+            </a:extLst>
+          </p:cNvPr>
+          <p:cNvSpPr>
+            <a:spLocks noGrp="1"/>
+          </p:cNvSpPr>
+          <p:nvPr>
+            <p:ph type="title"/>
+          </p:nvPr>
+        </p:nvSpPr>
+        <p:spPr>
+          <a:xfrm>
+            <a:off x="5183188" y="342900"/>
+            <a:ext cx="6019800" cy="1143000"/>
+          </a:xfrm>
+        </p:spPr>
+        <p:txBody>
+          <a:bodyPr>
+            <a:noAutofit/>
+          </a:bodyPr>
+          <a:lstStyle/>
+          <a:p>
+            <a:r>
+              <a:rPr lang="en-US" sz="8000" dirty="0"/>
+              <a:t>approach</a:t>
+            </a:r>
+          </a:p>
+        </p:txBody>
+      </p:sp>
+      <p:sp>
+        <p:nvSpPr>
+          <p:cNvPr id="3" name="Picture Placeholder 2">
+            <a:extLst>
+              <a:ext uri="{FF2B5EF4-FFF2-40B4-BE49-F238E27FC236}">
+                <a16:creationId xmlns:a16="http://schemas.microsoft.com/office/drawing/2014/main" id="{3AA19957-0542-5C1F-4453-67FD7881FCF4}"/>
+              </a:ext>
+            </a:extLst>
+          </p:cNvPr>
+          <p:cNvSpPr>
+            <a:spLocks noGrp="1"/>
+          </p:cNvSpPr>
+          <p:nvPr>
+            <p:ph type="pic" idx="1"/>
+          </p:nvPr>
+        </p:nvSpPr>
+        <p:spPr/>
+      </p:sp>
+      <p:sp>
+        <p:nvSpPr>
+          <p:cNvPr id="4" name="Text Placeholder 3">
+            <a:extLst>
+              <a:ext uri="{FF2B5EF4-FFF2-40B4-BE49-F238E27FC236}">
+                <a16:creationId xmlns:a16="http://schemas.microsoft.com/office/drawing/2014/main" id="{B85C4F21-7460-5857-8A38-769341B0DDC9}"/>
+              </a:ext>
+            </a:extLst>
+          </p:cNvPr>
+          <p:cNvSpPr>
+            <a:spLocks noGrp="1"/>
+          </p:cNvSpPr>
+          <p:nvPr>
+            <p:ph type="body" sz="half" idx="2"/>
+          </p:nvPr>
+        </p:nvSpPr>
+        <p:spPr/>
+        <p:txBody>
+          <a:bodyPr/>
+          <a:lstStyle/>
+          <a:p>
+            <a:endParaRPr lang="en-US" dirty="0"/>
+          </a:p>
+        </p:txBody>
+      </p:sp>
+    </p:spTree>
+    <p:extLst>
+      <p:ext uri="{BB962C8B-B14F-4D97-AF65-F5344CB8AC3E}">
+        <p14:creationId xmlns:p14="http://schemas.microsoft.com/office/powerpoint/2010/main" val="2994958676"/>
+      </p:ext>
+    </p:extLst>
+  </p:cSld>
+  <p:clrMapOvr>
+    <a:masterClrMapping/>
+  </p:clrMapOvr>
+</p:sld>
+</file>
+
+<file path=ppt/slides/slide7.xml><?xml version="1.0" encoding="utf-8"?>
+<p:sld xmlns:a="http://schemas.openxmlformats.org/drawingml/2006/main" xmlns:r="http://schemas.openxmlformats.org/officeDocument/2006/relationships" xmlns:p="http://schemas.openxmlformats.org/presentationml/2006/main">
+  <p:cSld>
+    <p:spTree>
+      <p:nvGrpSpPr>
+        <p:cNvPr id="1" name=""/>
+        <p:cNvGrpSpPr/>
+        <p:nvPr/>
+      </p:nvGrpSpPr>
+      <p:grpSpPr>
+        <a:xfrm>
+          <a:off x="0" y="0"/>
+          <a:ext cx="0" cy="0"/>
+          <a:chOff x="0" y="0"/>
+          <a:chExt cx="0" cy="0"/>
+        </a:xfrm>
+      </p:grpSpPr>
+      <p:sp>
+        <p:nvSpPr>
+          <p:cNvPr id="6" name="Title 5">
+            <a:extLst>
+              <a:ext uri="{FF2B5EF4-FFF2-40B4-BE49-F238E27FC236}">
+                <a16:creationId xmlns:a16="http://schemas.microsoft.com/office/drawing/2014/main" id="{8C1E23B9-ADF4-C9C9-F3D1-DC03245F2F6A}"/>
+              </a:ext>
+            </a:extLst>
+          </p:cNvPr>
+          <p:cNvSpPr>
+            <a:spLocks noGrp="1"/>
+          </p:cNvSpPr>
+          <p:nvPr>
+            <p:ph type="title"/>
+          </p:nvPr>
+        </p:nvSpPr>
+        <p:spPr/>
+        <p:txBody>
+          <a:bodyPr>
+            <a:normAutofit/>
+          </a:bodyPr>
+          <a:lstStyle/>
+          <a:p>
+            <a:r>
+              <a:rPr lang="en-US" sz="7200" dirty="0"/>
+              <a:t>demonstration</a:t>
+            </a:r>
+          </a:p>
+        </p:txBody>
+      </p:sp>
+      <p:sp>
+        <p:nvSpPr>
+          <p:cNvPr id="7" name="Picture Placeholder 6">
+            <a:extLst>
+              <a:ext uri="{FF2B5EF4-FFF2-40B4-BE49-F238E27FC236}">
+                <a16:creationId xmlns:a16="http://schemas.microsoft.com/office/drawing/2014/main" id="{3A8AD8F0-847F-34FD-464B-A8A06D1507B9}"/>
+              </a:ext>
+            </a:extLst>
+          </p:cNvPr>
+          <p:cNvSpPr>
+            <a:spLocks noGrp="1"/>
+          </p:cNvSpPr>
+          <p:nvPr>
+            <p:ph type="pic" idx="13"/>
+          </p:nvPr>
+        </p:nvSpPr>
+        <p:spPr/>
+      </p:sp>
+      <p:sp>
+        <p:nvSpPr>
+          <p:cNvPr id="8" name="Text Placeholder 7">
+            <a:extLst>
+              <a:ext uri="{FF2B5EF4-FFF2-40B4-BE49-F238E27FC236}">
+                <a16:creationId xmlns:a16="http://schemas.microsoft.com/office/drawing/2014/main" id="{445CAD0C-1CF5-9263-28DD-F84C28F4AACC}"/>
+              </a:ext>
+            </a:extLst>
+          </p:cNvPr>
+          <p:cNvSpPr>
+            <a:spLocks noGrp="1"/>
+          </p:cNvSpPr>
+          <p:nvPr>
+            <p:ph type="body" sz="quarter" idx="14"/>
+          </p:nvPr>
+        </p:nvSpPr>
+        <p:spPr/>
+        <p:txBody>
+          <a:bodyPr/>
+          <a:lstStyle/>
+          <a:p>
+            <a:endParaRPr lang="en-US"/>
+          </a:p>
+        </p:txBody>
+      </p:sp>
+    </p:spTree>
+    <p:extLst>
+      <p:ext uri="{BB962C8B-B14F-4D97-AF65-F5344CB8AC3E}">
+        <p14:creationId xmlns:p14="http://schemas.microsoft.com/office/powerpoint/2010/main" val="4159435374"/>
+      </p:ext>
+    </p:extLst>
+  </p:cSld>
+  <p:clrMapOvr>
+    <a:masterClrMapping/>
+  </p:clrMapOvr>
+</p:sld>
+</file>
+
+<file path=ppt/slides/slide8.xml><?xml version="1.0" encoding="utf-8"?>
+<p:sld xmlns:a="http://schemas.openxmlformats.org/drawingml/2006/main" xmlns:r="http://schemas.openxmlformats.org/officeDocument/2006/relationships" xmlns:p="http://schemas.openxmlformats.org/presentationml/2006/main">
+  <p:cSld>
+    <p:spTree>
+      <p:nvGrpSpPr>
+        <p:cNvPr id="1" name=""/>
+        <p:cNvGrpSpPr/>
+        <p:nvPr/>
+      </p:nvGrpSpPr>
+      <p:grpSpPr>
+        <a:xfrm>
+          <a:off x="0" y="0"/>
+          <a:ext cx="0" cy="0"/>
+          <a:chOff x="0" y="0"/>
+          <a:chExt cx="0" cy="0"/>
+        </a:xfrm>
+      </p:grpSpPr>
+      <p:sp>
+        <p:nvSpPr>
+          <p:cNvPr id="5" name="Title 4">
+            <a:extLst>
+              <a:ext uri="{FF2B5EF4-FFF2-40B4-BE49-F238E27FC236}">
+                <a16:creationId xmlns:a16="http://schemas.microsoft.com/office/drawing/2014/main" id="{AF8D98F1-138E-291C-EBFD-6DF2EB1BC4A1}"/>
+              </a:ext>
+            </a:extLst>
+          </p:cNvPr>
+          <p:cNvSpPr>
+            <a:spLocks noGrp="1"/>
+          </p:cNvSpPr>
+          <p:nvPr>
+            <p:ph type="title"/>
+          </p:nvPr>
+        </p:nvSpPr>
+        <p:spPr>
+          <a:xfrm>
+            <a:off x="273150" y="-921158"/>
+            <a:ext cx="8534401" cy="2281600"/>
+          </a:xfrm>
+        </p:spPr>
+        <p:txBody>
+          <a:bodyPr>
+            <a:normAutofit/>
+          </a:bodyPr>
+          <a:lstStyle/>
+          <a:p>
+            <a:r>
+              <a:rPr lang="en-US" sz="8000" dirty="0"/>
+              <a:t>Next steps</a:t>
+            </a:r>
+          </a:p>
+        </p:txBody>
+      </p:sp>
+      <p:sp>
+        <p:nvSpPr>
+          <p:cNvPr id="6" name="Text Placeholder 5">
+            <a:extLst>
+              <a:ext uri="{FF2B5EF4-FFF2-40B4-BE49-F238E27FC236}">
+                <a16:creationId xmlns:a16="http://schemas.microsoft.com/office/drawing/2014/main" id="{3C79CB0F-16C9-58E7-9B08-2191665BF51D}"/>
+              </a:ext>
+            </a:extLst>
+          </p:cNvPr>
+          <p:cNvSpPr>
+            <a:spLocks noGrp="1"/>
+          </p:cNvSpPr>
+          <p:nvPr>
+            <p:ph type="body" idx="1"/>
+          </p:nvPr>
+        </p:nvSpPr>
+        <p:spPr>
+          <a:xfrm>
+            <a:off x="411061" y="1360442"/>
+            <a:ext cx="8807552" cy="4633958"/>
+          </a:xfrm>
+        </p:spPr>
+        <p:txBody>
+          <a:bodyPr/>
+          <a:lstStyle/>
+          <a:p>
+            <a:endParaRPr lang="en-US" dirty="0"/>
+          </a:p>
+        </p:txBody>
+      </p:sp>
+    </p:spTree>
+    <p:extLst>
+      <p:ext uri="{BB962C8B-B14F-4D97-AF65-F5344CB8AC3E}">
+        <p14:creationId xmlns:p14="http://schemas.microsoft.com/office/powerpoint/2010/main" val="1420096320"/>
+      </p:ext>
+    </p:extLst>
+  </p:cSld>
+  <p:clrMapOvr>
+    <a:masterClrMapping/>
+  </p:clrMapOvr>
+</p:sld>
+</file>
+
+<file path=ppt/slides/slide9.xml><?xml version="1.0" encoding="utf-8"?>
+<p:sld xmlns:a="http://schemas.openxmlformats.org/drawingml/2006/main" xmlns:r="http://schemas.openxmlformats.org/officeDocument/2006/relationships" xmlns:p="http://schemas.openxmlformats.org/presentationml/2006/main">
+  <p:cSld>
+    <p:spTree>
+      <p:nvGrpSpPr>
+        <p:cNvPr id="1" name=""/>
+        <p:cNvGrpSpPr/>
+        <p:nvPr/>
+      </p:nvGrpSpPr>
+      <p:grpSpPr>
+        <a:xfrm>
+          <a:off x="0" y="0"/>
+          <a:ext cx="0" cy="0"/>
+          <a:chOff x="0" y="0"/>
+          <a:chExt cx="0" cy="0"/>
+        </a:xfrm>
+      </p:grpSpPr>
+      <p:sp>
+        <p:nvSpPr>
+          <p:cNvPr id="2" name="Title 1">
+            <a:extLst>
+              <a:ext uri="{FF2B5EF4-FFF2-40B4-BE49-F238E27FC236}">
+                <a16:creationId xmlns:a16="http://schemas.microsoft.com/office/drawing/2014/main" id="{724645C4-74DD-80DF-0A1C-BFC01C3A3B8F}"/>
+              </a:ext>
+            </a:extLst>
+          </p:cNvPr>
+          <p:cNvSpPr>
+            <a:spLocks noGrp="1"/>
+          </p:cNvSpPr>
+          <p:nvPr>
+            <p:ph type="title"/>
+          </p:nvPr>
+        </p:nvSpPr>
+        <p:spPr>
+          <a:xfrm>
+            <a:off x="407374" y="-912768"/>
+            <a:ext cx="8534401" cy="2281600"/>
+          </a:xfrm>
+        </p:spPr>
+        <p:txBody>
+          <a:bodyPr>
+            <a:normAutofit/>
+          </a:bodyPr>
+          <a:lstStyle/>
+          <a:p>
+            <a:r>
+              <a:rPr lang="en-US" sz="8000" dirty="0"/>
+              <a:t>Links</a:t>
+            </a:r>
+          </a:p>
+        </p:txBody>
+      </p:sp>
+      <p:sp>
+        <p:nvSpPr>
+          <p:cNvPr id="3" name="Text Placeholder 2">
+            <a:extLst>
+              <a:ext uri="{FF2B5EF4-FFF2-40B4-BE49-F238E27FC236}">
+                <a16:creationId xmlns:a16="http://schemas.microsoft.com/office/drawing/2014/main" id="{01595424-7B2A-D2A2-1CD9-A0F5F0608632}"/>
+              </a:ext>
+            </a:extLst>
+          </p:cNvPr>
+          <p:cNvSpPr>
+            <a:spLocks noGrp="1"/>
+          </p:cNvSpPr>
+          <p:nvPr>
+            <p:ph type="body" idx="1"/>
+          </p:nvPr>
+        </p:nvSpPr>
+        <p:spPr>
+          <a:xfrm>
+            <a:off x="692602" y="1368832"/>
+            <a:ext cx="8534400" cy="4625568"/>
+          </a:xfrm>
+        </p:spPr>
+        <p:txBody>
+          <a:bodyPr/>
+          <a:lstStyle/>
+          <a:p>
+            <a:endParaRPr lang="en-US" dirty="0"/>
+          </a:p>
+        </p:txBody>
+      </p:sp>
+    </p:spTree>
+    <p:extLst>
+      <p:ext uri="{BB962C8B-B14F-4D97-AF65-F5344CB8AC3E}">
+        <p14:creationId xmlns:p14="http://schemas.microsoft.com/office/powerpoint/2010/main" val="200407346"/>
+      </p:ext>
+    </p:extLst>
+  </p:cSld>
+  <p:clrMapOvr>
+    <a:masterClrMapping/>
+  </p:clrMapOvr>
+</p:sld>
+</file>
+
 <file path=ppt/theme/theme1.xml><?xml version="1.0" encoding="utf-8"?>
-<a:theme xmlns:a="http://schemas.openxmlformats.org/drawingml/2006/main" name="1_RetrospectVTI">
+<a:theme xmlns:a="http://schemas.openxmlformats.org/drawingml/2006/main" name="Slice">
   <a:themeElements>
-    <a:clrScheme name="Custom 37">
+    <a:clrScheme name="Slice">
       <a:dk1>
-        <a:srgbClr val="000000"/>
+        <a:sysClr val="windowText" lastClr="000000"/>
       </a:dk1>
       <a:lt1>
-        <a:srgbClr val="FFFFFF"/>
+        <a:sysClr val="window" lastClr="FFFFFF"/>
       </a:lt1>
       <a:dk2>
-        <a:srgbClr val="4A5356"/>
+        <a:srgbClr val="146194"/>
       </a:dk2>
       <a:lt2>
-        <a:srgbClr val="E8E3CE"/>
+        <a:srgbClr val="76DBF4"/>
       </a:lt2>
       <a:accent1>
-        <a:srgbClr val="9BA8B7"/>
+        <a:srgbClr val="052F61"/>
       </a:accent1>
       <a:accent2>
-        <a:srgbClr val="E6A02E"/>
+        <a:srgbClr val="A50E82"/>
       </a:accent2>
       <a:accent3>
-        <a:srgbClr val="BF6A3B"/>
+        <a:srgbClr val="14967C"/>
       </a:accent3>
       <a:accent4>
-        <a:srgbClr val="92987A"/>
+        <a:srgbClr val="6A9E1F"/>
       </a:accent4>
       <a:accent5>
-        <a:srgbClr val="857659"/>
+        <a:srgbClr val="E87D37"/>
       </a:accent5>
       <a:accent6>
-        <a:srgbClr val="A0988C"/>
+        <a:srgbClr val="C62324"/>
       </a:accent6>
       <a:hlink>
-        <a:srgbClr val="00B0F0"/>
+        <a:srgbClr val="0D2E46"/>
       </a:hlink>
       <a:folHlink>
-        <a:srgbClr val="738F97"/>
+        <a:srgbClr val="356A95"/>
       </a:folHlink>
     </a:clrScheme>
-    <a:fontScheme name="Retrospect">
+    <a:fontScheme name="Slice">
       <a:majorFont>
-        <a:latin typeface="Bookman Old Style" panose="020F0302020204030204"/>
+        <a:latin typeface="Century Gothic" panose="020B0502020202020204"/>
         <a:ea typeface=""/>
         <a:cs typeface=""/>
-        <a:font script="Jpan" typeface="ＭＳ Ｐゴシック"/>
-        <a:font script="Hang" typeface="맑은 고딕"/>
-        <a:font script="Hans" typeface="宋体"/>
-        <a:font script="Hant" typeface="新細明體"/>
-        <a:font script="Arab" typeface="Times New Roman"/>
-        <a:font script="Hebr" typeface="Times New Roman"/>
-        <a:font script="Thai" typeface="Angsana New"/>
-        <a:font script="Ethi" typeface="Nyala"/>
-        <a:font script="Beng" typeface="Vrinda"/>
-        <a:font script="Gujr" typeface="Shruti"/>
-        <a:font script="Khmr" typeface="MoolBoran"/>
-        <a:font script="Knda" typeface="Tunga"/>
-        <a:font script="Guru" typeface="Raavi"/>
-        <a:font script="Cans" typeface="Euphemia"/>
-        <a:font script="Cher" typeface="Plantagenet Cherokee"/>
-        <a:font script="Yiii" typeface="Microsoft Yi Baiti"/>
-        <a:font script="Tibt" typeface="Microsoft Himalaya"/>
-        <a:font script="Thaa" typeface="MV Boli"/>
-        <a:font script="Deva" typeface="Mangal"/>
-        <a:font script="Telu" typeface="Gautami"/>
-        <a:font script="Taml" typeface="Latha"/>
-        <a:font script="Syrc" typeface="Estrangelo Edessa"/>
-        <a:font script="Orya" typeface="Kalinga"/>
-        <a:font script="Mlym" typeface="Kartika"/>
-        <a:font script="Laoo" typeface="DokChampa"/>
-        <a:font script="Sinh" typeface="Iskoola Pota"/>
-        <a:font script="Mong" typeface="Mongolian Baiti"/>
-        <a:font script="Viet" typeface="Times New Roman"/>
-        <a:font script="Uigh" typeface="Microsoft Uighur"/>
-        <a:font script="Geor" typeface="Sylfaen"/>
-      </a:majorFont>
-      <a:minorFont>
-        <a:latin typeface="Franklin Gothic Book" panose="020F0502020204030204"/>
-        <a:ea typeface=""/>
-        <a:cs typeface=""/>
-        <a:font script="Jpan" typeface="ＭＳ Ｐゴシック"/>
-        <a:font script="Hang" typeface="맑은 고딕"/>
-        <a:font script="Hans" typeface="宋体"/>
-        <a:font script="Hant" typeface="新細明體"/>
-        <a:font script="Arab" typeface="Arial"/>
-        <a:font script="Hebr" typeface="Arial"/>
-        <a:font script="Thai" typeface="Cordia New"/>
+        <a:font script="Jpan" typeface="メイリオ"/>
+        <a:font script="Hang" typeface="HY중고딕"/>
+        <a:font script="Hans" typeface="幼圆"/>
+        <a:font script="Hant" typeface="微軟正黑體"/>
+        <a:font script="Arab" typeface="Tahoma"/>
+        <a:font script="Hebr" typeface="Gisha"/>
+        <a:font script="Thai" typeface="DilleniaUPC"/>
         <a:font script="Ethi" typeface="Nyala"/>
         <a:font script="Beng" typeface="Vrinda"/>
         <a:font script="Gujr" typeface="Shruti"/>
@@ -4370,12 +6468,47 @@
         <a:font script="Laoo" typeface="DokChampa"/>
         <a:font script="Sinh" typeface="Iskoola Pota"/>
         <a:font script="Mong" typeface="Mongolian Baiti"/>
-        <a:font script="Viet" typeface="Arial"/>
+        <a:font script="Viet" typeface="Tahoma"/>
+        <a:font script="Uigh" typeface="Microsoft Uighur"/>
+        <a:font script="Geor" typeface="Sylfaen"/>
+      </a:majorFont>
+      <a:minorFont>
+        <a:latin typeface="Century Gothic" panose="020B0502020202020204"/>
+        <a:ea typeface=""/>
+        <a:cs typeface=""/>
+        <a:font script="Jpan" typeface="メイリオ"/>
+        <a:font script="Hang" typeface="HY중고딕"/>
+        <a:font script="Hans" typeface="幼圆"/>
+        <a:font script="Hant" typeface="微軟正黑體"/>
+        <a:font script="Arab" typeface="Tahoma"/>
+        <a:font script="Hebr" typeface="Gisha"/>
+        <a:font script="Thai" typeface="DilleniaUPC"/>
+        <a:font script="Ethi" typeface="Nyala"/>
+        <a:font script="Beng" typeface="Vrinda"/>
+        <a:font script="Gujr" typeface="Shruti"/>
+        <a:font script="Khmr" typeface="DaunPenh"/>
+        <a:font script="Knda" typeface="Tunga"/>
+        <a:font script="Guru" typeface="Raavi"/>
+        <a:font script="Cans" typeface="Euphemia"/>
+        <a:font script="Cher" typeface="Plantagenet Cherokee"/>
+        <a:font script="Yiii" typeface="Microsoft Yi Baiti"/>
+        <a:font script="Tibt" typeface="Microsoft Himalaya"/>
+        <a:font script="Thaa" typeface="MV Boli"/>
+        <a:font script="Deva" typeface="Mangal"/>
+        <a:font script="Telu" typeface="Gautami"/>
+        <a:font script="Taml" typeface="Latha"/>
+        <a:font script="Syrc" typeface="Estrangelo Edessa"/>
+        <a:font script="Orya" typeface="Kalinga"/>
+        <a:font script="Mlym" typeface="Kartika"/>
+        <a:font script="Laoo" typeface="DokChampa"/>
+        <a:font script="Sinh" typeface="Iskoola Pota"/>
+        <a:font script="Mong" typeface="Mongolian Baiti"/>
+        <a:font script="Viet" typeface="Tahoma"/>
         <a:font script="Uigh" typeface="Microsoft Uighur"/>
         <a:font script="Geor" typeface="Sylfaen"/>
       </a:minorFont>
     </a:fontScheme>
-    <a:fmtScheme name="Retrospect">
+    <a:fmtScheme name="Slice">
       <a:fillStyleLst>
         <a:solidFill>
           <a:schemeClr val="phClr"/>
@@ -4384,77 +6517,61 @@
           <a:gsLst>
             <a:gs pos="0">
               <a:schemeClr val="phClr">
-                <a:tint val="65000"/>
-                <a:shade val="92000"/>
-                <a:satMod val="130000"/>
-              </a:schemeClr>
-            </a:gs>
-            <a:gs pos="45000">
-              <a:schemeClr val="phClr">
-                <a:tint val="60000"/>
-                <a:shade val="99000"/>
-                <a:satMod val="120000"/>
+                <a:tint val="62000"/>
+                <a:hueMod val="94000"/>
+                <a:satMod val="140000"/>
+                <a:lumMod val="110000"/>
               </a:schemeClr>
             </a:gs>
             <a:gs pos="100000">
               <a:schemeClr val="phClr">
-                <a:tint val="55000"/>
-                <a:satMod val="140000"/>
+                <a:tint val="84000"/>
+                <a:satMod val="160000"/>
               </a:schemeClr>
             </a:gs>
           </a:gsLst>
-          <a:path path="circle">
-            <a:fillToRect l="100000" t="100000" r="100000" b="100000"/>
-          </a:path>
+          <a:lin ang="5400000" scaled="0"/>
         </a:gradFill>
         <a:gradFill rotWithShape="1">
           <a:gsLst>
             <a:gs pos="0">
               <a:schemeClr val="phClr">
-                <a:shade val="85000"/>
+                <a:tint val="98000"/>
+                <a:hueMod val="94000"/>
                 <a:satMod val="130000"/>
-              </a:schemeClr>
-            </a:gs>
-            <a:gs pos="34000">
-              <a:schemeClr val="phClr">
-                <a:shade val="87000"/>
-                <a:satMod val="125000"/>
-              </a:schemeClr>
-            </a:gs>
-            <a:gs pos="70000">
-              <a:schemeClr val="phClr">
-                <a:tint val="100000"/>
-                <a:shade val="90000"/>
-                <a:satMod val="130000"/>
+                <a:lumMod val="128000"/>
               </a:schemeClr>
             </a:gs>
             <a:gs pos="100000">
               <a:schemeClr val="phClr">
-                <a:tint val="100000"/>
-                <a:shade val="100000"/>
-                <a:satMod val="110000"/>
+                <a:shade val="94000"/>
+                <a:lumMod val="88000"/>
               </a:schemeClr>
             </a:gs>
           </a:gsLst>
-          <a:path path="circle">
-            <a:fillToRect l="100000" t="100000" r="100000" b="100000"/>
-          </a:path>
+          <a:lin ang="5400000" scaled="0"/>
         </a:gradFill>
       </a:fillStyleLst>
       <a:lnStyleLst>
-        <a:ln w="12700" cap="flat" cmpd="sng" algn="ctr">
+        <a:ln w="9525" cap="rnd" cmpd="sng" algn="ctr">
           <a:solidFill>
-            <a:schemeClr val="phClr"/>
+            <a:schemeClr val="phClr">
+              <a:tint val="76000"/>
+              <a:alpha val="60000"/>
+              <a:hueMod val="94000"/>
+            </a:schemeClr>
           </a:solidFill>
           <a:prstDash val="solid"/>
         </a:ln>
-        <a:ln w="15875" cap="flat" cmpd="sng" algn="ctr">
+        <a:ln w="15875" cap="rnd" cmpd="sng" algn="ctr">
           <a:solidFill>
-            <a:schemeClr val="phClr"/>
+            <a:schemeClr val="phClr">
+              <a:hueMod val="94000"/>
+            </a:schemeClr>
           </a:solidFill>
           <a:prstDash val="solid"/>
         </a:ln>
-        <a:ln w="25400" cap="flat" cmpd="sng" algn="ctr">
+        <a:ln w="28575" cap="rnd" cmpd="sng" algn="ctr">
           <a:solidFill>
             <a:schemeClr val="phClr"/>
           </a:solidFill>
@@ -4467,18 +6584,18 @@
         </a:effectStyle>
         <a:effectStyle>
           <a:effectLst>
-            <a:outerShdw blurRad="38100" dist="25400" dir="2700000" algn="br" rotWithShape="0">
+            <a:innerShdw blurRad="25400" dist="12700" dir="13500000">
               <a:srgbClr val="000000">
-                <a:alpha val="60000"/>
+                <a:alpha val="45000"/>
               </a:srgbClr>
-            </a:outerShdw>
+            </a:innerShdw>
           </a:effectLst>
         </a:effectStyle>
         <a:effectStyle>
           <a:effectLst>
-            <a:outerShdw blurRad="44450" dist="25400" dir="2700000" algn="br" rotWithShape="0">
+            <a:outerShdw blurRad="50800" dist="38100" dir="5400000" rotWithShape="0">
               <a:srgbClr val="000000">
-                <a:alpha val="60000"/>
+                <a:alpha val="46000"/>
               </a:srgbClr>
             </a:outerShdw>
           </a:effectLst>
@@ -4486,12 +6603,10 @@
             <a:camera prst="orthographicFront">
               <a:rot lat="0" lon="0" rev="0"/>
             </a:camera>
-            <a:lightRig rig="threePt" dir="t">
-              <a:rot lat="0" lon="0" rev="19800000"/>
-            </a:lightRig>
+            <a:lightRig rig="threePt" dir="t"/>
           </a:scene3d>
-          <a:sp3d prstMaterial="flat">
-            <a:bevelT w="25400" h="31750"/>
+          <a:sp3d prstMaterial="plastic">
+            <a:bevelT w="25400" h="25400"/>
           </a:sp3d>
         </a:effectStyle>
       </a:effectStyleLst>
@@ -4499,38 +6614,47 @@
         <a:solidFill>
           <a:schemeClr val="phClr"/>
         </a:solidFill>
-        <a:solidFill>
-          <a:schemeClr val="phClr">
-            <a:tint val="90000"/>
-            <a:shade val="97000"/>
-            <a:satMod val="130000"/>
-          </a:schemeClr>
-        </a:solidFill>
+        <a:gradFill rotWithShape="1">
+          <a:gsLst>
+            <a:gs pos="10000">
+              <a:schemeClr val="phClr">
+                <a:tint val="97000"/>
+                <a:hueMod val="92000"/>
+                <a:satMod val="169000"/>
+                <a:lumMod val="164000"/>
+              </a:schemeClr>
+            </a:gs>
+            <a:gs pos="100000">
+              <a:schemeClr val="phClr">
+                <a:shade val="96000"/>
+                <a:satMod val="120000"/>
+                <a:lumMod val="90000"/>
+              </a:schemeClr>
+            </a:gs>
+          </a:gsLst>
+          <a:lin ang="6120000" scaled="1"/>
+        </a:gradFill>
         <a:gradFill rotWithShape="1">
           <a:gsLst>
             <a:gs pos="0">
               <a:schemeClr val="phClr">
-                <a:tint val="96000"/>
-                <a:shade val="99000"/>
-                <a:satMod val="140000"/>
-              </a:schemeClr>
-            </a:gs>
-            <a:gs pos="65000">
-              <a:schemeClr val="phClr">
-                <a:tint val="100000"/>
-                <a:shade val="80000"/>
-                <a:satMod val="130000"/>
+                <a:tint val="97000"/>
+                <a:hueMod val="92000"/>
+                <a:satMod val="169000"/>
+                <a:lumMod val="164000"/>
               </a:schemeClr>
             </a:gs>
             <a:gs pos="100000">
               <a:schemeClr val="phClr">
-                <a:tint val="100000"/>
-                <a:shade val="48000"/>
+                <a:shade val="96000"/>
                 <a:satMod val="120000"/>
+                <a:lumMod val="90000"/>
               </a:schemeClr>
             </a:gs>
           </a:gsLst>
-          <a:lin ang="16200000" scaled="0"/>
+          <a:path path="circle">
+            <a:fillToRect b="100000"/>
+          </a:path>
         </a:gradFill>
       </a:bgFillStyleLst>
     </a:fmtScheme>
@@ -4539,7 +6663,7 @@
   <a:extraClrSchemeLst/>
   <a:extLst>
     <a:ext uri="{05A4C25C-085E-4340-85A3-A5531E510DB2}">
-      <thm15:themeFamily xmlns:thm15="http://schemas.microsoft.com/office/thememl/2012/main" name="TWO.pptx" id="{769520F8-BFE5-4C8C-A7AA-375C025A91CE}" vid="{AEAFD717-D3C8-4034-8F7E-D5220B0CCEB8}"/>
+      <thm15:themeFamily xmlns:thm15="http://schemas.microsoft.com/office/thememl/2012/main" name="Slice" id="{0507925B-6AC9-4358-8E18-C330545D08F8}" vid="{13FEC7C6-62A9-40C4-99D2-581AACACAA2F}"/>
     </a:ext>
   </a:extLst>
 </a:theme>

--- a/Gerald/Oracle of Nonsense.pptx
+++ b/Gerald/Oracle of Nonsense.pptx
@@ -5781,7 +5781,7 @@
           <a:p>
             <a:r>
               <a:rPr lang="en-US" dirty="0"/>
-              <a:t>Our project incorporates historical data and consumer sentiment to provide future predictions of different asset classes in the American economy. We can the visualize these predictions as trends and use this information to make informed investment decisions. </a:t>
+              <a:t>Our project incorporates historical data and consumer sentiment to provide future predictions of different asset classes in the American economy. We can then visualize these predictions as trends and use this information to make informed investment decisions. </a:t>
             </a:r>
           </a:p>
           <a:p>
@@ -5835,7 +5835,12 @@
             <p:ph type="title"/>
           </p:nvPr>
         </p:nvSpPr>
-        <p:spPr/>
+        <p:spPr>
+          <a:xfrm>
+            <a:off x="457709" y="2656441"/>
+            <a:ext cx="8534400" cy="1507067"/>
+          </a:xfrm>
+        </p:spPr>
         <p:txBody>
           <a:bodyPr>
             <a:normAutofit fontScale="90000"/>
@@ -5869,12 +5874,107 @@
             <p:ph idx="1"/>
           </p:nvPr>
         </p:nvSpPr>
-        <p:spPr/>
+        <p:spPr>
+          <a:xfrm>
+            <a:off x="323485" y="-522215"/>
+            <a:ext cx="8534400" cy="3615267"/>
+          </a:xfrm>
+        </p:spPr>
         <p:txBody>
           <a:bodyPr/>
           <a:lstStyle/>
           <a:p>
-            <a:endParaRPr lang="en-US" dirty="0"/>
+            <a:r>
+              <a:rPr lang="en-US" dirty="0"/>
+              <a:t>By incorporating machine learning and analyst sentiments as data inputs into our machine learning algorithm, we then to trained and tested our model based on historical data. From the model training and testing, we can then run our model to receive a prediction. Using data visualization, we can show and explain our results to stakeholders and others who would be interested in our predictions. </a:t>
+            </a:r>
+          </a:p>
+        </p:txBody>
+      </p:sp>
+      <p:pic>
+        <p:nvPicPr>
+          <p:cNvPr id="5" name="Picture 4">
+            <a:extLst>
+              <a:ext uri="{FF2B5EF4-FFF2-40B4-BE49-F238E27FC236}">
+                <a16:creationId xmlns:a16="http://schemas.microsoft.com/office/drawing/2014/main" id="{EBD4C394-6462-FE57-595A-DA4F050C8B79}"/>
+              </a:ext>
+            </a:extLst>
+          </p:cNvPr>
+          <p:cNvPicPr>
+            <a:picLocks noChangeAspect="1"/>
+          </p:cNvPicPr>
+          <p:nvPr/>
+        </p:nvPicPr>
+        <p:blipFill>
+          <a:blip r:embed="rId2">
+            <a:extLst>
+              <a:ext uri="{28A0092B-C50C-407E-A947-70E740481C1C}">
+                <a14:useLocalDpi xmlns:a14="http://schemas.microsoft.com/office/drawing/2010/main" val="0"/>
+              </a:ext>
+              <a:ext uri="{837473B0-CC2E-450A-ABE3-18F120FF3D39}">
+                <a1611:picAttrSrcUrl xmlns:a1611="http://schemas.microsoft.com/office/drawing/2016/11/main" r:id="rId3"/>
+              </a:ext>
+            </a:extLst>
+          </a:blip>
+          <a:stretch>
+            <a:fillRect/>
+          </a:stretch>
+        </p:blipFill>
+        <p:spPr>
+          <a:xfrm>
+            <a:off x="696287" y="3882005"/>
+            <a:ext cx="10578518" cy="2493343"/>
+          </a:xfrm>
+          <a:prstGeom prst="rect">
+            <a:avLst/>
+          </a:prstGeom>
+        </p:spPr>
+      </p:pic>
+      <p:sp>
+        <p:nvSpPr>
+          <p:cNvPr id="6" name="TextBox 5">
+            <a:extLst>
+              <a:ext uri="{FF2B5EF4-FFF2-40B4-BE49-F238E27FC236}">
+                <a16:creationId xmlns:a16="http://schemas.microsoft.com/office/drawing/2014/main" id="{7C344071-D724-1B59-0731-BB6C333352D1}"/>
+              </a:ext>
+            </a:extLst>
+          </p:cNvPr>
+          <p:cNvSpPr txBox="1"/>
+          <p:nvPr/>
+        </p:nvSpPr>
+        <p:spPr>
+          <a:xfrm>
+            <a:off x="5931017" y="5941368"/>
+            <a:ext cx="5008227" cy="230832"/>
+          </a:xfrm>
+          <a:prstGeom prst="rect">
+            <a:avLst/>
+          </a:prstGeom>
+          <a:noFill/>
+        </p:spPr>
+        <p:txBody>
+          <a:bodyPr wrap="square" rtlCol="0">
+            <a:spAutoFit/>
+          </a:bodyPr>
+          <a:lstStyle/>
+          <a:p>
+            <a:r>
+              <a:rPr lang="en-US" sz="900">
+                <a:hlinkClick r:id="rId3" tooltip="https://fpf.org/2018/10/18/fpf-release-the-privacy-experts-guide-to-ai-and-machine-learning/"/>
+              </a:rPr>
+              <a:t>This Photo</a:t>
+            </a:r>
+            <a:r>
+              <a:rPr lang="en-US" sz="900"/>
+              <a:t> by Unknown Author is licensed under </a:t>
+            </a:r>
+            <a:r>
+              <a:rPr lang="en-US" sz="900">
+                <a:hlinkClick r:id="rId4" tooltip="https://creativecommons.org/licenses/by/3.0/"/>
+              </a:rPr>
+              <a:t>CC BY</a:t>
+            </a:r>
+            <a:endParaRPr lang="en-US" sz="900"/>
           </a:p>
         </p:txBody>
       </p:sp>
@@ -5924,7 +6024,12 @@
             <p:ph type="title"/>
           </p:nvPr>
         </p:nvSpPr>
-        <p:spPr/>
+        <p:spPr>
+          <a:xfrm>
+            <a:off x="227900" y="5436298"/>
+            <a:ext cx="6019800" cy="1143000"/>
+          </a:xfrm>
+        </p:spPr>
         <p:txBody>
           <a:bodyPr>
             <a:noAutofit/>
@@ -5938,24 +6043,45 @@
           </a:p>
         </p:txBody>
       </p:sp>
-      <p:sp>
-        <p:nvSpPr>
-          <p:cNvPr id="5" name="Picture Placeholder 4">
+      <p:pic>
+        <p:nvPicPr>
+          <p:cNvPr id="8" name="Picture Placeholder 7">
             <a:extLst>
               <a:ext uri="{FF2B5EF4-FFF2-40B4-BE49-F238E27FC236}">
-                <a16:creationId xmlns:a16="http://schemas.microsoft.com/office/drawing/2014/main" id="{9694EC14-FAF2-3DA8-B8E8-47920A351185}"/>
+                <a16:creationId xmlns:a16="http://schemas.microsoft.com/office/drawing/2014/main" id="{26BC5BC2-A227-D2BD-6864-6E40DDE76E33}"/>
               </a:ext>
             </a:extLst>
           </p:cNvPr>
-          <p:cNvSpPr>
-            <a:spLocks noGrp="1"/>
-          </p:cNvSpPr>
+          <p:cNvPicPr>
+            <a:picLocks noGrp="1" noChangeAspect="1"/>
+          </p:cNvPicPr>
           <p:nvPr>
             <p:ph type="pic" idx="1"/>
           </p:nvPr>
-        </p:nvSpPr>
-        <p:spPr/>
-      </p:sp>
+        </p:nvPicPr>
+        <p:blipFill>
+          <a:blip r:embed="rId2">
+            <a:extLst>
+              <a:ext uri="{28A0092B-C50C-407E-A947-70E740481C1C}">
+                <a14:useLocalDpi xmlns:a14="http://schemas.microsoft.com/office/drawing/2010/main" val="0"/>
+              </a:ext>
+              <a:ext uri="{837473B0-CC2E-450A-ABE3-18F120FF3D39}">
+                <a1611:picAttrSrcUrl xmlns:a1611="http://schemas.microsoft.com/office/drawing/2016/11/main" r:id="rId3"/>
+              </a:ext>
+            </a:extLst>
+          </a:blip>
+          <a:srcRect l="23086" r="23086"/>
+          <a:stretch>
+            <a:fillRect/>
+          </a:stretch>
+        </p:blipFill>
+        <p:spPr>
+          <a:xfrm>
+            <a:off x="7172588" y="216912"/>
+            <a:ext cx="4630476" cy="6484322"/>
+          </a:xfrm>
+        </p:spPr>
+      </p:pic>
       <p:sp>
         <p:nvSpPr>
           <p:cNvPr id="6" name="Text Placeholder 5">
@@ -5972,12 +6098,65 @@
             <p:ph type="body" sz="half" idx="2"/>
           </p:nvPr>
         </p:nvSpPr>
-        <p:spPr/>
+        <p:spPr>
+          <a:xfrm>
+            <a:off x="226312" y="159701"/>
+            <a:ext cx="6021388" cy="2048933"/>
+          </a:xfrm>
+        </p:spPr>
         <p:txBody>
           <a:bodyPr/>
           <a:lstStyle/>
           <a:p>
-            <a:endParaRPr lang="en-US"/>
+            <a:endParaRPr lang="en-US" dirty="0"/>
+          </a:p>
+        </p:txBody>
+      </p:sp>
+      <p:sp>
+        <p:nvSpPr>
+          <p:cNvPr id="9" name="TextBox 8">
+            <a:extLst>
+              <a:ext uri="{FF2B5EF4-FFF2-40B4-BE49-F238E27FC236}">
+                <a16:creationId xmlns:a16="http://schemas.microsoft.com/office/drawing/2014/main" id="{3F5FA88E-8E64-0F23-FEC2-6C228518BD6B}"/>
+              </a:ext>
+            </a:extLst>
+          </p:cNvPr>
+          <p:cNvSpPr txBox="1"/>
+          <p:nvPr/>
+        </p:nvSpPr>
+        <p:spPr>
+          <a:xfrm>
+            <a:off x="7172588" y="4799013"/>
+            <a:ext cx="4630476" cy="230832"/>
+          </a:xfrm>
+          <a:prstGeom prst="rect">
+            <a:avLst/>
+          </a:prstGeom>
+          <a:noFill/>
+        </p:spPr>
+        <p:txBody>
+          <a:bodyPr wrap="square" rtlCol="0">
+            <a:spAutoFit/>
+          </a:bodyPr>
+          <a:lstStyle/>
+          <a:p>
+            <a:r>
+              <a:rPr lang="en-US" sz="900">
+                <a:hlinkClick r:id="rId3" tooltip="https://ignasialcalde.es/los-datos-nunca-duermen-del-big-data-a-la-sabiduria/big-data-otro-2/"/>
+              </a:rPr>
+              <a:t>This Photo</a:t>
+            </a:r>
+            <a:r>
+              <a:rPr lang="en-US" sz="900"/>
+              <a:t> by Unknown Author is licensed under </a:t>
+            </a:r>
+            <a:r>
+              <a:rPr lang="en-US" sz="900">
+                <a:hlinkClick r:id="rId4" tooltip="https://creativecommons.org/licenses/by-nc-sa/3.0/"/>
+              </a:rPr>
+              <a:t>CC BY-SA-NC</a:t>
+            </a:r>
+            <a:endParaRPr lang="en-US" sz="900"/>
           </a:p>
         </p:txBody>
       </p:sp>
@@ -6046,24 +6225,45 @@
           </a:p>
         </p:txBody>
       </p:sp>
-      <p:sp>
-        <p:nvSpPr>
-          <p:cNvPr id="3" name="Picture Placeholder 2">
+      <p:pic>
+        <p:nvPicPr>
+          <p:cNvPr id="6" name="Picture Placeholder 5">
             <a:extLst>
               <a:ext uri="{FF2B5EF4-FFF2-40B4-BE49-F238E27FC236}">
-                <a16:creationId xmlns:a16="http://schemas.microsoft.com/office/drawing/2014/main" id="{3AA19957-0542-5C1F-4453-67FD7881FCF4}"/>
+                <a16:creationId xmlns:a16="http://schemas.microsoft.com/office/drawing/2014/main" id="{9F8B8416-219E-F0AC-5EC8-C0F9D64EBFB5}"/>
               </a:ext>
             </a:extLst>
           </p:cNvPr>
-          <p:cNvSpPr>
-            <a:spLocks noGrp="1"/>
-          </p:cNvSpPr>
+          <p:cNvPicPr>
+            <a:picLocks noGrp="1" noChangeAspect="1"/>
+          </p:cNvPicPr>
           <p:nvPr>
             <p:ph type="pic" idx="1"/>
           </p:nvPr>
-        </p:nvSpPr>
-        <p:spPr/>
-      </p:sp>
+        </p:nvPicPr>
+        <p:blipFill>
+          <a:blip r:embed="rId2">
+            <a:extLst>
+              <a:ext uri="{28A0092B-C50C-407E-A947-70E740481C1C}">
+                <a14:useLocalDpi xmlns:a14="http://schemas.microsoft.com/office/drawing/2010/main" val="0"/>
+              </a:ext>
+              <a:ext uri="{837473B0-CC2E-450A-ABE3-18F120FF3D39}">
+                <a1611:picAttrSrcUrl xmlns:a1611="http://schemas.microsoft.com/office/drawing/2016/11/main" r:id="rId3"/>
+              </a:ext>
+            </a:extLst>
+          </a:blip>
+          <a:srcRect l="23462" r="23462"/>
+          <a:stretch>
+            <a:fillRect/>
+          </a:stretch>
+        </p:blipFill>
+        <p:spPr>
+          <a:xfrm>
+            <a:off x="410171" y="342900"/>
+            <a:ext cx="3280974" cy="4572000"/>
+          </a:xfrm>
+        </p:spPr>
+      </p:pic>
       <p:sp>
         <p:nvSpPr>
           <p:cNvPr id="4" name="Text Placeholder 3">
@@ -6080,12 +6280,65 @@
             <p:ph type="body" sz="half" idx="2"/>
           </p:nvPr>
         </p:nvSpPr>
-        <p:spPr/>
+        <p:spPr>
+          <a:xfrm>
+            <a:off x="5242930" y="1511377"/>
+            <a:ext cx="6021388" cy="2048933"/>
+          </a:xfrm>
+        </p:spPr>
         <p:txBody>
           <a:bodyPr/>
           <a:lstStyle/>
           <a:p>
             <a:endParaRPr lang="en-US" dirty="0"/>
+          </a:p>
+        </p:txBody>
+      </p:sp>
+      <p:sp>
+        <p:nvSpPr>
+          <p:cNvPr id="7" name="TextBox 6">
+            <a:extLst>
+              <a:ext uri="{FF2B5EF4-FFF2-40B4-BE49-F238E27FC236}">
+                <a16:creationId xmlns:a16="http://schemas.microsoft.com/office/drawing/2014/main" id="{B8904A3A-89B3-4731-9CA2-18C7C9FB39A1}"/>
+              </a:ext>
+            </a:extLst>
+          </p:cNvPr>
+          <p:cNvSpPr txBox="1"/>
+          <p:nvPr/>
+        </p:nvSpPr>
+        <p:spPr>
+          <a:xfrm>
+            <a:off x="410171" y="4914900"/>
+            <a:ext cx="3280974" cy="369332"/>
+          </a:xfrm>
+          <a:prstGeom prst="rect">
+            <a:avLst/>
+          </a:prstGeom>
+          <a:noFill/>
+        </p:spPr>
+        <p:txBody>
+          <a:bodyPr wrap="square" rtlCol="0">
+            <a:spAutoFit/>
+          </a:bodyPr>
+          <a:lstStyle/>
+          <a:p>
+            <a:r>
+              <a:rPr lang="en-US" sz="900">
+                <a:hlinkClick r:id="rId3" tooltip="http://theconversation.com/quantum-computers-coming-to-a-store-near-you-16320"/>
+              </a:rPr>
+              <a:t>This Photo</a:t>
+            </a:r>
+            <a:r>
+              <a:rPr lang="en-US" sz="900"/>
+              <a:t> by Unknown Author is licensed under </a:t>
+            </a:r>
+            <a:r>
+              <a:rPr lang="en-US" sz="900">
+                <a:hlinkClick r:id="rId4" tooltip="https://creativecommons.org/licenses/by-nd/3.0/"/>
+              </a:rPr>
+              <a:t>CC BY-ND</a:t>
+            </a:r>
+            <a:endParaRPr lang="en-US" sz="900"/>
           </a:p>
         </p:txBody>
       </p:sp>
